--- a/RegistrationAgent.pptx
+++ b/RegistrationAgent.pptx
@@ -60,7 +60,7 @@
       </p:grpSpPr>
       <p:sp>
         <p:nvSpPr>
-          <p:cNvPr id="26" name="PlaceHolder 1"/>
+          <p:cNvPr id="23" name="PlaceHolder 1"/>
           <p:cNvSpPr>
             <a:spLocks noGrp="1"/>
           </p:cNvSpPr>
@@ -70,8 +70,8 @@
         </p:nvSpPr>
         <p:spPr>
           <a:xfrm>
-            <a:off x="457200" y="274680"/>
-            <a:ext cx="8229240" cy="1142640"/>
+            <a:off x="457200" y="273600"/>
+            <a:ext cx="8229240" cy="1144800"/>
           </a:xfrm>
           <a:prstGeom prst="rect">
             <a:avLst/>
@@ -80,23 +80,24 @@
         <p:txBody>
           <a:bodyPr lIns="0" rIns="0" tIns="0" bIns="0" anchor="ctr"/>
           <a:p>
-            <a:endParaRPr b="0" lang="de-DE" sz="1800" spc="-1" strike="noStrike">
-              <a:solidFill>
-                <a:srgbClr val="000000"/>
-              </a:solidFill>
-              <a:uFill>
-                <a:solidFill>
-                  <a:srgbClr val="ffffff"/>
-                </a:solidFill>
-              </a:uFill>
-              <a:latin typeface="Calibri"/>
-            </a:endParaRPr>
-          </a:p>
-        </p:txBody>
-      </p:sp>
-      <p:sp>
-        <p:nvSpPr>
-          <p:cNvPr id="27" name="PlaceHolder 2"/>
+            <a:pPr algn="ctr"/>
+            <a:endParaRPr b="0" lang="en-US" sz="4400" spc="-1" strike="noStrike">
+              <a:solidFill>
+                <a:srgbClr val="000000"/>
+              </a:solidFill>
+              <a:uFill>
+                <a:solidFill>
+                  <a:srgbClr val="ffffff"/>
+                </a:solidFill>
+              </a:uFill>
+              <a:latin typeface="Arial"/>
+            </a:endParaRPr>
+          </a:p>
+        </p:txBody>
+      </p:sp>
+      <p:sp>
+        <p:nvSpPr>
+          <p:cNvPr id="24" name="PlaceHolder 2"/>
           <p:cNvSpPr>
             <a:spLocks noGrp="1"/>
           </p:cNvSpPr>
@@ -106,8 +107,8 @@
         </p:nvSpPr>
         <p:spPr>
           <a:xfrm>
-            <a:off x="457200" y="1600200"/>
-            <a:ext cx="8229240" cy="2158560"/>
+            <a:off x="457200" y="1604520"/>
+            <a:ext cx="8229240" cy="1896840"/>
           </a:xfrm>
           <a:prstGeom prst="rect">
             <a:avLst/>
@@ -116,23 +117,23 @@
         <p:txBody>
           <a:bodyPr lIns="0" rIns="0" tIns="0" bIns="0"/>
           <a:p>
-            <a:endParaRPr b="0" lang="de-DE" sz="3200" spc="-1" strike="noStrike">
-              <a:solidFill>
-                <a:srgbClr val="000000"/>
-              </a:solidFill>
-              <a:uFill>
-                <a:solidFill>
-                  <a:srgbClr val="ffffff"/>
-                </a:solidFill>
-              </a:uFill>
-              <a:latin typeface="Calibri"/>
-            </a:endParaRPr>
-          </a:p>
-        </p:txBody>
-      </p:sp>
-      <p:sp>
-        <p:nvSpPr>
-          <p:cNvPr id="28" name="PlaceHolder 3"/>
+            <a:endParaRPr b="0" lang="en-US" sz="3200" spc="-1" strike="noStrike">
+              <a:solidFill>
+                <a:srgbClr val="000000"/>
+              </a:solidFill>
+              <a:uFill>
+                <a:solidFill>
+                  <a:srgbClr val="ffffff"/>
+                </a:solidFill>
+              </a:uFill>
+              <a:latin typeface="Arial"/>
+            </a:endParaRPr>
+          </a:p>
+        </p:txBody>
+      </p:sp>
+      <p:sp>
+        <p:nvSpPr>
+          <p:cNvPr id="25" name="PlaceHolder 3"/>
           <p:cNvSpPr>
             <a:spLocks noGrp="1"/>
           </p:cNvSpPr>
@@ -142,8 +143,8 @@
         </p:nvSpPr>
         <p:spPr>
           <a:xfrm>
-            <a:off x="457200" y="3964320"/>
-            <a:ext cx="8229240" cy="2158560"/>
+            <a:off x="457200" y="3682080"/>
+            <a:ext cx="8229240" cy="1896840"/>
           </a:xfrm>
           <a:prstGeom prst="rect">
             <a:avLst/>
@@ -152,16 +153,16 @@
         <p:txBody>
           <a:bodyPr lIns="0" rIns="0" tIns="0" bIns="0"/>
           <a:p>
-            <a:endParaRPr b="0" lang="de-DE" sz="3200" spc="-1" strike="noStrike">
-              <a:solidFill>
-                <a:srgbClr val="000000"/>
-              </a:solidFill>
-              <a:uFill>
-                <a:solidFill>
-                  <a:srgbClr val="ffffff"/>
-                </a:solidFill>
-              </a:uFill>
-              <a:latin typeface="Calibri"/>
+            <a:endParaRPr b="0" lang="en-US" sz="3200" spc="-1" strike="noStrike">
+              <a:solidFill>
+                <a:srgbClr val="000000"/>
+              </a:solidFill>
+              <a:uFill>
+                <a:solidFill>
+                  <a:srgbClr val="ffffff"/>
+                </a:solidFill>
+              </a:uFill>
+              <a:latin typeface="Arial"/>
             </a:endParaRPr>
           </a:p>
         </p:txBody>
@@ -190,7 +191,7 @@
       </p:grpSpPr>
       <p:sp>
         <p:nvSpPr>
-          <p:cNvPr id="29" name="PlaceHolder 1"/>
+          <p:cNvPr id="26" name="PlaceHolder 1"/>
           <p:cNvSpPr>
             <a:spLocks noGrp="1"/>
           </p:cNvSpPr>
@@ -200,8 +201,8 @@
         </p:nvSpPr>
         <p:spPr>
           <a:xfrm>
-            <a:off x="457200" y="274680"/>
-            <a:ext cx="8229240" cy="1142640"/>
+            <a:off x="457200" y="273600"/>
+            <a:ext cx="8229240" cy="1144800"/>
           </a:xfrm>
           <a:prstGeom prst="rect">
             <a:avLst/>
@@ -210,23 +211,24 @@
         <p:txBody>
           <a:bodyPr lIns="0" rIns="0" tIns="0" bIns="0" anchor="ctr"/>
           <a:p>
-            <a:endParaRPr b="0" lang="de-DE" sz="1800" spc="-1" strike="noStrike">
-              <a:solidFill>
-                <a:srgbClr val="000000"/>
-              </a:solidFill>
-              <a:uFill>
-                <a:solidFill>
-                  <a:srgbClr val="ffffff"/>
-                </a:solidFill>
-              </a:uFill>
-              <a:latin typeface="Calibri"/>
-            </a:endParaRPr>
-          </a:p>
-        </p:txBody>
-      </p:sp>
-      <p:sp>
-        <p:nvSpPr>
-          <p:cNvPr id="30" name="PlaceHolder 2"/>
+            <a:pPr algn="ctr"/>
+            <a:endParaRPr b="0" lang="en-US" sz="4400" spc="-1" strike="noStrike">
+              <a:solidFill>
+                <a:srgbClr val="000000"/>
+              </a:solidFill>
+              <a:uFill>
+                <a:solidFill>
+                  <a:srgbClr val="ffffff"/>
+                </a:solidFill>
+              </a:uFill>
+              <a:latin typeface="Arial"/>
+            </a:endParaRPr>
+          </a:p>
+        </p:txBody>
+      </p:sp>
+      <p:sp>
+        <p:nvSpPr>
+          <p:cNvPr id="27" name="PlaceHolder 2"/>
           <p:cNvSpPr>
             <a:spLocks noGrp="1"/>
           </p:cNvSpPr>
@@ -236,8 +238,8 @@
         </p:nvSpPr>
         <p:spPr>
           <a:xfrm>
-            <a:off x="457200" y="1600200"/>
-            <a:ext cx="4015800" cy="2158560"/>
+            <a:off x="457200" y="1604520"/>
+            <a:ext cx="4015800" cy="1896840"/>
           </a:xfrm>
           <a:prstGeom prst="rect">
             <a:avLst/>
@@ -246,23 +248,23 @@
         <p:txBody>
           <a:bodyPr lIns="0" rIns="0" tIns="0" bIns="0"/>
           <a:p>
-            <a:endParaRPr b="0" lang="de-DE" sz="3200" spc="-1" strike="noStrike">
-              <a:solidFill>
-                <a:srgbClr val="000000"/>
-              </a:solidFill>
-              <a:uFill>
-                <a:solidFill>
-                  <a:srgbClr val="ffffff"/>
-                </a:solidFill>
-              </a:uFill>
-              <a:latin typeface="Calibri"/>
-            </a:endParaRPr>
-          </a:p>
-        </p:txBody>
-      </p:sp>
-      <p:sp>
-        <p:nvSpPr>
-          <p:cNvPr id="31" name="PlaceHolder 3"/>
+            <a:endParaRPr b="0" lang="en-US" sz="3200" spc="-1" strike="noStrike">
+              <a:solidFill>
+                <a:srgbClr val="000000"/>
+              </a:solidFill>
+              <a:uFill>
+                <a:solidFill>
+                  <a:srgbClr val="ffffff"/>
+                </a:solidFill>
+              </a:uFill>
+              <a:latin typeface="Arial"/>
+            </a:endParaRPr>
+          </a:p>
+        </p:txBody>
+      </p:sp>
+      <p:sp>
+        <p:nvSpPr>
+          <p:cNvPr id="28" name="PlaceHolder 3"/>
           <p:cNvSpPr>
             <a:spLocks noGrp="1"/>
           </p:cNvSpPr>
@@ -272,8 +274,8 @@
         </p:nvSpPr>
         <p:spPr>
           <a:xfrm>
-            <a:off x="4674240" y="1600200"/>
-            <a:ext cx="4015800" cy="2158560"/>
+            <a:off x="4674240" y="1604520"/>
+            <a:ext cx="4015800" cy="1896840"/>
           </a:xfrm>
           <a:prstGeom prst="rect">
             <a:avLst/>
@@ -282,23 +284,23 @@
         <p:txBody>
           <a:bodyPr lIns="0" rIns="0" tIns="0" bIns="0"/>
           <a:p>
-            <a:endParaRPr b="0" lang="de-DE" sz="3200" spc="-1" strike="noStrike">
-              <a:solidFill>
-                <a:srgbClr val="000000"/>
-              </a:solidFill>
-              <a:uFill>
-                <a:solidFill>
-                  <a:srgbClr val="ffffff"/>
-                </a:solidFill>
-              </a:uFill>
-              <a:latin typeface="Calibri"/>
-            </a:endParaRPr>
-          </a:p>
-        </p:txBody>
-      </p:sp>
-      <p:sp>
-        <p:nvSpPr>
-          <p:cNvPr id="32" name="PlaceHolder 4"/>
+            <a:endParaRPr b="0" lang="en-US" sz="3200" spc="-1" strike="noStrike">
+              <a:solidFill>
+                <a:srgbClr val="000000"/>
+              </a:solidFill>
+              <a:uFill>
+                <a:solidFill>
+                  <a:srgbClr val="ffffff"/>
+                </a:solidFill>
+              </a:uFill>
+              <a:latin typeface="Arial"/>
+            </a:endParaRPr>
+          </a:p>
+        </p:txBody>
+      </p:sp>
+      <p:sp>
+        <p:nvSpPr>
+          <p:cNvPr id="29" name="PlaceHolder 4"/>
           <p:cNvSpPr>
             <a:spLocks noGrp="1"/>
           </p:cNvSpPr>
@@ -308,8 +310,8 @@
         </p:nvSpPr>
         <p:spPr>
           <a:xfrm>
-            <a:off x="4674240" y="3964320"/>
-            <a:ext cx="4015800" cy="2158560"/>
+            <a:off x="4674240" y="3682080"/>
+            <a:ext cx="4015800" cy="1896840"/>
           </a:xfrm>
           <a:prstGeom prst="rect">
             <a:avLst/>
@@ -318,23 +320,23 @@
         <p:txBody>
           <a:bodyPr lIns="0" rIns="0" tIns="0" bIns="0"/>
           <a:p>
-            <a:endParaRPr b="0" lang="de-DE" sz="3200" spc="-1" strike="noStrike">
-              <a:solidFill>
-                <a:srgbClr val="000000"/>
-              </a:solidFill>
-              <a:uFill>
-                <a:solidFill>
-                  <a:srgbClr val="ffffff"/>
-                </a:solidFill>
-              </a:uFill>
-              <a:latin typeface="Calibri"/>
-            </a:endParaRPr>
-          </a:p>
-        </p:txBody>
-      </p:sp>
-      <p:sp>
-        <p:nvSpPr>
-          <p:cNvPr id="33" name="PlaceHolder 5"/>
+            <a:endParaRPr b="0" lang="en-US" sz="3200" spc="-1" strike="noStrike">
+              <a:solidFill>
+                <a:srgbClr val="000000"/>
+              </a:solidFill>
+              <a:uFill>
+                <a:solidFill>
+                  <a:srgbClr val="ffffff"/>
+                </a:solidFill>
+              </a:uFill>
+              <a:latin typeface="Arial"/>
+            </a:endParaRPr>
+          </a:p>
+        </p:txBody>
+      </p:sp>
+      <p:sp>
+        <p:nvSpPr>
+          <p:cNvPr id="30" name="PlaceHolder 5"/>
           <p:cNvSpPr>
             <a:spLocks noGrp="1"/>
           </p:cNvSpPr>
@@ -344,8 +346,8 @@
         </p:nvSpPr>
         <p:spPr>
           <a:xfrm>
-            <a:off x="457200" y="3964320"/>
-            <a:ext cx="4015800" cy="2158560"/>
+            <a:off x="457200" y="3682080"/>
+            <a:ext cx="4015800" cy="1896840"/>
           </a:xfrm>
           <a:prstGeom prst="rect">
             <a:avLst/>
@@ -354,16 +356,16 @@
         <p:txBody>
           <a:bodyPr lIns="0" rIns="0" tIns="0" bIns="0"/>
           <a:p>
-            <a:endParaRPr b="0" lang="de-DE" sz="3200" spc="-1" strike="noStrike">
-              <a:solidFill>
-                <a:srgbClr val="000000"/>
-              </a:solidFill>
-              <a:uFill>
-                <a:solidFill>
-                  <a:srgbClr val="ffffff"/>
-                </a:solidFill>
-              </a:uFill>
-              <a:latin typeface="Calibri"/>
+            <a:endParaRPr b="0" lang="en-US" sz="3200" spc="-1" strike="noStrike">
+              <a:solidFill>
+                <a:srgbClr val="000000"/>
+              </a:solidFill>
+              <a:uFill>
+                <a:solidFill>
+                  <a:srgbClr val="ffffff"/>
+                </a:solidFill>
+              </a:uFill>
+              <a:latin typeface="Arial"/>
             </a:endParaRPr>
           </a:p>
         </p:txBody>
@@ -392,7 +394,7 @@
       </p:grpSpPr>
       <p:sp>
         <p:nvSpPr>
-          <p:cNvPr id="34" name="PlaceHolder 1"/>
+          <p:cNvPr id="31" name="PlaceHolder 1"/>
           <p:cNvSpPr>
             <a:spLocks noGrp="1"/>
           </p:cNvSpPr>
@@ -402,8 +404,8 @@
         </p:nvSpPr>
         <p:spPr>
           <a:xfrm>
-            <a:off x="457200" y="274680"/>
-            <a:ext cx="8229240" cy="1142640"/>
+            <a:off x="457200" y="273600"/>
+            <a:ext cx="8229240" cy="1144800"/>
           </a:xfrm>
           <a:prstGeom prst="rect">
             <a:avLst/>
@@ -412,23 +414,24 @@
         <p:txBody>
           <a:bodyPr lIns="0" rIns="0" tIns="0" bIns="0" anchor="ctr"/>
           <a:p>
-            <a:endParaRPr b="0" lang="de-DE" sz="1800" spc="-1" strike="noStrike">
-              <a:solidFill>
-                <a:srgbClr val="000000"/>
-              </a:solidFill>
-              <a:uFill>
-                <a:solidFill>
-                  <a:srgbClr val="ffffff"/>
-                </a:solidFill>
-              </a:uFill>
-              <a:latin typeface="Calibri"/>
-            </a:endParaRPr>
-          </a:p>
-        </p:txBody>
-      </p:sp>
-      <p:sp>
-        <p:nvSpPr>
-          <p:cNvPr id="35" name="PlaceHolder 2"/>
+            <a:pPr algn="ctr"/>
+            <a:endParaRPr b="0" lang="en-US" sz="4400" spc="-1" strike="noStrike">
+              <a:solidFill>
+                <a:srgbClr val="000000"/>
+              </a:solidFill>
+              <a:uFill>
+                <a:solidFill>
+                  <a:srgbClr val="ffffff"/>
+                </a:solidFill>
+              </a:uFill>
+              <a:latin typeface="Arial"/>
+            </a:endParaRPr>
+          </a:p>
+        </p:txBody>
+      </p:sp>
+      <p:sp>
+        <p:nvSpPr>
+          <p:cNvPr id="32" name="PlaceHolder 2"/>
           <p:cNvSpPr>
             <a:spLocks noGrp="1"/>
           </p:cNvSpPr>
@@ -438,8 +441,8 @@
         </p:nvSpPr>
         <p:spPr>
           <a:xfrm>
-            <a:off x="457200" y="1600200"/>
-            <a:ext cx="8229240" cy="4525560"/>
+            <a:off x="457200" y="1604520"/>
+            <a:ext cx="8229240" cy="3977280"/>
           </a:xfrm>
           <a:prstGeom prst="rect">
             <a:avLst/>
@@ -448,23 +451,23 @@
         <p:txBody>
           <a:bodyPr lIns="0" rIns="0" tIns="0" bIns="0"/>
           <a:p>
-            <a:endParaRPr b="0" lang="de-DE" sz="3200" spc="-1" strike="noStrike">
-              <a:solidFill>
-                <a:srgbClr val="000000"/>
-              </a:solidFill>
-              <a:uFill>
-                <a:solidFill>
-                  <a:srgbClr val="ffffff"/>
-                </a:solidFill>
-              </a:uFill>
-              <a:latin typeface="Calibri"/>
-            </a:endParaRPr>
-          </a:p>
-        </p:txBody>
-      </p:sp>
-      <p:sp>
-        <p:nvSpPr>
-          <p:cNvPr id="36" name="PlaceHolder 3"/>
+            <a:endParaRPr b="0" lang="en-US" sz="3200" spc="-1" strike="noStrike">
+              <a:solidFill>
+                <a:srgbClr val="000000"/>
+              </a:solidFill>
+              <a:uFill>
+                <a:solidFill>
+                  <a:srgbClr val="ffffff"/>
+                </a:solidFill>
+              </a:uFill>
+              <a:latin typeface="Arial"/>
+            </a:endParaRPr>
+          </a:p>
+        </p:txBody>
+      </p:sp>
+      <p:sp>
+        <p:nvSpPr>
+          <p:cNvPr id="33" name="PlaceHolder 3"/>
           <p:cNvSpPr>
             <a:spLocks noGrp="1"/>
           </p:cNvSpPr>
@@ -474,8 +477,8 @@
         </p:nvSpPr>
         <p:spPr>
           <a:xfrm>
-            <a:off x="457200" y="1600200"/>
-            <a:ext cx="8229240" cy="4525560"/>
+            <a:off x="457200" y="1604520"/>
+            <a:ext cx="8229240" cy="3977280"/>
           </a:xfrm>
           <a:prstGeom prst="rect">
             <a:avLst/>
@@ -484,23 +487,23 @@
         <p:txBody>
           <a:bodyPr lIns="0" rIns="0" tIns="0" bIns="0"/>
           <a:p>
-            <a:endParaRPr b="0" lang="de-DE" sz="3200" spc="-1" strike="noStrike">
-              <a:solidFill>
-                <a:srgbClr val="000000"/>
-              </a:solidFill>
-              <a:uFill>
-                <a:solidFill>
-                  <a:srgbClr val="ffffff"/>
-                </a:solidFill>
-              </a:uFill>
-              <a:latin typeface="Calibri"/>
+            <a:endParaRPr b="0" lang="en-US" sz="3200" spc="-1" strike="noStrike">
+              <a:solidFill>
+                <a:srgbClr val="000000"/>
+              </a:solidFill>
+              <a:uFill>
+                <a:solidFill>
+                  <a:srgbClr val="ffffff"/>
+                </a:solidFill>
+              </a:uFill>
+              <a:latin typeface="Arial"/>
             </a:endParaRPr>
           </a:p>
         </p:txBody>
       </p:sp>
       <p:pic>
         <p:nvPicPr>
-          <p:cNvPr id="37" name="" descr=""/>
+          <p:cNvPr id="34" name="" descr=""/>
           <p:cNvPicPr/>
           <p:nvPr/>
         </p:nvPicPr>
@@ -510,8 +513,8 @@
         </p:blipFill>
         <p:spPr>
           <a:xfrm>
-            <a:off x="1735560" y="1599840"/>
-            <a:ext cx="5671800" cy="4525560"/>
+            <a:off x="2079000" y="1604520"/>
+            <a:ext cx="4984920" cy="3977280"/>
           </a:xfrm>
           <a:prstGeom prst="rect">
             <a:avLst/>
@@ -523,7 +526,7 @@
       </p:pic>
       <p:pic>
         <p:nvPicPr>
-          <p:cNvPr id="38" name="" descr=""/>
+          <p:cNvPr id="35" name="" descr=""/>
           <p:cNvPicPr/>
           <p:nvPr/>
         </p:nvPicPr>
@@ -533,8 +536,8 @@
         </p:blipFill>
         <p:spPr>
           <a:xfrm>
-            <a:off x="1735560" y="1599840"/>
-            <a:ext cx="5671800" cy="4525560"/>
+            <a:off x="2079000" y="1604520"/>
+            <a:ext cx="4984920" cy="3977280"/>
           </a:xfrm>
           <a:prstGeom prst="rect">
             <a:avLst/>
@@ -590,7 +593,7 @@
       </p:grpSpPr>
       <p:sp>
         <p:nvSpPr>
-          <p:cNvPr id="44" name="PlaceHolder 1"/>
+          <p:cNvPr id="38" name="PlaceHolder 1"/>
           <p:cNvSpPr>
             <a:spLocks noGrp="1"/>
           </p:cNvSpPr>
@@ -600,8 +603,8 @@
         </p:nvSpPr>
         <p:spPr>
           <a:xfrm>
-            <a:off x="457200" y="274680"/>
-            <a:ext cx="8229240" cy="1142640"/>
+            <a:off x="457200" y="273600"/>
+            <a:ext cx="8229240" cy="1144800"/>
           </a:xfrm>
           <a:prstGeom prst="rect">
             <a:avLst/>
@@ -610,23 +613,24 @@
         <p:txBody>
           <a:bodyPr lIns="0" rIns="0" tIns="0" bIns="0" anchor="ctr"/>
           <a:p>
-            <a:endParaRPr b="0" lang="de-DE" sz="1800" spc="-1" strike="noStrike">
-              <a:solidFill>
-                <a:srgbClr val="000000"/>
-              </a:solidFill>
-              <a:uFill>
-                <a:solidFill>
-                  <a:srgbClr val="ffffff"/>
-                </a:solidFill>
-              </a:uFill>
-              <a:latin typeface="Calibri"/>
-            </a:endParaRPr>
-          </a:p>
-        </p:txBody>
-      </p:sp>
-      <p:sp>
-        <p:nvSpPr>
-          <p:cNvPr id="45" name="PlaceHolder 2"/>
+            <a:pPr algn="ctr"/>
+            <a:endParaRPr b="0" lang="en-US" sz="4400" spc="-1" strike="noStrike">
+              <a:solidFill>
+                <a:srgbClr val="000000"/>
+              </a:solidFill>
+              <a:uFill>
+                <a:solidFill>
+                  <a:srgbClr val="ffffff"/>
+                </a:solidFill>
+              </a:uFill>
+              <a:latin typeface="Arial"/>
+            </a:endParaRPr>
+          </a:p>
+        </p:txBody>
+      </p:sp>
+      <p:sp>
+        <p:nvSpPr>
+          <p:cNvPr id="39" name="PlaceHolder 2"/>
           <p:cNvSpPr>
             <a:spLocks noGrp="1"/>
           </p:cNvSpPr>
@@ -636,8 +640,8 @@
         </p:nvSpPr>
         <p:spPr>
           <a:xfrm>
-            <a:off x="457200" y="1600200"/>
-            <a:ext cx="8229240" cy="4525560"/>
+            <a:off x="457200" y="1604520"/>
+            <a:ext cx="8229240" cy="3977280"/>
           </a:xfrm>
           <a:prstGeom prst="rect">
             <a:avLst/>
@@ -685,7 +689,7 @@
       </p:grpSpPr>
       <p:sp>
         <p:nvSpPr>
-          <p:cNvPr id="46" name="PlaceHolder 1"/>
+          <p:cNvPr id="40" name="PlaceHolder 1"/>
           <p:cNvSpPr>
             <a:spLocks noGrp="1"/>
           </p:cNvSpPr>
@@ -695,8 +699,8 @@
         </p:nvSpPr>
         <p:spPr>
           <a:xfrm>
-            <a:off x="457200" y="274680"/>
-            <a:ext cx="8229240" cy="1142640"/>
+            <a:off x="457200" y="273600"/>
+            <a:ext cx="8229240" cy="1144800"/>
           </a:xfrm>
           <a:prstGeom prst="rect">
             <a:avLst/>
@@ -705,23 +709,24 @@
         <p:txBody>
           <a:bodyPr lIns="0" rIns="0" tIns="0" bIns="0" anchor="ctr"/>
           <a:p>
-            <a:endParaRPr b="0" lang="de-DE" sz="1800" spc="-1" strike="noStrike">
-              <a:solidFill>
-                <a:srgbClr val="000000"/>
-              </a:solidFill>
-              <a:uFill>
-                <a:solidFill>
-                  <a:srgbClr val="ffffff"/>
-                </a:solidFill>
-              </a:uFill>
-              <a:latin typeface="Calibri"/>
-            </a:endParaRPr>
-          </a:p>
-        </p:txBody>
-      </p:sp>
-      <p:sp>
-        <p:nvSpPr>
-          <p:cNvPr id="47" name="PlaceHolder 2"/>
+            <a:pPr algn="ctr"/>
+            <a:endParaRPr b="0" lang="en-US" sz="4400" spc="-1" strike="noStrike">
+              <a:solidFill>
+                <a:srgbClr val="000000"/>
+              </a:solidFill>
+              <a:uFill>
+                <a:solidFill>
+                  <a:srgbClr val="ffffff"/>
+                </a:solidFill>
+              </a:uFill>
+              <a:latin typeface="Arial"/>
+            </a:endParaRPr>
+          </a:p>
+        </p:txBody>
+      </p:sp>
+      <p:sp>
+        <p:nvSpPr>
+          <p:cNvPr id="41" name="PlaceHolder 2"/>
           <p:cNvSpPr>
             <a:spLocks noGrp="1"/>
           </p:cNvSpPr>
@@ -731,8 +736,8 @@
         </p:nvSpPr>
         <p:spPr>
           <a:xfrm>
-            <a:off x="457200" y="1600200"/>
-            <a:ext cx="8229240" cy="4525560"/>
+            <a:off x="457200" y="1604520"/>
+            <a:ext cx="8229240" cy="3977280"/>
           </a:xfrm>
           <a:prstGeom prst="rect">
             <a:avLst/>
@@ -741,16 +746,16 @@
         <p:txBody>
           <a:bodyPr lIns="0" rIns="0" tIns="0" bIns="0"/>
           <a:p>
-            <a:endParaRPr b="0" lang="de-DE" sz="3200" spc="-1" strike="noStrike">
-              <a:solidFill>
-                <a:srgbClr val="000000"/>
-              </a:solidFill>
-              <a:uFill>
-                <a:solidFill>
-                  <a:srgbClr val="ffffff"/>
-                </a:solidFill>
-              </a:uFill>
-              <a:latin typeface="Calibri"/>
+            <a:endParaRPr b="0" lang="en-US" sz="3200" spc="-1" strike="noStrike">
+              <a:solidFill>
+                <a:srgbClr val="000000"/>
+              </a:solidFill>
+              <a:uFill>
+                <a:solidFill>
+                  <a:srgbClr val="ffffff"/>
+                </a:solidFill>
+              </a:uFill>
+              <a:latin typeface="Arial"/>
             </a:endParaRPr>
           </a:p>
         </p:txBody>
@@ -779,7 +784,7 @@
       </p:grpSpPr>
       <p:sp>
         <p:nvSpPr>
-          <p:cNvPr id="48" name="PlaceHolder 1"/>
+          <p:cNvPr id="42" name="PlaceHolder 1"/>
           <p:cNvSpPr>
             <a:spLocks noGrp="1"/>
           </p:cNvSpPr>
@@ -789,8 +794,8 @@
         </p:nvSpPr>
         <p:spPr>
           <a:xfrm>
-            <a:off x="457200" y="274680"/>
-            <a:ext cx="8229240" cy="1142640"/>
+            <a:off x="457200" y="273600"/>
+            <a:ext cx="8229240" cy="1144800"/>
           </a:xfrm>
           <a:prstGeom prst="rect">
             <a:avLst/>
@@ -799,23 +804,24 @@
         <p:txBody>
           <a:bodyPr lIns="0" rIns="0" tIns="0" bIns="0" anchor="ctr"/>
           <a:p>
-            <a:endParaRPr b="0" lang="de-DE" sz="1800" spc="-1" strike="noStrike">
-              <a:solidFill>
-                <a:srgbClr val="000000"/>
-              </a:solidFill>
-              <a:uFill>
-                <a:solidFill>
-                  <a:srgbClr val="ffffff"/>
-                </a:solidFill>
-              </a:uFill>
-              <a:latin typeface="Calibri"/>
-            </a:endParaRPr>
-          </a:p>
-        </p:txBody>
-      </p:sp>
-      <p:sp>
-        <p:nvSpPr>
-          <p:cNvPr id="49" name="PlaceHolder 2"/>
+            <a:pPr algn="ctr"/>
+            <a:endParaRPr b="0" lang="en-US" sz="4400" spc="-1" strike="noStrike">
+              <a:solidFill>
+                <a:srgbClr val="000000"/>
+              </a:solidFill>
+              <a:uFill>
+                <a:solidFill>
+                  <a:srgbClr val="ffffff"/>
+                </a:solidFill>
+              </a:uFill>
+              <a:latin typeface="Arial"/>
+            </a:endParaRPr>
+          </a:p>
+        </p:txBody>
+      </p:sp>
+      <p:sp>
+        <p:nvSpPr>
+          <p:cNvPr id="43" name="PlaceHolder 2"/>
           <p:cNvSpPr>
             <a:spLocks noGrp="1"/>
           </p:cNvSpPr>
@@ -825,8 +831,8 @@
         </p:nvSpPr>
         <p:spPr>
           <a:xfrm>
-            <a:off x="457200" y="1600200"/>
-            <a:ext cx="4015800" cy="4525560"/>
+            <a:off x="457200" y="1604520"/>
+            <a:ext cx="4015800" cy="3977280"/>
           </a:xfrm>
           <a:prstGeom prst="rect">
             <a:avLst/>
@@ -835,23 +841,23 @@
         <p:txBody>
           <a:bodyPr lIns="0" rIns="0" tIns="0" bIns="0"/>
           <a:p>
-            <a:endParaRPr b="0" lang="de-DE" sz="3200" spc="-1" strike="noStrike">
-              <a:solidFill>
-                <a:srgbClr val="000000"/>
-              </a:solidFill>
-              <a:uFill>
-                <a:solidFill>
-                  <a:srgbClr val="ffffff"/>
-                </a:solidFill>
-              </a:uFill>
-              <a:latin typeface="Calibri"/>
-            </a:endParaRPr>
-          </a:p>
-        </p:txBody>
-      </p:sp>
-      <p:sp>
-        <p:nvSpPr>
-          <p:cNvPr id="50" name="PlaceHolder 3"/>
+            <a:endParaRPr b="0" lang="en-US" sz="3200" spc="-1" strike="noStrike">
+              <a:solidFill>
+                <a:srgbClr val="000000"/>
+              </a:solidFill>
+              <a:uFill>
+                <a:solidFill>
+                  <a:srgbClr val="ffffff"/>
+                </a:solidFill>
+              </a:uFill>
+              <a:latin typeface="Arial"/>
+            </a:endParaRPr>
+          </a:p>
+        </p:txBody>
+      </p:sp>
+      <p:sp>
+        <p:nvSpPr>
+          <p:cNvPr id="44" name="PlaceHolder 3"/>
           <p:cNvSpPr>
             <a:spLocks noGrp="1"/>
           </p:cNvSpPr>
@@ -861,8 +867,8 @@
         </p:nvSpPr>
         <p:spPr>
           <a:xfrm>
-            <a:off x="4674240" y="1600200"/>
-            <a:ext cx="4015800" cy="4525560"/>
+            <a:off x="4674240" y="1604520"/>
+            <a:ext cx="4015800" cy="3977280"/>
           </a:xfrm>
           <a:prstGeom prst="rect">
             <a:avLst/>
@@ -871,16 +877,16 @@
         <p:txBody>
           <a:bodyPr lIns="0" rIns="0" tIns="0" bIns="0"/>
           <a:p>
-            <a:endParaRPr b="0" lang="de-DE" sz="3200" spc="-1" strike="noStrike">
-              <a:solidFill>
-                <a:srgbClr val="000000"/>
-              </a:solidFill>
-              <a:uFill>
-                <a:solidFill>
-                  <a:srgbClr val="ffffff"/>
-                </a:solidFill>
-              </a:uFill>
-              <a:latin typeface="Calibri"/>
+            <a:endParaRPr b="0" lang="en-US" sz="3200" spc="-1" strike="noStrike">
+              <a:solidFill>
+                <a:srgbClr val="000000"/>
+              </a:solidFill>
+              <a:uFill>
+                <a:solidFill>
+                  <a:srgbClr val="ffffff"/>
+                </a:solidFill>
+              </a:uFill>
+              <a:latin typeface="Arial"/>
             </a:endParaRPr>
           </a:p>
         </p:txBody>
@@ -909,7 +915,7 @@
       </p:grpSpPr>
       <p:sp>
         <p:nvSpPr>
-          <p:cNvPr id="51" name="PlaceHolder 1"/>
+          <p:cNvPr id="45" name="PlaceHolder 1"/>
           <p:cNvSpPr>
             <a:spLocks noGrp="1"/>
           </p:cNvSpPr>
@@ -919,8 +925,8 @@
         </p:nvSpPr>
         <p:spPr>
           <a:xfrm>
-            <a:off x="457200" y="274680"/>
-            <a:ext cx="8229240" cy="1142640"/>
+            <a:off x="457200" y="273600"/>
+            <a:ext cx="8229240" cy="1144800"/>
           </a:xfrm>
           <a:prstGeom prst="rect">
             <a:avLst/>
@@ -929,16 +935,17 @@
         <p:txBody>
           <a:bodyPr lIns="0" rIns="0" tIns="0" bIns="0" anchor="ctr"/>
           <a:p>
-            <a:endParaRPr b="0" lang="de-DE" sz="1800" spc="-1" strike="noStrike">
-              <a:solidFill>
-                <a:srgbClr val="000000"/>
-              </a:solidFill>
-              <a:uFill>
-                <a:solidFill>
-                  <a:srgbClr val="ffffff"/>
-                </a:solidFill>
-              </a:uFill>
-              <a:latin typeface="Calibri"/>
+            <a:pPr algn="ctr"/>
+            <a:endParaRPr b="0" lang="en-US" sz="4400" spc="-1" strike="noStrike">
+              <a:solidFill>
+                <a:srgbClr val="000000"/>
+              </a:solidFill>
+              <a:uFill>
+                <a:solidFill>
+                  <a:srgbClr val="ffffff"/>
+                </a:solidFill>
+              </a:uFill>
+              <a:latin typeface="Arial"/>
             </a:endParaRPr>
           </a:p>
         </p:txBody>
@@ -967,7 +974,7 @@
       </p:grpSpPr>
       <p:sp>
         <p:nvSpPr>
-          <p:cNvPr id="52" name="PlaceHolder 1"/>
+          <p:cNvPr id="46" name="PlaceHolder 1"/>
           <p:cNvSpPr>
             <a:spLocks noGrp="1"/>
           </p:cNvSpPr>
@@ -977,8 +984,8 @@
         </p:nvSpPr>
         <p:spPr>
           <a:xfrm>
-            <a:off x="457200" y="274680"/>
-            <a:ext cx="8229240" cy="5297760"/>
+            <a:off x="457200" y="273600"/>
+            <a:ext cx="8229240" cy="5307840"/>
           </a:xfrm>
           <a:prstGeom prst="rect">
             <a:avLst/>
@@ -1026,7 +1033,7 @@
       </p:grpSpPr>
       <p:sp>
         <p:nvSpPr>
-          <p:cNvPr id="53" name="PlaceHolder 1"/>
+          <p:cNvPr id="47" name="PlaceHolder 1"/>
           <p:cNvSpPr>
             <a:spLocks noGrp="1"/>
           </p:cNvSpPr>
@@ -1036,8 +1043,8 @@
         </p:nvSpPr>
         <p:spPr>
           <a:xfrm>
-            <a:off x="457200" y="274680"/>
-            <a:ext cx="8229240" cy="1142640"/>
+            <a:off x="457200" y="273600"/>
+            <a:ext cx="8229240" cy="1144800"/>
           </a:xfrm>
           <a:prstGeom prst="rect">
             <a:avLst/>
@@ -1046,23 +1053,24 @@
         <p:txBody>
           <a:bodyPr lIns="0" rIns="0" tIns="0" bIns="0" anchor="ctr"/>
           <a:p>
-            <a:endParaRPr b="0" lang="de-DE" sz="1800" spc="-1" strike="noStrike">
-              <a:solidFill>
-                <a:srgbClr val="000000"/>
-              </a:solidFill>
-              <a:uFill>
-                <a:solidFill>
-                  <a:srgbClr val="ffffff"/>
-                </a:solidFill>
-              </a:uFill>
-              <a:latin typeface="Calibri"/>
-            </a:endParaRPr>
-          </a:p>
-        </p:txBody>
-      </p:sp>
-      <p:sp>
-        <p:nvSpPr>
-          <p:cNvPr id="54" name="PlaceHolder 2"/>
+            <a:pPr algn="ctr"/>
+            <a:endParaRPr b="0" lang="en-US" sz="4400" spc="-1" strike="noStrike">
+              <a:solidFill>
+                <a:srgbClr val="000000"/>
+              </a:solidFill>
+              <a:uFill>
+                <a:solidFill>
+                  <a:srgbClr val="ffffff"/>
+                </a:solidFill>
+              </a:uFill>
+              <a:latin typeface="Arial"/>
+            </a:endParaRPr>
+          </a:p>
+        </p:txBody>
+      </p:sp>
+      <p:sp>
+        <p:nvSpPr>
+          <p:cNvPr id="48" name="PlaceHolder 2"/>
           <p:cNvSpPr>
             <a:spLocks noGrp="1"/>
           </p:cNvSpPr>
@@ -1072,8 +1080,8 @@
         </p:nvSpPr>
         <p:spPr>
           <a:xfrm>
-            <a:off x="457200" y="1600200"/>
-            <a:ext cx="4015800" cy="2158560"/>
+            <a:off x="457200" y="1604520"/>
+            <a:ext cx="4015800" cy="1896840"/>
           </a:xfrm>
           <a:prstGeom prst="rect">
             <a:avLst/>
@@ -1082,23 +1090,23 @@
         <p:txBody>
           <a:bodyPr lIns="0" rIns="0" tIns="0" bIns="0"/>
           <a:p>
-            <a:endParaRPr b="0" lang="de-DE" sz="3200" spc="-1" strike="noStrike">
-              <a:solidFill>
-                <a:srgbClr val="000000"/>
-              </a:solidFill>
-              <a:uFill>
-                <a:solidFill>
-                  <a:srgbClr val="ffffff"/>
-                </a:solidFill>
-              </a:uFill>
-              <a:latin typeface="Calibri"/>
-            </a:endParaRPr>
-          </a:p>
-        </p:txBody>
-      </p:sp>
-      <p:sp>
-        <p:nvSpPr>
-          <p:cNvPr id="55" name="PlaceHolder 3"/>
+            <a:endParaRPr b="0" lang="en-US" sz="3200" spc="-1" strike="noStrike">
+              <a:solidFill>
+                <a:srgbClr val="000000"/>
+              </a:solidFill>
+              <a:uFill>
+                <a:solidFill>
+                  <a:srgbClr val="ffffff"/>
+                </a:solidFill>
+              </a:uFill>
+              <a:latin typeface="Arial"/>
+            </a:endParaRPr>
+          </a:p>
+        </p:txBody>
+      </p:sp>
+      <p:sp>
+        <p:nvSpPr>
+          <p:cNvPr id="49" name="PlaceHolder 3"/>
           <p:cNvSpPr>
             <a:spLocks noGrp="1"/>
           </p:cNvSpPr>
@@ -1108,8 +1116,8 @@
         </p:nvSpPr>
         <p:spPr>
           <a:xfrm>
-            <a:off x="457200" y="3964320"/>
-            <a:ext cx="4015800" cy="2158560"/>
+            <a:off x="457200" y="3682080"/>
+            <a:ext cx="4015800" cy="1896840"/>
           </a:xfrm>
           <a:prstGeom prst="rect">
             <a:avLst/>
@@ -1118,23 +1126,23 @@
         <p:txBody>
           <a:bodyPr lIns="0" rIns="0" tIns="0" bIns="0"/>
           <a:p>
-            <a:endParaRPr b="0" lang="de-DE" sz="3200" spc="-1" strike="noStrike">
-              <a:solidFill>
-                <a:srgbClr val="000000"/>
-              </a:solidFill>
-              <a:uFill>
-                <a:solidFill>
-                  <a:srgbClr val="ffffff"/>
-                </a:solidFill>
-              </a:uFill>
-              <a:latin typeface="Calibri"/>
-            </a:endParaRPr>
-          </a:p>
-        </p:txBody>
-      </p:sp>
-      <p:sp>
-        <p:nvSpPr>
-          <p:cNvPr id="56" name="PlaceHolder 4"/>
+            <a:endParaRPr b="0" lang="en-US" sz="3200" spc="-1" strike="noStrike">
+              <a:solidFill>
+                <a:srgbClr val="000000"/>
+              </a:solidFill>
+              <a:uFill>
+                <a:solidFill>
+                  <a:srgbClr val="ffffff"/>
+                </a:solidFill>
+              </a:uFill>
+              <a:latin typeface="Arial"/>
+            </a:endParaRPr>
+          </a:p>
+        </p:txBody>
+      </p:sp>
+      <p:sp>
+        <p:nvSpPr>
+          <p:cNvPr id="50" name="PlaceHolder 4"/>
           <p:cNvSpPr>
             <a:spLocks noGrp="1"/>
           </p:cNvSpPr>
@@ -1144,8 +1152,8 @@
         </p:nvSpPr>
         <p:spPr>
           <a:xfrm>
-            <a:off x="4674240" y="1600200"/>
-            <a:ext cx="4015800" cy="4525560"/>
+            <a:off x="4674240" y="1604520"/>
+            <a:ext cx="4015800" cy="3977280"/>
           </a:xfrm>
           <a:prstGeom prst="rect">
             <a:avLst/>
@@ -1154,16 +1162,16 @@
         <p:txBody>
           <a:bodyPr lIns="0" rIns="0" tIns="0" bIns="0"/>
           <a:p>
-            <a:endParaRPr b="0" lang="de-DE" sz="3200" spc="-1" strike="noStrike">
-              <a:solidFill>
-                <a:srgbClr val="000000"/>
-              </a:solidFill>
-              <a:uFill>
-                <a:solidFill>
-                  <a:srgbClr val="ffffff"/>
-                </a:solidFill>
-              </a:uFill>
-              <a:latin typeface="Calibri"/>
+            <a:endParaRPr b="0" lang="en-US" sz="3200" spc="-1" strike="noStrike">
+              <a:solidFill>
+                <a:srgbClr val="000000"/>
+              </a:solidFill>
+              <a:uFill>
+                <a:solidFill>
+                  <a:srgbClr val="ffffff"/>
+                </a:solidFill>
+              </a:uFill>
+              <a:latin typeface="Arial"/>
             </a:endParaRPr>
           </a:p>
         </p:txBody>
@@ -1192,7 +1200,7 @@
       </p:grpSpPr>
       <p:sp>
         <p:nvSpPr>
-          <p:cNvPr id="5" name="PlaceHolder 1"/>
+          <p:cNvPr id="2" name="PlaceHolder 1"/>
           <p:cNvSpPr>
             <a:spLocks noGrp="1"/>
           </p:cNvSpPr>
@@ -1202,8 +1210,8 @@
         </p:nvSpPr>
         <p:spPr>
           <a:xfrm>
-            <a:off x="457200" y="274680"/>
-            <a:ext cx="8229240" cy="1142640"/>
+            <a:off x="457200" y="273600"/>
+            <a:ext cx="8229240" cy="1144800"/>
           </a:xfrm>
           <a:prstGeom prst="rect">
             <a:avLst/>
@@ -1212,23 +1220,24 @@
         <p:txBody>
           <a:bodyPr lIns="0" rIns="0" tIns="0" bIns="0" anchor="ctr"/>
           <a:p>
-            <a:endParaRPr b="0" lang="de-DE" sz="1800" spc="-1" strike="noStrike">
-              <a:solidFill>
-                <a:srgbClr val="000000"/>
-              </a:solidFill>
-              <a:uFill>
-                <a:solidFill>
-                  <a:srgbClr val="ffffff"/>
-                </a:solidFill>
-              </a:uFill>
-              <a:latin typeface="Calibri"/>
-            </a:endParaRPr>
-          </a:p>
-        </p:txBody>
-      </p:sp>
-      <p:sp>
-        <p:nvSpPr>
-          <p:cNvPr id="6" name="PlaceHolder 2"/>
+            <a:pPr algn="ctr"/>
+            <a:endParaRPr b="0" lang="en-US" sz="4400" spc="-1" strike="noStrike">
+              <a:solidFill>
+                <a:srgbClr val="000000"/>
+              </a:solidFill>
+              <a:uFill>
+                <a:solidFill>
+                  <a:srgbClr val="ffffff"/>
+                </a:solidFill>
+              </a:uFill>
+              <a:latin typeface="Arial"/>
+            </a:endParaRPr>
+          </a:p>
+        </p:txBody>
+      </p:sp>
+      <p:sp>
+        <p:nvSpPr>
+          <p:cNvPr id="3" name="PlaceHolder 2"/>
           <p:cNvSpPr>
             <a:spLocks noGrp="1"/>
           </p:cNvSpPr>
@@ -1238,8 +1247,8 @@
         </p:nvSpPr>
         <p:spPr>
           <a:xfrm>
-            <a:off x="457200" y="1600200"/>
-            <a:ext cx="8229240" cy="4525560"/>
+            <a:off x="457200" y="1604520"/>
+            <a:ext cx="8229240" cy="3977280"/>
           </a:xfrm>
           <a:prstGeom prst="rect">
             <a:avLst/>
@@ -1287,7 +1296,7 @@
       </p:grpSpPr>
       <p:sp>
         <p:nvSpPr>
-          <p:cNvPr id="57" name="PlaceHolder 1"/>
+          <p:cNvPr id="51" name="PlaceHolder 1"/>
           <p:cNvSpPr>
             <a:spLocks noGrp="1"/>
           </p:cNvSpPr>
@@ -1297,8 +1306,8 @@
         </p:nvSpPr>
         <p:spPr>
           <a:xfrm>
-            <a:off x="457200" y="274680"/>
-            <a:ext cx="8229240" cy="1142640"/>
+            <a:off x="457200" y="273600"/>
+            <a:ext cx="8229240" cy="1144800"/>
           </a:xfrm>
           <a:prstGeom prst="rect">
             <a:avLst/>
@@ -1307,23 +1316,24 @@
         <p:txBody>
           <a:bodyPr lIns="0" rIns="0" tIns="0" bIns="0" anchor="ctr"/>
           <a:p>
-            <a:endParaRPr b="0" lang="de-DE" sz="1800" spc="-1" strike="noStrike">
-              <a:solidFill>
-                <a:srgbClr val="000000"/>
-              </a:solidFill>
-              <a:uFill>
-                <a:solidFill>
-                  <a:srgbClr val="ffffff"/>
-                </a:solidFill>
-              </a:uFill>
-              <a:latin typeface="Calibri"/>
-            </a:endParaRPr>
-          </a:p>
-        </p:txBody>
-      </p:sp>
-      <p:sp>
-        <p:nvSpPr>
-          <p:cNvPr id="58" name="PlaceHolder 2"/>
+            <a:pPr algn="ctr"/>
+            <a:endParaRPr b="0" lang="en-US" sz="4400" spc="-1" strike="noStrike">
+              <a:solidFill>
+                <a:srgbClr val="000000"/>
+              </a:solidFill>
+              <a:uFill>
+                <a:solidFill>
+                  <a:srgbClr val="ffffff"/>
+                </a:solidFill>
+              </a:uFill>
+              <a:latin typeface="Arial"/>
+            </a:endParaRPr>
+          </a:p>
+        </p:txBody>
+      </p:sp>
+      <p:sp>
+        <p:nvSpPr>
+          <p:cNvPr id="52" name="PlaceHolder 2"/>
           <p:cNvSpPr>
             <a:spLocks noGrp="1"/>
           </p:cNvSpPr>
@@ -1333,8 +1343,8 @@
         </p:nvSpPr>
         <p:spPr>
           <a:xfrm>
-            <a:off x="457200" y="1600200"/>
-            <a:ext cx="4015800" cy="4525560"/>
+            <a:off x="457200" y="1604520"/>
+            <a:ext cx="4015800" cy="3977280"/>
           </a:xfrm>
           <a:prstGeom prst="rect">
             <a:avLst/>
@@ -1343,23 +1353,23 @@
         <p:txBody>
           <a:bodyPr lIns="0" rIns="0" tIns="0" bIns="0"/>
           <a:p>
-            <a:endParaRPr b="0" lang="de-DE" sz="3200" spc="-1" strike="noStrike">
-              <a:solidFill>
-                <a:srgbClr val="000000"/>
-              </a:solidFill>
-              <a:uFill>
-                <a:solidFill>
-                  <a:srgbClr val="ffffff"/>
-                </a:solidFill>
-              </a:uFill>
-              <a:latin typeface="Calibri"/>
-            </a:endParaRPr>
-          </a:p>
-        </p:txBody>
-      </p:sp>
-      <p:sp>
-        <p:nvSpPr>
-          <p:cNvPr id="59" name="PlaceHolder 3"/>
+            <a:endParaRPr b="0" lang="en-US" sz="3200" spc="-1" strike="noStrike">
+              <a:solidFill>
+                <a:srgbClr val="000000"/>
+              </a:solidFill>
+              <a:uFill>
+                <a:solidFill>
+                  <a:srgbClr val="ffffff"/>
+                </a:solidFill>
+              </a:uFill>
+              <a:latin typeface="Arial"/>
+            </a:endParaRPr>
+          </a:p>
+        </p:txBody>
+      </p:sp>
+      <p:sp>
+        <p:nvSpPr>
+          <p:cNvPr id="53" name="PlaceHolder 3"/>
           <p:cNvSpPr>
             <a:spLocks noGrp="1"/>
           </p:cNvSpPr>
@@ -1369,8 +1379,8 @@
         </p:nvSpPr>
         <p:spPr>
           <a:xfrm>
-            <a:off x="4674240" y="1600200"/>
-            <a:ext cx="4015800" cy="2158560"/>
+            <a:off x="4674240" y="1604520"/>
+            <a:ext cx="4015800" cy="1896840"/>
           </a:xfrm>
           <a:prstGeom prst="rect">
             <a:avLst/>
@@ -1379,23 +1389,23 @@
         <p:txBody>
           <a:bodyPr lIns="0" rIns="0" tIns="0" bIns="0"/>
           <a:p>
-            <a:endParaRPr b="0" lang="de-DE" sz="3200" spc="-1" strike="noStrike">
-              <a:solidFill>
-                <a:srgbClr val="000000"/>
-              </a:solidFill>
-              <a:uFill>
-                <a:solidFill>
-                  <a:srgbClr val="ffffff"/>
-                </a:solidFill>
-              </a:uFill>
-              <a:latin typeface="Calibri"/>
-            </a:endParaRPr>
-          </a:p>
-        </p:txBody>
-      </p:sp>
-      <p:sp>
-        <p:nvSpPr>
-          <p:cNvPr id="60" name="PlaceHolder 4"/>
+            <a:endParaRPr b="0" lang="en-US" sz="3200" spc="-1" strike="noStrike">
+              <a:solidFill>
+                <a:srgbClr val="000000"/>
+              </a:solidFill>
+              <a:uFill>
+                <a:solidFill>
+                  <a:srgbClr val="ffffff"/>
+                </a:solidFill>
+              </a:uFill>
+              <a:latin typeface="Arial"/>
+            </a:endParaRPr>
+          </a:p>
+        </p:txBody>
+      </p:sp>
+      <p:sp>
+        <p:nvSpPr>
+          <p:cNvPr id="54" name="PlaceHolder 4"/>
           <p:cNvSpPr>
             <a:spLocks noGrp="1"/>
           </p:cNvSpPr>
@@ -1405,8 +1415,8 @@
         </p:nvSpPr>
         <p:spPr>
           <a:xfrm>
-            <a:off x="4674240" y="3964320"/>
-            <a:ext cx="4015800" cy="2158560"/>
+            <a:off x="4674240" y="3682080"/>
+            <a:ext cx="4015800" cy="1896840"/>
           </a:xfrm>
           <a:prstGeom prst="rect">
             <a:avLst/>
@@ -1415,16 +1425,16 @@
         <p:txBody>
           <a:bodyPr lIns="0" rIns="0" tIns="0" bIns="0"/>
           <a:p>
-            <a:endParaRPr b="0" lang="de-DE" sz="3200" spc="-1" strike="noStrike">
-              <a:solidFill>
-                <a:srgbClr val="000000"/>
-              </a:solidFill>
-              <a:uFill>
-                <a:solidFill>
-                  <a:srgbClr val="ffffff"/>
-                </a:solidFill>
-              </a:uFill>
-              <a:latin typeface="Calibri"/>
+            <a:endParaRPr b="0" lang="en-US" sz="3200" spc="-1" strike="noStrike">
+              <a:solidFill>
+                <a:srgbClr val="000000"/>
+              </a:solidFill>
+              <a:uFill>
+                <a:solidFill>
+                  <a:srgbClr val="ffffff"/>
+                </a:solidFill>
+              </a:uFill>
+              <a:latin typeface="Arial"/>
             </a:endParaRPr>
           </a:p>
         </p:txBody>
@@ -1453,7 +1463,7 @@
       </p:grpSpPr>
       <p:sp>
         <p:nvSpPr>
-          <p:cNvPr id="61" name="PlaceHolder 1"/>
+          <p:cNvPr id="55" name="PlaceHolder 1"/>
           <p:cNvSpPr>
             <a:spLocks noGrp="1"/>
           </p:cNvSpPr>
@@ -1463,8 +1473,8 @@
         </p:nvSpPr>
         <p:spPr>
           <a:xfrm>
-            <a:off x="457200" y="274680"/>
-            <a:ext cx="8229240" cy="1142640"/>
+            <a:off x="457200" y="273600"/>
+            <a:ext cx="8229240" cy="1144800"/>
           </a:xfrm>
           <a:prstGeom prst="rect">
             <a:avLst/>
@@ -1473,23 +1483,24 @@
         <p:txBody>
           <a:bodyPr lIns="0" rIns="0" tIns="0" bIns="0" anchor="ctr"/>
           <a:p>
-            <a:endParaRPr b="0" lang="de-DE" sz="1800" spc="-1" strike="noStrike">
-              <a:solidFill>
-                <a:srgbClr val="000000"/>
-              </a:solidFill>
-              <a:uFill>
-                <a:solidFill>
-                  <a:srgbClr val="ffffff"/>
-                </a:solidFill>
-              </a:uFill>
-              <a:latin typeface="Calibri"/>
-            </a:endParaRPr>
-          </a:p>
-        </p:txBody>
-      </p:sp>
-      <p:sp>
-        <p:nvSpPr>
-          <p:cNvPr id="62" name="PlaceHolder 2"/>
+            <a:pPr algn="ctr"/>
+            <a:endParaRPr b="0" lang="en-US" sz="4400" spc="-1" strike="noStrike">
+              <a:solidFill>
+                <a:srgbClr val="000000"/>
+              </a:solidFill>
+              <a:uFill>
+                <a:solidFill>
+                  <a:srgbClr val="ffffff"/>
+                </a:solidFill>
+              </a:uFill>
+              <a:latin typeface="Arial"/>
+            </a:endParaRPr>
+          </a:p>
+        </p:txBody>
+      </p:sp>
+      <p:sp>
+        <p:nvSpPr>
+          <p:cNvPr id="56" name="PlaceHolder 2"/>
           <p:cNvSpPr>
             <a:spLocks noGrp="1"/>
           </p:cNvSpPr>
@@ -1499,8 +1510,8 @@
         </p:nvSpPr>
         <p:spPr>
           <a:xfrm>
-            <a:off x="457200" y="1600200"/>
-            <a:ext cx="4015800" cy="2158560"/>
+            <a:off x="457200" y="1604520"/>
+            <a:ext cx="4015800" cy="1896840"/>
           </a:xfrm>
           <a:prstGeom prst="rect">
             <a:avLst/>
@@ -1509,23 +1520,23 @@
         <p:txBody>
           <a:bodyPr lIns="0" rIns="0" tIns="0" bIns="0"/>
           <a:p>
-            <a:endParaRPr b="0" lang="de-DE" sz="3200" spc="-1" strike="noStrike">
-              <a:solidFill>
-                <a:srgbClr val="000000"/>
-              </a:solidFill>
-              <a:uFill>
-                <a:solidFill>
-                  <a:srgbClr val="ffffff"/>
-                </a:solidFill>
-              </a:uFill>
-              <a:latin typeface="Calibri"/>
-            </a:endParaRPr>
-          </a:p>
-        </p:txBody>
-      </p:sp>
-      <p:sp>
-        <p:nvSpPr>
-          <p:cNvPr id="63" name="PlaceHolder 3"/>
+            <a:endParaRPr b="0" lang="en-US" sz="3200" spc="-1" strike="noStrike">
+              <a:solidFill>
+                <a:srgbClr val="000000"/>
+              </a:solidFill>
+              <a:uFill>
+                <a:solidFill>
+                  <a:srgbClr val="ffffff"/>
+                </a:solidFill>
+              </a:uFill>
+              <a:latin typeface="Arial"/>
+            </a:endParaRPr>
+          </a:p>
+        </p:txBody>
+      </p:sp>
+      <p:sp>
+        <p:nvSpPr>
+          <p:cNvPr id="57" name="PlaceHolder 3"/>
           <p:cNvSpPr>
             <a:spLocks noGrp="1"/>
           </p:cNvSpPr>
@@ -1535,8 +1546,8 @@
         </p:nvSpPr>
         <p:spPr>
           <a:xfrm>
-            <a:off x="4674240" y="1600200"/>
-            <a:ext cx="4015800" cy="2158560"/>
+            <a:off x="4674240" y="1604520"/>
+            <a:ext cx="4015800" cy="1896840"/>
           </a:xfrm>
           <a:prstGeom prst="rect">
             <a:avLst/>
@@ -1545,23 +1556,23 @@
         <p:txBody>
           <a:bodyPr lIns="0" rIns="0" tIns="0" bIns="0"/>
           <a:p>
-            <a:endParaRPr b="0" lang="de-DE" sz="3200" spc="-1" strike="noStrike">
-              <a:solidFill>
-                <a:srgbClr val="000000"/>
-              </a:solidFill>
-              <a:uFill>
-                <a:solidFill>
-                  <a:srgbClr val="ffffff"/>
-                </a:solidFill>
-              </a:uFill>
-              <a:latin typeface="Calibri"/>
-            </a:endParaRPr>
-          </a:p>
-        </p:txBody>
-      </p:sp>
-      <p:sp>
-        <p:nvSpPr>
-          <p:cNvPr id="64" name="PlaceHolder 4"/>
+            <a:endParaRPr b="0" lang="en-US" sz="3200" spc="-1" strike="noStrike">
+              <a:solidFill>
+                <a:srgbClr val="000000"/>
+              </a:solidFill>
+              <a:uFill>
+                <a:solidFill>
+                  <a:srgbClr val="ffffff"/>
+                </a:solidFill>
+              </a:uFill>
+              <a:latin typeface="Arial"/>
+            </a:endParaRPr>
+          </a:p>
+        </p:txBody>
+      </p:sp>
+      <p:sp>
+        <p:nvSpPr>
+          <p:cNvPr id="58" name="PlaceHolder 4"/>
           <p:cNvSpPr>
             <a:spLocks noGrp="1"/>
           </p:cNvSpPr>
@@ -1571,8 +1582,8 @@
         </p:nvSpPr>
         <p:spPr>
           <a:xfrm>
-            <a:off x="457200" y="3964320"/>
-            <a:ext cx="8229240" cy="2158560"/>
+            <a:off x="457200" y="3682080"/>
+            <a:ext cx="8229240" cy="1896840"/>
           </a:xfrm>
           <a:prstGeom prst="rect">
             <a:avLst/>
@@ -1581,16 +1592,16 @@
         <p:txBody>
           <a:bodyPr lIns="0" rIns="0" tIns="0" bIns="0"/>
           <a:p>
-            <a:endParaRPr b="0" lang="de-DE" sz="3200" spc="-1" strike="noStrike">
-              <a:solidFill>
-                <a:srgbClr val="000000"/>
-              </a:solidFill>
-              <a:uFill>
-                <a:solidFill>
-                  <a:srgbClr val="ffffff"/>
-                </a:solidFill>
-              </a:uFill>
-              <a:latin typeface="Calibri"/>
+            <a:endParaRPr b="0" lang="en-US" sz="3200" spc="-1" strike="noStrike">
+              <a:solidFill>
+                <a:srgbClr val="000000"/>
+              </a:solidFill>
+              <a:uFill>
+                <a:solidFill>
+                  <a:srgbClr val="ffffff"/>
+                </a:solidFill>
+              </a:uFill>
+              <a:latin typeface="Arial"/>
             </a:endParaRPr>
           </a:p>
         </p:txBody>
@@ -1619,7 +1630,7 @@
       </p:grpSpPr>
       <p:sp>
         <p:nvSpPr>
-          <p:cNvPr id="65" name="PlaceHolder 1"/>
+          <p:cNvPr id="59" name="PlaceHolder 1"/>
           <p:cNvSpPr>
             <a:spLocks noGrp="1"/>
           </p:cNvSpPr>
@@ -1629,8 +1640,8 @@
         </p:nvSpPr>
         <p:spPr>
           <a:xfrm>
-            <a:off x="457200" y="274680"/>
-            <a:ext cx="8229240" cy="1142640"/>
+            <a:off x="457200" y="273600"/>
+            <a:ext cx="8229240" cy="1144800"/>
           </a:xfrm>
           <a:prstGeom prst="rect">
             <a:avLst/>
@@ -1639,23 +1650,24 @@
         <p:txBody>
           <a:bodyPr lIns="0" rIns="0" tIns="0" bIns="0" anchor="ctr"/>
           <a:p>
-            <a:endParaRPr b="0" lang="de-DE" sz="1800" spc="-1" strike="noStrike">
-              <a:solidFill>
-                <a:srgbClr val="000000"/>
-              </a:solidFill>
-              <a:uFill>
-                <a:solidFill>
-                  <a:srgbClr val="ffffff"/>
-                </a:solidFill>
-              </a:uFill>
-              <a:latin typeface="Calibri"/>
-            </a:endParaRPr>
-          </a:p>
-        </p:txBody>
-      </p:sp>
-      <p:sp>
-        <p:nvSpPr>
-          <p:cNvPr id="66" name="PlaceHolder 2"/>
+            <a:pPr algn="ctr"/>
+            <a:endParaRPr b="0" lang="en-US" sz="4400" spc="-1" strike="noStrike">
+              <a:solidFill>
+                <a:srgbClr val="000000"/>
+              </a:solidFill>
+              <a:uFill>
+                <a:solidFill>
+                  <a:srgbClr val="ffffff"/>
+                </a:solidFill>
+              </a:uFill>
+              <a:latin typeface="Arial"/>
+            </a:endParaRPr>
+          </a:p>
+        </p:txBody>
+      </p:sp>
+      <p:sp>
+        <p:nvSpPr>
+          <p:cNvPr id="60" name="PlaceHolder 2"/>
           <p:cNvSpPr>
             <a:spLocks noGrp="1"/>
           </p:cNvSpPr>
@@ -1665,8 +1677,8 @@
         </p:nvSpPr>
         <p:spPr>
           <a:xfrm>
-            <a:off x="457200" y="1600200"/>
-            <a:ext cx="8229240" cy="2158560"/>
+            <a:off x="457200" y="1604520"/>
+            <a:ext cx="8229240" cy="1896840"/>
           </a:xfrm>
           <a:prstGeom prst="rect">
             <a:avLst/>
@@ -1675,23 +1687,23 @@
         <p:txBody>
           <a:bodyPr lIns="0" rIns="0" tIns="0" bIns="0"/>
           <a:p>
-            <a:endParaRPr b="0" lang="de-DE" sz="3200" spc="-1" strike="noStrike">
-              <a:solidFill>
-                <a:srgbClr val="000000"/>
-              </a:solidFill>
-              <a:uFill>
-                <a:solidFill>
-                  <a:srgbClr val="ffffff"/>
-                </a:solidFill>
-              </a:uFill>
-              <a:latin typeface="Calibri"/>
-            </a:endParaRPr>
-          </a:p>
-        </p:txBody>
-      </p:sp>
-      <p:sp>
-        <p:nvSpPr>
-          <p:cNvPr id="67" name="PlaceHolder 3"/>
+            <a:endParaRPr b="0" lang="en-US" sz="3200" spc="-1" strike="noStrike">
+              <a:solidFill>
+                <a:srgbClr val="000000"/>
+              </a:solidFill>
+              <a:uFill>
+                <a:solidFill>
+                  <a:srgbClr val="ffffff"/>
+                </a:solidFill>
+              </a:uFill>
+              <a:latin typeface="Arial"/>
+            </a:endParaRPr>
+          </a:p>
+        </p:txBody>
+      </p:sp>
+      <p:sp>
+        <p:nvSpPr>
+          <p:cNvPr id="61" name="PlaceHolder 3"/>
           <p:cNvSpPr>
             <a:spLocks noGrp="1"/>
           </p:cNvSpPr>
@@ -1701,8 +1713,8 @@
         </p:nvSpPr>
         <p:spPr>
           <a:xfrm>
-            <a:off x="457200" y="3964320"/>
-            <a:ext cx="8229240" cy="2158560"/>
+            <a:off x="457200" y="3682080"/>
+            <a:ext cx="8229240" cy="1896840"/>
           </a:xfrm>
           <a:prstGeom prst="rect">
             <a:avLst/>
@@ -1711,16 +1723,16 @@
         <p:txBody>
           <a:bodyPr lIns="0" rIns="0" tIns="0" bIns="0"/>
           <a:p>
-            <a:endParaRPr b="0" lang="de-DE" sz="3200" spc="-1" strike="noStrike">
-              <a:solidFill>
-                <a:srgbClr val="000000"/>
-              </a:solidFill>
-              <a:uFill>
-                <a:solidFill>
-                  <a:srgbClr val="ffffff"/>
-                </a:solidFill>
-              </a:uFill>
-              <a:latin typeface="Calibri"/>
+            <a:endParaRPr b="0" lang="en-US" sz="3200" spc="-1" strike="noStrike">
+              <a:solidFill>
+                <a:srgbClr val="000000"/>
+              </a:solidFill>
+              <a:uFill>
+                <a:solidFill>
+                  <a:srgbClr val="ffffff"/>
+                </a:solidFill>
+              </a:uFill>
+              <a:latin typeface="Arial"/>
             </a:endParaRPr>
           </a:p>
         </p:txBody>
@@ -1749,7 +1761,7 @@
       </p:grpSpPr>
       <p:sp>
         <p:nvSpPr>
-          <p:cNvPr id="68" name="PlaceHolder 1"/>
+          <p:cNvPr id="62" name="PlaceHolder 1"/>
           <p:cNvSpPr>
             <a:spLocks noGrp="1"/>
           </p:cNvSpPr>
@@ -1759,8 +1771,8 @@
         </p:nvSpPr>
         <p:spPr>
           <a:xfrm>
-            <a:off x="457200" y="274680"/>
-            <a:ext cx="8229240" cy="1142640"/>
+            <a:off x="457200" y="273600"/>
+            <a:ext cx="8229240" cy="1144800"/>
           </a:xfrm>
           <a:prstGeom prst="rect">
             <a:avLst/>
@@ -1769,23 +1781,24 @@
         <p:txBody>
           <a:bodyPr lIns="0" rIns="0" tIns="0" bIns="0" anchor="ctr"/>
           <a:p>
-            <a:endParaRPr b="0" lang="de-DE" sz="1800" spc="-1" strike="noStrike">
-              <a:solidFill>
-                <a:srgbClr val="000000"/>
-              </a:solidFill>
-              <a:uFill>
-                <a:solidFill>
-                  <a:srgbClr val="ffffff"/>
-                </a:solidFill>
-              </a:uFill>
-              <a:latin typeface="Calibri"/>
-            </a:endParaRPr>
-          </a:p>
-        </p:txBody>
-      </p:sp>
-      <p:sp>
-        <p:nvSpPr>
-          <p:cNvPr id="69" name="PlaceHolder 2"/>
+            <a:pPr algn="ctr"/>
+            <a:endParaRPr b="0" lang="en-US" sz="4400" spc="-1" strike="noStrike">
+              <a:solidFill>
+                <a:srgbClr val="000000"/>
+              </a:solidFill>
+              <a:uFill>
+                <a:solidFill>
+                  <a:srgbClr val="ffffff"/>
+                </a:solidFill>
+              </a:uFill>
+              <a:latin typeface="Arial"/>
+            </a:endParaRPr>
+          </a:p>
+        </p:txBody>
+      </p:sp>
+      <p:sp>
+        <p:nvSpPr>
+          <p:cNvPr id="63" name="PlaceHolder 2"/>
           <p:cNvSpPr>
             <a:spLocks noGrp="1"/>
           </p:cNvSpPr>
@@ -1795,8 +1808,8 @@
         </p:nvSpPr>
         <p:spPr>
           <a:xfrm>
-            <a:off x="457200" y="1600200"/>
-            <a:ext cx="4015800" cy="2158560"/>
+            <a:off x="457200" y="1604520"/>
+            <a:ext cx="4015800" cy="1896840"/>
           </a:xfrm>
           <a:prstGeom prst="rect">
             <a:avLst/>
@@ -1805,23 +1818,23 @@
         <p:txBody>
           <a:bodyPr lIns="0" rIns="0" tIns="0" bIns="0"/>
           <a:p>
-            <a:endParaRPr b="0" lang="de-DE" sz="3200" spc="-1" strike="noStrike">
-              <a:solidFill>
-                <a:srgbClr val="000000"/>
-              </a:solidFill>
-              <a:uFill>
-                <a:solidFill>
-                  <a:srgbClr val="ffffff"/>
-                </a:solidFill>
-              </a:uFill>
-              <a:latin typeface="Calibri"/>
-            </a:endParaRPr>
-          </a:p>
-        </p:txBody>
-      </p:sp>
-      <p:sp>
-        <p:nvSpPr>
-          <p:cNvPr id="70" name="PlaceHolder 3"/>
+            <a:endParaRPr b="0" lang="en-US" sz="3200" spc="-1" strike="noStrike">
+              <a:solidFill>
+                <a:srgbClr val="000000"/>
+              </a:solidFill>
+              <a:uFill>
+                <a:solidFill>
+                  <a:srgbClr val="ffffff"/>
+                </a:solidFill>
+              </a:uFill>
+              <a:latin typeface="Arial"/>
+            </a:endParaRPr>
+          </a:p>
+        </p:txBody>
+      </p:sp>
+      <p:sp>
+        <p:nvSpPr>
+          <p:cNvPr id="64" name="PlaceHolder 3"/>
           <p:cNvSpPr>
             <a:spLocks noGrp="1"/>
           </p:cNvSpPr>
@@ -1831,8 +1844,8 @@
         </p:nvSpPr>
         <p:spPr>
           <a:xfrm>
-            <a:off x="4674240" y="1600200"/>
-            <a:ext cx="4015800" cy="2158560"/>
+            <a:off x="4674240" y="1604520"/>
+            <a:ext cx="4015800" cy="1896840"/>
           </a:xfrm>
           <a:prstGeom prst="rect">
             <a:avLst/>
@@ -1841,23 +1854,23 @@
         <p:txBody>
           <a:bodyPr lIns="0" rIns="0" tIns="0" bIns="0"/>
           <a:p>
-            <a:endParaRPr b="0" lang="de-DE" sz="3200" spc="-1" strike="noStrike">
-              <a:solidFill>
-                <a:srgbClr val="000000"/>
-              </a:solidFill>
-              <a:uFill>
-                <a:solidFill>
-                  <a:srgbClr val="ffffff"/>
-                </a:solidFill>
-              </a:uFill>
-              <a:latin typeface="Calibri"/>
-            </a:endParaRPr>
-          </a:p>
-        </p:txBody>
-      </p:sp>
-      <p:sp>
-        <p:nvSpPr>
-          <p:cNvPr id="71" name="PlaceHolder 4"/>
+            <a:endParaRPr b="0" lang="en-US" sz="3200" spc="-1" strike="noStrike">
+              <a:solidFill>
+                <a:srgbClr val="000000"/>
+              </a:solidFill>
+              <a:uFill>
+                <a:solidFill>
+                  <a:srgbClr val="ffffff"/>
+                </a:solidFill>
+              </a:uFill>
+              <a:latin typeface="Arial"/>
+            </a:endParaRPr>
+          </a:p>
+        </p:txBody>
+      </p:sp>
+      <p:sp>
+        <p:nvSpPr>
+          <p:cNvPr id="65" name="PlaceHolder 4"/>
           <p:cNvSpPr>
             <a:spLocks noGrp="1"/>
           </p:cNvSpPr>
@@ -1867,8 +1880,8 @@
         </p:nvSpPr>
         <p:spPr>
           <a:xfrm>
-            <a:off x="4674240" y="3964320"/>
-            <a:ext cx="4015800" cy="2158560"/>
+            <a:off x="4674240" y="3682080"/>
+            <a:ext cx="4015800" cy="1896840"/>
           </a:xfrm>
           <a:prstGeom prst="rect">
             <a:avLst/>
@@ -1877,23 +1890,23 @@
         <p:txBody>
           <a:bodyPr lIns="0" rIns="0" tIns="0" bIns="0"/>
           <a:p>
-            <a:endParaRPr b="0" lang="de-DE" sz="3200" spc="-1" strike="noStrike">
-              <a:solidFill>
-                <a:srgbClr val="000000"/>
-              </a:solidFill>
-              <a:uFill>
-                <a:solidFill>
-                  <a:srgbClr val="ffffff"/>
-                </a:solidFill>
-              </a:uFill>
-              <a:latin typeface="Calibri"/>
-            </a:endParaRPr>
-          </a:p>
-        </p:txBody>
-      </p:sp>
-      <p:sp>
-        <p:nvSpPr>
-          <p:cNvPr id="72" name="PlaceHolder 5"/>
+            <a:endParaRPr b="0" lang="en-US" sz="3200" spc="-1" strike="noStrike">
+              <a:solidFill>
+                <a:srgbClr val="000000"/>
+              </a:solidFill>
+              <a:uFill>
+                <a:solidFill>
+                  <a:srgbClr val="ffffff"/>
+                </a:solidFill>
+              </a:uFill>
+              <a:latin typeface="Arial"/>
+            </a:endParaRPr>
+          </a:p>
+        </p:txBody>
+      </p:sp>
+      <p:sp>
+        <p:nvSpPr>
+          <p:cNvPr id="66" name="PlaceHolder 5"/>
           <p:cNvSpPr>
             <a:spLocks noGrp="1"/>
           </p:cNvSpPr>
@@ -1903,8 +1916,8 @@
         </p:nvSpPr>
         <p:spPr>
           <a:xfrm>
-            <a:off x="457200" y="3964320"/>
-            <a:ext cx="4015800" cy="2158560"/>
+            <a:off x="457200" y="3682080"/>
+            <a:ext cx="4015800" cy="1896840"/>
           </a:xfrm>
           <a:prstGeom prst="rect">
             <a:avLst/>
@@ -1913,16 +1926,16 @@
         <p:txBody>
           <a:bodyPr lIns="0" rIns="0" tIns="0" bIns="0"/>
           <a:p>
-            <a:endParaRPr b="0" lang="de-DE" sz="3200" spc="-1" strike="noStrike">
-              <a:solidFill>
-                <a:srgbClr val="000000"/>
-              </a:solidFill>
-              <a:uFill>
-                <a:solidFill>
-                  <a:srgbClr val="ffffff"/>
-                </a:solidFill>
-              </a:uFill>
-              <a:latin typeface="Calibri"/>
+            <a:endParaRPr b="0" lang="en-US" sz="3200" spc="-1" strike="noStrike">
+              <a:solidFill>
+                <a:srgbClr val="000000"/>
+              </a:solidFill>
+              <a:uFill>
+                <a:solidFill>
+                  <a:srgbClr val="ffffff"/>
+                </a:solidFill>
+              </a:uFill>
+              <a:latin typeface="Arial"/>
             </a:endParaRPr>
           </a:p>
         </p:txBody>
@@ -1951,7 +1964,7 @@
       </p:grpSpPr>
       <p:sp>
         <p:nvSpPr>
-          <p:cNvPr id="73" name="PlaceHolder 1"/>
+          <p:cNvPr id="67" name="PlaceHolder 1"/>
           <p:cNvSpPr>
             <a:spLocks noGrp="1"/>
           </p:cNvSpPr>
@@ -1961,8 +1974,8 @@
         </p:nvSpPr>
         <p:spPr>
           <a:xfrm>
-            <a:off x="457200" y="274680"/>
-            <a:ext cx="8229240" cy="1142640"/>
+            <a:off x="457200" y="273600"/>
+            <a:ext cx="8229240" cy="1144800"/>
           </a:xfrm>
           <a:prstGeom prst="rect">
             <a:avLst/>
@@ -1971,23 +1984,24 @@
         <p:txBody>
           <a:bodyPr lIns="0" rIns="0" tIns="0" bIns="0" anchor="ctr"/>
           <a:p>
-            <a:endParaRPr b="0" lang="de-DE" sz="1800" spc="-1" strike="noStrike">
-              <a:solidFill>
-                <a:srgbClr val="000000"/>
-              </a:solidFill>
-              <a:uFill>
-                <a:solidFill>
-                  <a:srgbClr val="ffffff"/>
-                </a:solidFill>
-              </a:uFill>
-              <a:latin typeface="Calibri"/>
-            </a:endParaRPr>
-          </a:p>
-        </p:txBody>
-      </p:sp>
-      <p:sp>
-        <p:nvSpPr>
-          <p:cNvPr id="74" name="PlaceHolder 2"/>
+            <a:pPr algn="ctr"/>
+            <a:endParaRPr b="0" lang="en-US" sz="4400" spc="-1" strike="noStrike">
+              <a:solidFill>
+                <a:srgbClr val="000000"/>
+              </a:solidFill>
+              <a:uFill>
+                <a:solidFill>
+                  <a:srgbClr val="ffffff"/>
+                </a:solidFill>
+              </a:uFill>
+              <a:latin typeface="Arial"/>
+            </a:endParaRPr>
+          </a:p>
+        </p:txBody>
+      </p:sp>
+      <p:sp>
+        <p:nvSpPr>
+          <p:cNvPr id="68" name="PlaceHolder 2"/>
           <p:cNvSpPr>
             <a:spLocks noGrp="1"/>
           </p:cNvSpPr>
@@ -1997,8 +2011,8 @@
         </p:nvSpPr>
         <p:spPr>
           <a:xfrm>
-            <a:off x="457200" y="1600200"/>
-            <a:ext cx="8229240" cy="4525560"/>
+            <a:off x="457200" y="1604520"/>
+            <a:ext cx="8229240" cy="3977280"/>
           </a:xfrm>
           <a:prstGeom prst="rect">
             <a:avLst/>
@@ -2007,23 +2021,23 @@
         <p:txBody>
           <a:bodyPr lIns="0" rIns="0" tIns="0" bIns="0"/>
           <a:p>
-            <a:endParaRPr b="0" lang="de-DE" sz="3200" spc="-1" strike="noStrike">
-              <a:solidFill>
-                <a:srgbClr val="000000"/>
-              </a:solidFill>
-              <a:uFill>
-                <a:solidFill>
-                  <a:srgbClr val="ffffff"/>
-                </a:solidFill>
-              </a:uFill>
-              <a:latin typeface="Calibri"/>
-            </a:endParaRPr>
-          </a:p>
-        </p:txBody>
-      </p:sp>
-      <p:sp>
-        <p:nvSpPr>
-          <p:cNvPr id="75" name="PlaceHolder 3"/>
+            <a:endParaRPr b="0" lang="en-US" sz="3200" spc="-1" strike="noStrike">
+              <a:solidFill>
+                <a:srgbClr val="000000"/>
+              </a:solidFill>
+              <a:uFill>
+                <a:solidFill>
+                  <a:srgbClr val="ffffff"/>
+                </a:solidFill>
+              </a:uFill>
+              <a:latin typeface="Arial"/>
+            </a:endParaRPr>
+          </a:p>
+        </p:txBody>
+      </p:sp>
+      <p:sp>
+        <p:nvSpPr>
+          <p:cNvPr id="69" name="PlaceHolder 3"/>
           <p:cNvSpPr>
             <a:spLocks noGrp="1"/>
           </p:cNvSpPr>
@@ -2033,8 +2047,8 @@
         </p:nvSpPr>
         <p:spPr>
           <a:xfrm>
-            <a:off x="457200" y="1600200"/>
-            <a:ext cx="8229240" cy="4525560"/>
+            <a:off x="457200" y="1604520"/>
+            <a:ext cx="8229240" cy="3977280"/>
           </a:xfrm>
           <a:prstGeom prst="rect">
             <a:avLst/>
@@ -2043,23 +2057,23 @@
         <p:txBody>
           <a:bodyPr lIns="0" rIns="0" tIns="0" bIns="0"/>
           <a:p>
-            <a:endParaRPr b="0" lang="de-DE" sz="3200" spc="-1" strike="noStrike">
-              <a:solidFill>
-                <a:srgbClr val="000000"/>
-              </a:solidFill>
-              <a:uFill>
-                <a:solidFill>
-                  <a:srgbClr val="ffffff"/>
-                </a:solidFill>
-              </a:uFill>
-              <a:latin typeface="Calibri"/>
+            <a:endParaRPr b="0" lang="en-US" sz="3200" spc="-1" strike="noStrike">
+              <a:solidFill>
+                <a:srgbClr val="000000"/>
+              </a:solidFill>
+              <a:uFill>
+                <a:solidFill>
+                  <a:srgbClr val="ffffff"/>
+                </a:solidFill>
+              </a:uFill>
+              <a:latin typeface="Arial"/>
             </a:endParaRPr>
           </a:p>
         </p:txBody>
       </p:sp>
       <p:pic>
         <p:nvPicPr>
-          <p:cNvPr id="76" name="" descr=""/>
+          <p:cNvPr id="70" name="" descr=""/>
           <p:cNvPicPr/>
           <p:nvPr/>
         </p:nvPicPr>
@@ -2069,8 +2083,8 @@
         </p:blipFill>
         <p:spPr>
           <a:xfrm>
-            <a:off x="1735560" y="1599840"/>
-            <a:ext cx="5671800" cy="4525560"/>
+            <a:off x="2079000" y="1604520"/>
+            <a:ext cx="4984920" cy="3977280"/>
           </a:xfrm>
           <a:prstGeom prst="rect">
             <a:avLst/>
@@ -2082,7 +2096,7 @@
       </p:pic>
       <p:pic>
         <p:nvPicPr>
-          <p:cNvPr id="77" name="" descr=""/>
+          <p:cNvPr id="71" name="" descr=""/>
           <p:cNvPicPr/>
           <p:nvPr/>
         </p:nvPicPr>
@@ -2092,8 +2106,8 @@
         </p:blipFill>
         <p:spPr>
           <a:xfrm>
-            <a:off x="1735560" y="1599840"/>
-            <a:ext cx="5671800" cy="4525560"/>
+            <a:off x="2079000" y="1604520"/>
+            <a:ext cx="4984920" cy="3977280"/>
           </a:xfrm>
           <a:prstGeom prst="rect">
             <a:avLst/>
@@ -2127,7 +2141,7 @@
       </p:grpSpPr>
       <p:sp>
         <p:nvSpPr>
-          <p:cNvPr id="7" name="PlaceHolder 1"/>
+          <p:cNvPr id="4" name="PlaceHolder 1"/>
           <p:cNvSpPr>
             <a:spLocks noGrp="1"/>
           </p:cNvSpPr>
@@ -2137,8 +2151,8 @@
         </p:nvSpPr>
         <p:spPr>
           <a:xfrm>
-            <a:off x="457200" y="274680"/>
-            <a:ext cx="8229240" cy="1142640"/>
+            <a:off x="457200" y="273600"/>
+            <a:ext cx="8229240" cy="1144800"/>
           </a:xfrm>
           <a:prstGeom prst="rect">
             <a:avLst/>
@@ -2147,23 +2161,24 @@
         <p:txBody>
           <a:bodyPr lIns="0" rIns="0" tIns="0" bIns="0" anchor="ctr"/>
           <a:p>
-            <a:endParaRPr b="0" lang="de-DE" sz="1800" spc="-1" strike="noStrike">
-              <a:solidFill>
-                <a:srgbClr val="000000"/>
-              </a:solidFill>
-              <a:uFill>
-                <a:solidFill>
-                  <a:srgbClr val="ffffff"/>
-                </a:solidFill>
-              </a:uFill>
-              <a:latin typeface="Calibri"/>
-            </a:endParaRPr>
-          </a:p>
-        </p:txBody>
-      </p:sp>
-      <p:sp>
-        <p:nvSpPr>
-          <p:cNvPr id="8" name="PlaceHolder 2"/>
+            <a:pPr algn="ctr"/>
+            <a:endParaRPr b="0" lang="en-US" sz="4400" spc="-1" strike="noStrike">
+              <a:solidFill>
+                <a:srgbClr val="000000"/>
+              </a:solidFill>
+              <a:uFill>
+                <a:solidFill>
+                  <a:srgbClr val="ffffff"/>
+                </a:solidFill>
+              </a:uFill>
+              <a:latin typeface="Arial"/>
+            </a:endParaRPr>
+          </a:p>
+        </p:txBody>
+      </p:sp>
+      <p:sp>
+        <p:nvSpPr>
+          <p:cNvPr id="5" name="PlaceHolder 2"/>
           <p:cNvSpPr>
             <a:spLocks noGrp="1"/>
           </p:cNvSpPr>
@@ -2173,8 +2188,8 @@
         </p:nvSpPr>
         <p:spPr>
           <a:xfrm>
-            <a:off x="457200" y="1600200"/>
-            <a:ext cx="8229240" cy="4525560"/>
+            <a:off x="457200" y="1604520"/>
+            <a:ext cx="8229240" cy="3977280"/>
           </a:xfrm>
           <a:prstGeom prst="rect">
             <a:avLst/>
@@ -2183,16 +2198,16 @@
         <p:txBody>
           <a:bodyPr lIns="0" rIns="0" tIns="0" bIns="0"/>
           <a:p>
-            <a:endParaRPr b="0" lang="de-DE" sz="3200" spc="-1" strike="noStrike">
-              <a:solidFill>
-                <a:srgbClr val="000000"/>
-              </a:solidFill>
-              <a:uFill>
-                <a:solidFill>
-                  <a:srgbClr val="ffffff"/>
-                </a:solidFill>
-              </a:uFill>
-              <a:latin typeface="Calibri"/>
+            <a:endParaRPr b="0" lang="en-US" sz="3200" spc="-1" strike="noStrike">
+              <a:solidFill>
+                <a:srgbClr val="000000"/>
+              </a:solidFill>
+              <a:uFill>
+                <a:solidFill>
+                  <a:srgbClr val="ffffff"/>
+                </a:solidFill>
+              </a:uFill>
+              <a:latin typeface="Arial"/>
             </a:endParaRPr>
           </a:p>
         </p:txBody>
@@ -2221,7 +2236,7 @@
       </p:grpSpPr>
       <p:sp>
         <p:nvSpPr>
-          <p:cNvPr id="9" name="PlaceHolder 1"/>
+          <p:cNvPr id="6" name="PlaceHolder 1"/>
           <p:cNvSpPr>
             <a:spLocks noGrp="1"/>
           </p:cNvSpPr>
@@ -2231,8 +2246,8 @@
         </p:nvSpPr>
         <p:spPr>
           <a:xfrm>
-            <a:off x="457200" y="274680"/>
-            <a:ext cx="8229240" cy="1142640"/>
+            <a:off x="457200" y="273600"/>
+            <a:ext cx="8229240" cy="1144800"/>
           </a:xfrm>
           <a:prstGeom prst="rect">
             <a:avLst/>
@@ -2241,23 +2256,24 @@
         <p:txBody>
           <a:bodyPr lIns="0" rIns="0" tIns="0" bIns="0" anchor="ctr"/>
           <a:p>
-            <a:endParaRPr b="0" lang="de-DE" sz="1800" spc="-1" strike="noStrike">
-              <a:solidFill>
-                <a:srgbClr val="000000"/>
-              </a:solidFill>
-              <a:uFill>
-                <a:solidFill>
-                  <a:srgbClr val="ffffff"/>
-                </a:solidFill>
-              </a:uFill>
-              <a:latin typeface="Calibri"/>
-            </a:endParaRPr>
-          </a:p>
-        </p:txBody>
-      </p:sp>
-      <p:sp>
-        <p:nvSpPr>
-          <p:cNvPr id="10" name="PlaceHolder 2"/>
+            <a:pPr algn="ctr"/>
+            <a:endParaRPr b="0" lang="en-US" sz="4400" spc="-1" strike="noStrike">
+              <a:solidFill>
+                <a:srgbClr val="000000"/>
+              </a:solidFill>
+              <a:uFill>
+                <a:solidFill>
+                  <a:srgbClr val="ffffff"/>
+                </a:solidFill>
+              </a:uFill>
+              <a:latin typeface="Arial"/>
+            </a:endParaRPr>
+          </a:p>
+        </p:txBody>
+      </p:sp>
+      <p:sp>
+        <p:nvSpPr>
+          <p:cNvPr id="7" name="PlaceHolder 2"/>
           <p:cNvSpPr>
             <a:spLocks noGrp="1"/>
           </p:cNvSpPr>
@@ -2267,8 +2283,8 @@
         </p:nvSpPr>
         <p:spPr>
           <a:xfrm>
-            <a:off x="457200" y="1600200"/>
-            <a:ext cx="4015800" cy="4525560"/>
+            <a:off x="457200" y="1604520"/>
+            <a:ext cx="4015800" cy="3977280"/>
           </a:xfrm>
           <a:prstGeom prst="rect">
             <a:avLst/>
@@ -2277,23 +2293,23 @@
         <p:txBody>
           <a:bodyPr lIns="0" rIns="0" tIns="0" bIns="0"/>
           <a:p>
-            <a:endParaRPr b="0" lang="de-DE" sz="3200" spc="-1" strike="noStrike">
-              <a:solidFill>
-                <a:srgbClr val="000000"/>
-              </a:solidFill>
-              <a:uFill>
-                <a:solidFill>
-                  <a:srgbClr val="ffffff"/>
-                </a:solidFill>
-              </a:uFill>
-              <a:latin typeface="Calibri"/>
-            </a:endParaRPr>
-          </a:p>
-        </p:txBody>
-      </p:sp>
-      <p:sp>
-        <p:nvSpPr>
-          <p:cNvPr id="11" name="PlaceHolder 3"/>
+            <a:endParaRPr b="0" lang="en-US" sz="3200" spc="-1" strike="noStrike">
+              <a:solidFill>
+                <a:srgbClr val="000000"/>
+              </a:solidFill>
+              <a:uFill>
+                <a:solidFill>
+                  <a:srgbClr val="ffffff"/>
+                </a:solidFill>
+              </a:uFill>
+              <a:latin typeface="Arial"/>
+            </a:endParaRPr>
+          </a:p>
+        </p:txBody>
+      </p:sp>
+      <p:sp>
+        <p:nvSpPr>
+          <p:cNvPr id="8" name="PlaceHolder 3"/>
           <p:cNvSpPr>
             <a:spLocks noGrp="1"/>
           </p:cNvSpPr>
@@ -2303,8 +2319,8 @@
         </p:nvSpPr>
         <p:spPr>
           <a:xfrm>
-            <a:off x="4674240" y="1600200"/>
-            <a:ext cx="4015800" cy="4525560"/>
+            <a:off x="4674240" y="1604520"/>
+            <a:ext cx="4015800" cy="3977280"/>
           </a:xfrm>
           <a:prstGeom prst="rect">
             <a:avLst/>
@@ -2313,16 +2329,16 @@
         <p:txBody>
           <a:bodyPr lIns="0" rIns="0" tIns="0" bIns="0"/>
           <a:p>
-            <a:endParaRPr b="0" lang="de-DE" sz="3200" spc="-1" strike="noStrike">
-              <a:solidFill>
-                <a:srgbClr val="000000"/>
-              </a:solidFill>
-              <a:uFill>
-                <a:solidFill>
-                  <a:srgbClr val="ffffff"/>
-                </a:solidFill>
-              </a:uFill>
-              <a:latin typeface="Calibri"/>
+            <a:endParaRPr b="0" lang="en-US" sz="3200" spc="-1" strike="noStrike">
+              <a:solidFill>
+                <a:srgbClr val="000000"/>
+              </a:solidFill>
+              <a:uFill>
+                <a:solidFill>
+                  <a:srgbClr val="ffffff"/>
+                </a:solidFill>
+              </a:uFill>
+              <a:latin typeface="Arial"/>
             </a:endParaRPr>
           </a:p>
         </p:txBody>
@@ -2351,7 +2367,7 @@
       </p:grpSpPr>
       <p:sp>
         <p:nvSpPr>
-          <p:cNvPr id="12" name="PlaceHolder 1"/>
+          <p:cNvPr id="9" name="PlaceHolder 1"/>
           <p:cNvSpPr>
             <a:spLocks noGrp="1"/>
           </p:cNvSpPr>
@@ -2361,8 +2377,8 @@
         </p:nvSpPr>
         <p:spPr>
           <a:xfrm>
-            <a:off x="457200" y="274680"/>
-            <a:ext cx="8229240" cy="1142640"/>
+            <a:off x="457200" y="273600"/>
+            <a:ext cx="8229240" cy="1144800"/>
           </a:xfrm>
           <a:prstGeom prst="rect">
             <a:avLst/>
@@ -2371,16 +2387,17 @@
         <p:txBody>
           <a:bodyPr lIns="0" rIns="0" tIns="0" bIns="0" anchor="ctr"/>
           <a:p>
-            <a:endParaRPr b="0" lang="de-DE" sz="1800" spc="-1" strike="noStrike">
-              <a:solidFill>
-                <a:srgbClr val="000000"/>
-              </a:solidFill>
-              <a:uFill>
-                <a:solidFill>
-                  <a:srgbClr val="ffffff"/>
-                </a:solidFill>
-              </a:uFill>
-              <a:latin typeface="Calibri"/>
+            <a:pPr algn="ctr"/>
+            <a:endParaRPr b="0" lang="en-US" sz="4400" spc="-1" strike="noStrike">
+              <a:solidFill>
+                <a:srgbClr val="000000"/>
+              </a:solidFill>
+              <a:uFill>
+                <a:solidFill>
+                  <a:srgbClr val="ffffff"/>
+                </a:solidFill>
+              </a:uFill>
+              <a:latin typeface="Arial"/>
             </a:endParaRPr>
           </a:p>
         </p:txBody>
@@ -2409,7 +2426,7 @@
       </p:grpSpPr>
       <p:sp>
         <p:nvSpPr>
-          <p:cNvPr id="13" name="PlaceHolder 1"/>
+          <p:cNvPr id="10" name="PlaceHolder 1"/>
           <p:cNvSpPr>
             <a:spLocks noGrp="1"/>
           </p:cNvSpPr>
@@ -2419,8 +2436,8 @@
         </p:nvSpPr>
         <p:spPr>
           <a:xfrm>
-            <a:off x="457200" y="274680"/>
-            <a:ext cx="8229240" cy="5297760"/>
+            <a:off x="457200" y="273600"/>
+            <a:ext cx="8229240" cy="5307840"/>
           </a:xfrm>
           <a:prstGeom prst="rect">
             <a:avLst/>
@@ -2468,7 +2485,7 @@
       </p:grpSpPr>
       <p:sp>
         <p:nvSpPr>
-          <p:cNvPr id="14" name="PlaceHolder 1"/>
+          <p:cNvPr id="11" name="PlaceHolder 1"/>
           <p:cNvSpPr>
             <a:spLocks noGrp="1"/>
           </p:cNvSpPr>
@@ -2478,8 +2495,8 @@
         </p:nvSpPr>
         <p:spPr>
           <a:xfrm>
-            <a:off x="457200" y="274680"/>
-            <a:ext cx="8229240" cy="1142640"/>
+            <a:off x="457200" y="273600"/>
+            <a:ext cx="8229240" cy="1144800"/>
           </a:xfrm>
           <a:prstGeom prst="rect">
             <a:avLst/>
@@ -2488,23 +2505,24 @@
         <p:txBody>
           <a:bodyPr lIns="0" rIns="0" tIns="0" bIns="0" anchor="ctr"/>
           <a:p>
-            <a:endParaRPr b="0" lang="de-DE" sz="1800" spc="-1" strike="noStrike">
-              <a:solidFill>
-                <a:srgbClr val="000000"/>
-              </a:solidFill>
-              <a:uFill>
-                <a:solidFill>
-                  <a:srgbClr val="ffffff"/>
-                </a:solidFill>
-              </a:uFill>
-              <a:latin typeface="Calibri"/>
-            </a:endParaRPr>
-          </a:p>
-        </p:txBody>
-      </p:sp>
-      <p:sp>
-        <p:nvSpPr>
-          <p:cNvPr id="15" name="PlaceHolder 2"/>
+            <a:pPr algn="ctr"/>
+            <a:endParaRPr b="0" lang="en-US" sz="4400" spc="-1" strike="noStrike">
+              <a:solidFill>
+                <a:srgbClr val="000000"/>
+              </a:solidFill>
+              <a:uFill>
+                <a:solidFill>
+                  <a:srgbClr val="ffffff"/>
+                </a:solidFill>
+              </a:uFill>
+              <a:latin typeface="Arial"/>
+            </a:endParaRPr>
+          </a:p>
+        </p:txBody>
+      </p:sp>
+      <p:sp>
+        <p:nvSpPr>
+          <p:cNvPr id="12" name="PlaceHolder 2"/>
           <p:cNvSpPr>
             <a:spLocks noGrp="1"/>
           </p:cNvSpPr>
@@ -2514,8 +2532,8 @@
         </p:nvSpPr>
         <p:spPr>
           <a:xfrm>
-            <a:off x="457200" y="1600200"/>
-            <a:ext cx="4015800" cy="2158560"/>
+            <a:off x="457200" y="1604520"/>
+            <a:ext cx="4015800" cy="1896840"/>
           </a:xfrm>
           <a:prstGeom prst="rect">
             <a:avLst/>
@@ -2524,23 +2542,23 @@
         <p:txBody>
           <a:bodyPr lIns="0" rIns="0" tIns="0" bIns="0"/>
           <a:p>
-            <a:endParaRPr b="0" lang="de-DE" sz="3200" spc="-1" strike="noStrike">
-              <a:solidFill>
-                <a:srgbClr val="000000"/>
-              </a:solidFill>
-              <a:uFill>
-                <a:solidFill>
-                  <a:srgbClr val="ffffff"/>
-                </a:solidFill>
-              </a:uFill>
-              <a:latin typeface="Calibri"/>
-            </a:endParaRPr>
-          </a:p>
-        </p:txBody>
-      </p:sp>
-      <p:sp>
-        <p:nvSpPr>
-          <p:cNvPr id="16" name="PlaceHolder 3"/>
+            <a:endParaRPr b="0" lang="en-US" sz="3200" spc="-1" strike="noStrike">
+              <a:solidFill>
+                <a:srgbClr val="000000"/>
+              </a:solidFill>
+              <a:uFill>
+                <a:solidFill>
+                  <a:srgbClr val="ffffff"/>
+                </a:solidFill>
+              </a:uFill>
+              <a:latin typeface="Arial"/>
+            </a:endParaRPr>
+          </a:p>
+        </p:txBody>
+      </p:sp>
+      <p:sp>
+        <p:nvSpPr>
+          <p:cNvPr id="13" name="PlaceHolder 3"/>
           <p:cNvSpPr>
             <a:spLocks noGrp="1"/>
           </p:cNvSpPr>
@@ -2550,8 +2568,8 @@
         </p:nvSpPr>
         <p:spPr>
           <a:xfrm>
-            <a:off x="457200" y="3964320"/>
-            <a:ext cx="4015800" cy="2158560"/>
+            <a:off x="457200" y="3682080"/>
+            <a:ext cx="4015800" cy="1896840"/>
           </a:xfrm>
           <a:prstGeom prst="rect">
             <a:avLst/>
@@ -2560,23 +2578,23 @@
         <p:txBody>
           <a:bodyPr lIns="0" rIns="0" tIns="0" bIns="0"/>
           <a:p>
-            <a:endParaRPr b="0" lang="de-DE" sz="3200" spc="-1" strike="noStrike">
-              <a:solidFill>
-                <a:srgbClr val="000000"/>
-              </a:solidFill>
-              <a:uFill>
-                <a:solidFill>
-                  <a:srgbClr val="ffffff"/>
-                </a:solidFill>
-              </a:uFill>
-              <a:latin typeface="Calibri"/>
-            </a:endParaRPr>
-          </a:p>
-        </p:txBody>
-      </p:sp>
-      <p:sp>
-        <p:nvSpPr>
-          <p:cNvPr id="17" name="PlaceHolder 4"/>
+            <a:endParaRPr b="0" lang="en-US" sz="3200" spc="-1" strike="noStrike">
+              <a:solidFill>
+                <a:srgbClr val="000000"/>
+              </a:solidFill>
+              <a:uFill>
+                <a:solidFill>
+                  <a:srgbClr val="ffffff"/>
+                </a:solidFill>
+              </a:uFill>
+              <a:latin typeface="Arial"/>
+            </a:endParaRPr>
+          </a:p>
+        </p:txBody>
+      </p:sp>
+      <p:sp>
+        <p:nvSpPr>
+          <p:cNvPr id="14" name="PlaceHolder 4"/>
           <p:cNvSpPr>
             <a:spLocks noGrp="1"/>
           </p:cNvSpPr>
@@ -2586,8 +2604,8 @@
         </p:nvSpPr>
         <p:spPr>
           <a:xfrm>
-            <a:off x="4674240" y="1600200"/>
-            <a:ext cx="4015800" cy="4525560"/>
+            <a:off x="4674240" y="1604520"/>
+            <a:ext cx="4015800" cy="3977280"/>
           </a:xfrm>
           <a:prstGeom prst="rect">
             <a:avLst/>
@@ -2596,16 +2614,16 @@
         <p:txBody>
           <a:bodyPr lIns="0" rIns="0" tIns="0" bIns="0"/>
           <a:p>
-            <a:endParaRPr b="0" lang="de-DE" sz="3200" spc="-1" strike="noStrike">
-              <a:solidFill>
-                <a:srgbClr val="000000"/>
-              </a:solidFill>
-              <a:uFill>
-                <a:solidFill>
-                  <a:srgbClr val="ffffff"/>
-                </a:solidFill>
-              </a:uFill>
-              <a:latin typeface="Calibri"/>
+            <a:endParaRPr b="0" lang="en-US" sz="3200" spc="-1" strike="noStrike">
+              <a:solidFill>
+                <a:srgbClr val="000000"/>
+              </a:solidFill>
+              <a:uFill>
+                <a:solidFill>
+                  <a:srgbClr val="ffffff"/>
+                </a:solidFill>
+              </a:uFill>
+              <a:latin typeface="Arial"/>
             </a:endParaRPr>
           </a:p>
         </p:txBody>
@@ -2634,7 +2652,7 @@
       </p:grpSpPr>
       <p:sp>
         <p:nvSpPr>
-          <p:cNvPr id="18" name="PlaceHolder 1"/>
+          <p:cNvPr id="15" name="PlaceHolder 1"/>
           <p:cNvSpPr>
             <a:spLocks noGrp="1"/>
           </p:cNvSpPr>
@@ -2644,8 +2662,8 @@
         </p:nvSpPr>
         <p:spPr>
           <a:xfrm>
-            <a:off x="457200" y="274680"/>
-            <a:ext cx="8229240" cy="1142640"/>
+            <a:off x="457200" y="273600"/>
+            <a:ext cx="8229240" cy="1144800"/>
           </a:xfrm>
           <a:prstGeom prst="rect">
             <a:avLst/>
@@ -2654,23 +2672,24 @@
         <p:txBody>
           <a:bodyPr lIns="0" rIns="0" tIns="0" bIns="0" anchor="ctr"/>
           <a:p>
-            <a:endParaRPr b="0" lang="de-DE" sz="1800" spc="-1" strike="noStrike">
-              <a:solidFill>
-                <a:srgbClr val="000000"/>
-              </a:solidFill>
-              <a:uFill>
-                <a:solidFill>
-                  <a:srgbClr val="ffffff"/>
-                </a:solidFill>
-              </a:uFill>
-              <a:latin typeface="Calibri"/>
-            </a:endParaRPr>
-          </a:p>
-        </p:txBody>
-      </p:sp>
-      <p:sp>
-        <p:nvSpPr>
-          <p:cNvPr id="19" name="PlaceHolder 2"/>
+            <a:pPr algn="ctr"/>
+            <a:endParaRPr b="0" lang="en-US" sz="4400" spc="-1" strike="noStrike">
+              <a:solidFill>
+                <a:srgbClr val="000000"/>
+              </a:solidFill>
+              <a:uFill>
+                <a:solidFill>
+                  <a:srgbClr val="ffffff"/>
+                </a:solidFill>
+              </a:uFill>
+              <a:latin typeface="Arial"/>
+            </a:endParaRPr>
+          </a:p>
+        </p:txBody>
+      </p:sp>
+      <p:sp>
+        <p:nvSpPr>
+          <p:cNvPr id="16" name="PlaceHolder 2"/>
           <p:cNvSpPr>
             <a:spLocks noGrp="1"/>
           </p:cNvSpPr>
@@ -2680,8 +2699,8 @@
         </p:nvSpPr>
         <p:spPr>
           <a:xfrm>
-            <a:off x="457200" y="1600200"/>
-            <a:ext cx="4015800" cy="4525560"/>
+            <a:off x="457200" y="1604520"/>
+            <a:ext cx="4015800" cy="3977280"/>
           </a:xfrm>
           <a:prstGeom prst="rect">
             <a:avLst/>
@@ -2690,23 +2709,23 @@
         <p:txBody>
           <a:bodyPr lIns="0" rIns="0" tIns="0" bIns="0"/>
           <a:p>
-            <a:endParaRPr b="0" lang="de-DE" sz="3200" spc="-1" strike="noStrike">
-              <a:solidFill>
-                <a:srgbClr val="000000"/>
-              </a:solidFill>
-              <a:uFill>
-                <a:solidFill>
-                  <a:srgbClr val="ffffff"/>
-                </a:solidFill>
-              </a:uFill>
-              <a:latin typeface="Calibri"/>
-            </a:endParaRPr>
-          </a:p>
-        </p:txBody>
-      </p:sp>
-      <p:sp>
-        <p:nvSpPr>
-          <p:cNvPr id="20" name="PlaceHolder 3"/>
+            <a:endParaRPr b="0" lang="en-US" sz="3200" spc="-1" strike="noStrike">
+              <a:solidFill>
+                <a:srgbClr val="000000"/>
+              </a:solidFill>
+              <a:uFill>
+                <a:solidFill>
+                  <a:srgbClr val="ffffff"/>
+                </a:solidFill>
+              </a:uFill>
+              <a:latin typeface="Arial"/>
+            </a:endParaRPr>
+          </a:p>
+        </p:txBody>
+      </p:sp>
+      <p:sp>
+        <p:nvSpPr>
+          <p:cNvPr id="17" name="PlaceHolder 3"/>
           <p:cNvSpPr>
             <a:spLocks noGrp="1"/>
           </p:cNvSpPr>
@@ -2716,8 +2735,8 @@
         </p:nvSpPr>
         <p:spPr>
           <a:xfrm>
-            <a:off x="4674240" y="1600200"/>
-            <a:ext cx="4015800" cy="2158560"/>
+            <a:off x="4674240" y="1604520"/>
+            <a:ext cx="4015800" cy="1896840"/>
           </a:xfrm>
           <a:prstGeom prst="rect">
             <a:avLst/>
@@ -2726,23 +2745,23 @@
         <p:txBody>
           <a:bodyPr lIns="0" rIns="0" tIns="0" bIns="0"/>
           <a:p>
-            <a:endParaRPr b="0" lang="de-DE" sz="3200" spc="-1" strike="noStrike">
-              <a:solidFill>
-                <a:srgbClr val="000000"/>
-              </a:solidFill>
-              <a:uFill>
-                <a:solidFill>
-                  <a:srgbClr val="ffffff"/>
-                </a:solidFill>
-              </a:uFill>
-              <a:latin typeface="Calibri"/>
-            </a:endParaRPr>
-          </a:p>
-        </p:txBody>
-      </p:sp>
-      <p:sp>
-        <p:nvSpPr>
-          <p:cNvPr id="21" name="PlaceHolder 4"/>
+            <a:endParaRPr b="0" lang="en-US" sz="3200" spc="-1" strike="noStrike">
+              <a:solidFill>
+                <a:srgbClr val="000000"/>
+              </a:solidFill>
+              <a:uFill>
+                <a:solidFill>
+                  <a:srgbClr val="ffffff"/>
+                </a:solidFill>
+              </a:uFill>
+              <a:latin typeface="Arial"/>
+            </a:endParaRPr>
+          </a:p>
+        </p:txBody>
+      </p:sp>
+      <p:sp>
+        <p:nvSpPr>
+          <p:cNvPr id="18" name="PlaceHolder 4"/>
           <p:cNvSpPr>
             <a:spLocks noGrp="1"/>
           </p:cNvSpPr>
@@ -2752,8 +2771,8 @@
         </p:nvSpPr>
         <p:spPr>
           <a:xfrm>
-            <a:off x="4674240" y="3964320"/>
-            <a:ext cx="4015800" cy="2158560"/>
+            <a:off x="4674240" y="3682080"/>
+            <a:ext cx="4015800" cy="1896840"/>
           </a:xfrm>
           <a:prstGeom prst="rect">
             <a:avLst/>
@@ -2762,16 +2781,16 @@
         <p:txBody>
           <a:bodyPr lIns="0" rIns="0" tIns="0" bIns="0"/>
           <a:p>
-            <a:endParaRPr b="0" lang="de-DE" sz="3200" spc="-1" strike="noStrike">
-              <a:solidFill>
-                <a:srgbClr val="000000"/>
-              </a:solidFill>
-              <a:uFill>
-                <a:solidFill>
-                  <a:srgbClr val="ffffff"/>
-                </a:solidFill>
-              </a:uFill>
-              <a:latin typeface="Calibri"/>
+            <a:endParaRPr b="0" lang="en-US" sz="3200" spc="-1" strike="noStrike">
+              <a:solidFill>
+                <a:srgbClr val="000000"/>
+              </a:solidFill>
+              <a:uFill>
+                <a:solidFill>
+                  <a:srgbClr val="ffffff"/>
+                </a:solidFill>
+              </a:uFill>
+              <a:latin typeface="Arial"/>
             </a:endParaRPr>
           </a:p>
         </p:txBody>
@@ -2800,7 +2819,7 @@
       </p:grpSpPr>
       <p:sp>
         <p:nvSpPr>
-          <p:cNvPr id="22" name="PlaceHolder 1"/>
+          <p:cNvPr id="19" name="PlaceHolder 1"/>
           <p:cNvSpPr>
             <a:spLocks noGrp="1"/>
           </p:cNvSpPr>
@@ -2810,8 +2829,8 @@
         </p:nvSpPr>
         <p:spPr>
           <a:xfrm>
-            <a:off x="457200" y="274680"/>
-            <a:ext cx="8229240" cy="1142640"/>
+            <a:off x="457200" y="273600"/>
+            <a:ext cx="8229240" cy="1144800"/>
           </a:xfrm>
           <a:prstGeom prst="rect">
             <a:avLst/>
@@ -2820,23 +2839,24 @@
         <p:txBody>
           <a:bodyPr lIns="0" rIns="0" tIns="0" bIns="0" anchor="ctr"/>
           <a:p>
-            <a:endParaRPr b="0" lang="de-DE" sz="1800" spc="-1" strike="noStrike">
-              <a:solidFill>
-                <a:srgbClr val="000000"/>
-              </a:solidFill>
-              <a:uFill>
-                <a:solidFill>
-                  <a:srgbClr val="ffffff"/>
-                </a:solidFill>
-              </a:uFill>
-              <a:latin typeface="Calibri"/>
-            </a:endParaRPr>
-          </a:p>
-        </p:txBody>
-      </p:sp>
-      <p:sp>
-        <p:nvSpPr>
-          <p:cNvPr id="23" name="PlaceHolder 2"/>
+            <a:pPr algn="ctr"/>
+            <a:endParaRPr b="0" lang="en-US" sz="4400" spc="-1" strike="noStrike">
+              <a:solidFill>
+                <a:srgbClr val="000000"/>
+              </a:solidFill>
+              <a:uFill>
+                <a:solidFill>
+                  <a:srgbClr val="ffffff"/>
+                </a:solidFill>
+              </a:uFill>
+              <a:latin typeface="Arial"/>
+            </a:endParaRPr>
+          </a:p>
+        </p:txBody>
+      </p:sp>
+      <p:sp>
+        <p:nvSpPr>
+          <p:cNvPr id="20" name="PlaceHolder 2"/>
           <p:cNvSpPr>
             <a:spLocks noGrp="1"/>
           </p:cNvSpPr>
@@ -2846,8 +2866,8 @@
         </p:nvSpPr>
         <p:spPr>
           <a:xfrm>
-            <a:off x="457200" y="1600200"/>
-            <a:ext cx="4015800" cy="2158560"/>
+            <a:off x="457200" y="1604520"/>
+            <a:ext cx="4015800" cy="1896840"/>
           </a:xfrm>
           <a:prstGeom prst="rect">
             <a:avLst/>
@@ -2856,23 +2876,23 @@
         <p:txBody>
           <a:bodyPr lIns="0" rIns="0" tIns="0" bIns="0"/>
           <a:p>
-            <a:endParaRPr b="0" lang="de-DE" sz="3200" spc="-1" strike="noStrike">
-              <a:solidFill>
-                <a:srgbClr val="000000"/>
-              </a:solidFill>
-              <a:uFill>
-                <a:solidFill>
-                  <a:srgbClr val="ffffff"/>
-                </a:solidFill>
-              </a:uFill>
-              <a:latin typeface="Calibri"/>
-            </a:endParaRPr>
-          </a:p>
-        </p:txBody>
-      </p:sp>
-      <p:sp>
-        <p:nvSpPr>
-          <p:cNvPr id="24" name="PlaceHolder 3"/>
+            <a:endParaRPr b="0" lang="en-US" sz="3200" spc="-1" strike="noStrike">
+              <a:solidFill>
+                <a:srgbClr val="000000"/>
+              </a:solidFill>
+              <a:uFill>
+                <a:solidFill>
+                  <a:srgbClr val="ffffff"/>
+                </a:solidFill>
+              </a:uFill>
+              <a:latin typeface="Arial"/>
+            </a:endParaRPr>
+          </a:p>
+        </p:txBody>
+      </p:sp>
+      <p:sp>
+        <p:nvSpPr>
+          <p:cNvPr id="21" name="PlaceHolder 3"/>
           <p:cNvSpPr>
             <a:spLocks noGrp="1"/>
           </p:cNvSpPr>
@@ -2882,8 +2902,8 @@
         </p:nvSpPr>
         <p:spPr>
           <a:xfrm>
-            <a:off x="4674240" y="1600200"/>
-            <a:ext cx="4015800" cy="2158560"/>
+            <a:off x="4674240" y="1604520"/>
+            <a:ext cx="4015800" cy="1896840"/>
           </a:xfrm>
           <a:prstGeom prst="rect">
             <a:avLst/>
@@ -2892,23 +2912,23 @@
         <p:txBody>
           <a:bodyPr lIns="0" rIns="0" tIns="0" bIns="0"/>
           <a:p>
-            <a:endParaRPr b="0" lang="de-DE" sz="3200" spc="-1" strike="noStrike">
-              <a:solidFill>
-                <a:srgbClr val="000000"/>
-              </a:solidFill>
-              <a:uFill>
-                <a:solidFill>
-                  <a:srgbClr val="ffffff"/>
-                </a:solidFill>
-              </a:uFill>
-              <a:latin typeface="Calibri"/>
-            </a:endParaRPr>
-          </a:p>
-        </p:txBody>
-      </p:sp>
-      <p:sp>
-        <p:nvSpPr>
-          <p:cNvPr id="25" name="PlaceHolder 4"/>
+            <a:endParaRPr b="0" lang="en-US" sz="3200" spc="-1" strike="noStrike">
+              <a:solidFill>
+                <a:srgbClr val="000000"/>
+              </a:solidFill>
+              <a:uFill>
+                <a:solidFill>
+                  <a:srgbClr val="ffffff"/>
+                </a:solidFill>
+              </a:uFill>
+              <a:latin typeface="Arial"/>
+            </a:endParaRPr>
+          </a:p>
+        </p:txBody>
+      </p:sp>
+      <p:sp>
+        <p:nvSpPr>
+          <p:cNvPr id="22" name="PlaceHolder 4"/>
           <p:cNvSpPr>
             <a:spLocks noGrp="1"/>
           </p:cNvSpPr>
@@ -2918,8 +2938,8 @@
         </p:nvSpPr>
         <p:spPr>
           <a:xfrm>
-            <a:off x="457200" y="3964320"/>
-            <a:ext cx="8229240" cy="2158560"/>
+            <a:off x="457200" y="3682080"/>
+            <a:ext cx="8229240" cy="1896840"/>
           </a:xfrm>
           <a:prstGeom prst="rect">
             <a:avLst/>
@@ -2928,16 +2948,16 @@
         <p:txBody>
           <a:bodyPr lIns="0" rIns="0" tIns="0" bIns="0"/>
           <a:p>
-            <a:endParaRPr b="0" lang="de-DE" sz="3200" spc="-1" strike="noStrike">
-              <a:solidFill>
-                <a:srgbClr val="000000"/>
-              </a:solidFill>
-              <a:uFill>
-                <a:solidFill>
-                  <a:srgbClr val="ffffff"/>
-                </a:solidFill>
-              </a:uFill>
-              <a:latin typeface="Calibri"/>
+            <a:endParaRPr b="0" lang="en-US" sz="3200" spc="-1" strike="noStrike">
+              <a:solidFill>
+                <a:srgbClr val="000000"/>
+              </a:solidFill>
+              <a:uFill>
+                <a:solidFill>
+                  <a:srgbClr val="ffffff"/>
+                </a:solidFill>
+              </a:uFill>
+              <a:latin typeface="Arial"/>
             </a:endParaRPr>
           </a:p>
         </p:txBody>
@@ -2983,59 +3003,27 @@
         </p:nvSpPr>
         <p:spPr>
           <a:xfrm>
-            <a:off x="685800" y="2130480"/>
-            <a:ext cx="7772040" cy="1469520"/>
-          </a:xfrm>
-          <a:prstGeom prst="rect">
-            <a:avLst/>
-          </a:prstGeom>
-        </p:spPr>
-        <p:txBody>
-          <a:bodyPr anchor="ctr"/>
-          <a:p>
-            <a:pPr algn="ctr">
-              <a:lnSpc>
-                <a:spcPct val="100000"/>
-              </a:lnSpc>
-            </a:pPr>
-            <a:r>
-              <a:rPr b="0" lang="de-DE" sz="4400" spc="-1" strike="noStrike">
-                <a:solidFill>
-                  <a:srgbClr val="000000"/>
-                </a:solidFill>
-                <a:uFill>
-                  <a:solidFill>
-                    <a:srgbClr val="ffffff"/>
-                  </a:solidFill>
-                </a:uFill>
-                <a:latin typeface="Calibri"/>
-              </a:rPr>
-              <a:t>Click to edit Master title </a:t>
-            </a:r>
-            <a:r>
-              <a:rPr b="0" lang="de-DE" sz="4400" spc="-1" strike="noStrike">
-                <a:solidFill>
-                  <a:srgbClr val="000000"/>
-                </a:solidFill>
-                <a:uFill>
-                  <a:solidFill>
-                    <a:srgbClr val="ffffff"/>
-                  </a:solidFill>
-                </a:uFill>
-                <a:latin typeface="Calibri"/>
-              </a:rPr>
-              <a:t>style</a:t>
-            </a:r>
-            <a:endParaRPr b="0" lang="de-DE" sz="1800" spc="-1" strike="noStrike">
-              <a:solidFill>
-                <a:srgbClr val="000000"/>
-              </a:solidFill>
-              <a:uFill>
-                <a:solidFill>
-                  <a:srgbClr val="ffffff"/>
-                </a:solidFill>
-              </a:uFill>
-              <a:latin typeface="Calibri"/>
+            <a:off x="457200" y="274680"/>
+            <a:ext cx="8228880" cy="1142280"/>
+          </a:xfrm>
+          <a:prstGeom prst="rect">
+            <a:avLst/>
+          </a:prstGeom>
+        </p:spPr>
+        <p:txBody>
+          <a:bodyPr lIns="0" rIns="0" tIns="0" bIns="0" anchor="ctr"/>
+          <a:p>
+            <a:pPr algn="ctr"/>
+            <a:endParaRPr b="0" lang="en-US" sz="4400" spc="-1" strike="noStrike">
+              <a:solidFill>
+                <a:srgbClr val="000000"/>
+              </a:solidFill>
+              <a:uFill>
+                <a:solidFill>
+                  <a:srgbClr val="ffffff"/>
+                </a:solidFill>
+              </a:uFill>
+              <a:latin typeface="Arial"/>
             </a:endParaRPr>
           </a:p>
         </p:txBody>
@@ -3043,152 +3031,6 @@
       <p:sp>
         <p:nvSpPr>
           <p:cNvPr id="1" name="PlaceHolder 2"/>
-          <p:cNvSpPr>
-            <a:spLocks noGrp="1"/>
-          </p:cNvSpPr>
-          <p:nvPr>
-            <p:ph type="dt"/>
-          </p:nvPr>
-        </p:nvSpPr>
-        <p:spPr>
-          <a:xfrm>
-            <a:off x="457200" y="6356520"/>
-            <a:ext cx="2133360" cy="364680"/>
-          </a:xfrm>
-          <a:prstGeom prst="rect">
-            <a:avLst/>
-          </a:prstGeom>
-        </p:spPr>
-        <p:txBody>
-          <a:bodyPr anchor="ctr"/>
-          <a:p>
-            <a:pPr>
-              <a:lnSpc>
-                <a:spcPct val="100000"/>
-              </a:lnSpc>
-            </a:pPr>
-            <a:r>
-              <a:rPr b="0" lang="en-US" sz="1200" spc="-1" strike="noStrike">
-                <a:solidFill>
-                  <a:srgbClr val="8b8b8b"/>
-                </a:solidFill>
-                <a:uFill>
-                  <a:solidFill>
-                    <a:srgbClr val="ffffff"/>
-                  </a:solidFill>
-                </a:uFill>
-                <a:latin typeface="Calibri"/>
-              </a:rPr>
-              <a:t>10/27/17</a:t>
-            </a:r>
-            <a:endParaRPr b="0" lang="en-US" sz="1400" spc="-1" strike="noStrike">
-              <a:solidFill>
-                <a:srgbClr val="000000"/>
-              </a:solidFill>
-              <a:uFill>
-                <a:solidFill>
-                  <a:srgbClr val="ffffff"/>
-                </a:solidFill>
-              </a:uFill>
-              <a:latin typeface="Times New Roman"/>
-            </a:endParaRPr>
-          </a:p>
-        </p:txBody>
-      </p:sp>
-      <p:sp>
-        <p:nvSpPr>
-          <p:cNvPr id="2" name="PlaceHolder 3"/>
-          <p:cNvSpPr>
-            <a:spLocks noGrp="1"/>
-          </p:cNvSpPr>
-          <p:nvPr>
-            <p:ph type="ftr"/>
-          </p:nvPr>
-        </p:nvSpPr>
-        <p:spPr>
-          <a:xfrm>
-            <a:off x="3124080" y="6356520"/>
-            <a:ext cx="2895120" cy="364680"/>
-          </a:xfrm>
-          <a:prstGeom prst="rect">
-            <a:avLst/>
-          </a:prstGeom>
-        </p:spPr>
-        <p:txBody>
-          <a:bodyPr anchor="ctr"/>
-          <a:p>
-            <a:endParaRPr b="0" lang="en-US" sz="2400" spc="-1" strike="noStrike">
-              <a:solidFill>
-                <a:srgbClr val="000000"/>
-              </a:solidFill>
-              <a:uFill>
-                <a:solidFill>
-                  <a:srgbClr val="ffffff"/>
-                </a:solidFill>
-              </a:uFill>
-              <a:latin typeface="Times New Roman"/>
-            </a:endParaRPr>
-          </a:p>
-        </p:txBody>
-      </p:sp>
-      <p:sp>
-        <p:nvSpPr>
-          <p:cNvPr id="3" name="PlaceHolder 4"/>
-          <p:cNvSpPr>
-            <a:spLocks noGrp="1"/>
-          </p:cNvSpPr>
-          <p:nvPr>
-            <p:ph type="sldNum"/>
-          </p:nvPr>
-        </p:nvSpPr>
-        <p:spPr>
-          <a:xfrm>
-            <a:off x="6553080" y="6356520"/>
-            <a:ext cx="2133360" cy="364680"/>
-          </a:xfrm>
-          <a:prstGeom prst="rect">
-            <a:avLst/>
-          </a:prstGeom>
-        </p:spPr>
-        <p:txBody>
-          <a:bodyPr anchor="ctr"/>
-          <a:p>
-            <a:pPr algn="r">
-              <a:lnSpc>
-                <a:spcPct val="100000"/>
-              </a:lnSpc>
-            </a:pPr>
-            <a:fld id="{A58CCD17-155B-459A-9A53-C4EF494EA3A1}" type="slidenum">
-              <a:rPr b="0" lang="en-US" sz="1200" spc="-1" strike="noStrike">
-                <a:solidFill>
-                  <a:srgbClr val="8b8b8b"/>
-                </a:solidFill>
-                <a:uFill>
-                  <a:solidFill>
-                    <a:srgbClr val="ffffff"/>
-                  </a:solidFill>
-                </a:uFill>
-                <a:latin typeface="Calibri"/>
-              </a:rPr>
-              <a:t>&lt;number&gt;</a:t>
-            </a:fld>
-            <a:endParaRPr b="0" lang="en-US" sz="1400" spc="-1" strike="noStrike">
-              <a:solidFill>
-                <a:srgbClr val="000000"/>
-              </a:solidFill>
-              <a:uFill>
-                <a:solidFill>
-                  <a:srgbClr val="ffffff"/>
-                </a:solidFill>
-              </a:uFill>
-              <a:latin typeface="Times New Roman"/>
-            </a:endParaRPr>
-          </a:p>
-        </p:txBody>
-      </p:sp>
-      <p:sp>
-        <p:nvSpPr>
-          <p:cNvPr id="4" name="PlaceHolder 5"/>
           <p:cNvSpPr>
             <a:spLocks noGrp="1"/>
           </p:cNvSpPr>
@@ -3217,7 +3059,7 @@
               <a:buChar char=""/>
             </a:pPr>
             <a:r>
-              <a:rPr b="0" lang="de-DE" sz="3200" spc="-1" strike="noStrike">
+              <a:rPr b="0" lang="en-US" sz="3200" spc="-1" strike="noStrike">
                 <a:solidFill>
                   <a:srgbClr val="000000"/>
                 </a:solidFill>
@@ -3226,20 +3068,20 @@
                     <a:srgbClr val="ffffff"/>
                   </a:solidFill>
                 </a:uFill>
-                <a:latin typeface="Calibri"/>
+                <a:latin typeface="Arial"/>
               </a:rPr>
               <a:t>Click to edit the outline text format</a:t>
             </a:r>
-            <a:endParaRPr b="0" lang="de-DE" sz="3200" spc="-1" strike="noStrike">
-              <a:solidFill>
-                <a:srgbClr val="000000"/>
-              </a:solidFill>
-              <a:uFill>
-                <a:solidFill>
-                  <a:srgbClr val="ffffff"/>
-                </a:solidFill>
-              </a:uFill>
-              <a:latin typeface="Calibri"/>
+            <a:endParaRPr b="0" lang="en-US" sz="3200" spc="-1" strike="noStrike">
+              <a:solidFill>
+                <a:srgbClr val="000000"/>
+              </a:solidFill>
+              <a:uFill>
+                <a:solidFill>
+                  <a:srgbClr val="ffffff"/>
+                </a:solidFill>
+              </a:uFill>
+              <a:latin typeface="Arial"/>
             </a:endParaRPr>
           </a:p>
           <a:p>
@@ -3252,7 +3094,7 @@
               <a:buChar char=""/>
             </a:pPr>
             <a:r>
-              <a:rPr b="0" lang="de-DE" sz="2400" spc="-1" strike="noStrike">
+              <a:rPr b="0" lang="en-US" sz="2800" spc="-1" strike="noStrike">
                 <a:solidFill>
                   <a:srgbClr val="000000"/>
                 </a:solidFill>
@@ -3261,20 +3103,20 @@
                     <a:srgbClr val="ffffff"/>
                   </a:solidFill>
                 </a:uFill>
-                <a:latin typeface="Calibri"/>
+                <a:latin typeface="Arial"/>
               </a:rPr>
               <a:t>Second Outline Level</a:t>
             </a:r>
-            <a:endParaRPr b="0" lang="de-DE" sz="2400" spc="-1" strike="noStrike">
-              <a:solidFill>
-                <a:srgbClr val="000000"/>
-              </a:solidFill>
-              <a:uFill>
-                <a:solidFill>
-                  <a:srgbClr val="ffffff"/>
-                </a:solidFill>
-              </a:uFill>
-              <a:latin typeface="Calibri"/>
+            <a:endParaRPr b="0" lang="en-US" sz="2800" spc="-1" strike="noStrike">
+              <a:solidFill>
+                <a:srgbClr val="000000"/>
+              </a:solidFill>
+              <a:uFill>
+                <a:solidFill>
+                  <a:srgbClr val="ffffff"/>
+                </a:solidFill>
+              </a:uFill>
+              <a:latin typeface="Arial"/>
             </a:endParaRPr>
           </a:p>
           <a:p>
@@ -3287,7 +3129,7 @@
               <a:buChar char=""/>
             </a:pPr>
             <a:r>
-              <a:rPr b="0" lang="de-DE" sz="2000" spc="-1" strike="noStrike">
+              <a:rPr b="0" lang="en-US" sz="2400" spc="-1" strike="noStrike">
                 <a:solidFill>
                   <a:srgbClr val="000000"/>
                 </a:solidFill>
@@ -3296,20 +3138,20 @@
                     <a:srgbClr val="ffffff"/>
                   </a:solidFill>
                 </a:uFill>
-                <a:latin typeface="Calibri"/>
+                <a:latin typeface="Arial"/>
               </a:rPr>
               <a:t>Third Outline Level</a:t>
             </a:r>
-            <a:endParaRPr b="0" lang="de-DE" sz="2000" spc="-1" strike="noStrike">
-              <a:solidFill>
-                <a:srgbClr val="000000"/>
-              </a:solidFill>
-              <a:uFill>
-                <a:solidFill>
-                  <a:srgbClr val="ffffff"/>
-                </a:solidFill>
-              </a:uFill>
-              <a:latin typeface="Calibri"/>
+            <a:endParaRPr b="0" lang="en-US" sz="2400" spc="-1" strike="noStrike">
+              <a:solidFill>
+                <a:srgbClr val="000000"/>
+              </a:solidFill>
+              <a:uFill>
+                <a:solidFill>
+                  <a:srgbClr val="ffffff"/>
+                </a:solidFill>
+              </a:uFill>
+              <a:latin typeface="Arial"/>
             </a:endParaRPr>
           </a:p>
           <a:p>
@@ -3322,7 +3164,7 @@
               <a:buChar char=""/>
             </a:pPr>
             <a:r>
-              <a:rPr b="0" lang="de-DE" sz="2000" spc="-1" strike="noStrike">
+              <a:rPr b="0" lang="en-US" sz="2000" spc="-1" strike="noStrike">
                 <a:solidFill>
                   <a:srgbClr val="000000"/>
                 </a:solidFill>
@@ -3331,20 +3173,20 @@
                     <a:srgbClr val="ffffff"/>
                   </a:solidFill>
                 </a:uFill>
-                <a:latin typeface="Calibri"/>
+                <a:latin typeface="Arial"/>
               </a:rPr>
               <a:t>Fourth Outline Level</a:t>
             </a:r>
-            <a:endParaRPr b="0" lang="de-DE" sz="2000" spc="-1" strike="noStrike">
-              <a:solidFill>
-                <a:srgbClr val="000000"/>
-              </a:solidFill>
-              <a:uFill>
-                <a:solidFill>
-                  <a:srgbClr val="ffffff"/>
-                </a:solidFill>
-              </a:uFill>
-              <a:latin typeface="Calibri"/>
+            <a:endParaRPr b="0" lang="en-US" sz="2000" spc="-1" strike="noStrike">
+              <a:solidFill>
+                <a:srgbClr val="000000"/>
+              </a:solidFill>
+              <a:uFill>
+                <a:solidFill>
+                  <a:srgbClr val="ffffff"/>
+                </a:solidFill>
+              </a:uFill>
+              <a:latin typeface="Arial"/>
             </a:endParaRPr>
           </a:p>
           <a:p>
@@ -3357,7 +3199,7 @@
               <a:buChar char=""/>
             </a:pPr>
             <a:r>
-              <a:rPr b="0" lang="de-DE" sz="2000" spc="-1" strike="noStrike">
+              <a:rPr b="0" lang="en-US" sz="2000" spc="-1" strike="noStrike">
                 <a:solidFill>
                   <a:srgbClr val="000000"/>
                 </a:solidFill>
@@ -3366,20 +3208,20 @@
                     <a:srgbClr val="ffffff"/>
                   </a:solidFill>
                 </a:uFill>
-                <a:latin typeface="Calibri"/>
+                <a:latin typeface="Arial"/>
               </a:rPr>
               <a:t>Fifth Outline Level</a:t>
             </a:r>
-            <a:endParaRPr b="0" lang="de-DE" sz="2000" spc="-1" strike="noStrike">
-              <a:solidFill>
-                <a:srgbClr val="000000"/>
-              </a:solidFill>
-              <a:uFill>
-                <a:solidFill>
-                  <a:srgbClr val="ffffff"/>
-                </a:solidFill>
-              </a:uFill>
-              <a:latin typeface="Calibri"/>
+            <a:endParaRPr b="0" lang="en-US" sz="2000" spc="-1" strike="noStrike">
+              <a:solidFill>
+                <a:srgbClr val="000000"/>
+              </a:solidFill>
+              <a:uFill>
+                <a:solidFill>
+                  <a:srgbClr val="ffffff"/>
+                </a:solidFill>
+              </a:uFill>
+              <a:latin typeface="Arial"/>
             </a:endParaRPr>
           </a:p>
           <a:p>
@@ -3392,7 +3234,7 @@
               <a:buChar char=""/>
             </a:pPr>
             <a:r>
-              <a:rPr b="0" lang="de-DE" sz="2000" spc="-1" strike="noStrike">
+              <a:rPr b="0" lang="en-US" sz="2000" spc="-1" strike="noStrike">
                 <a:solidFill>
                   <a:srgbClr val="000000"/>
                 </a:solidFill>
@@ -3401,20 +3243,20 @@
                     <a:srgbClr val="ffffff"/>
                   </a:solidFill>
                 </a:uFill>
-                <a:latin typeface="Calibri"/>
+                <a:latin typeface="Arial"/>
               </a:rPr>
               <a:t>Sixth Outline Level</a:t>
             </a:r>
-            <a:endParaRPr b="0" lang="de-DE" sz="2000" spc="-1" strike="noStrike">
-              <a:solidFill>
-                <a:srgbClr val="000000"/>
-              </a:solidFill>
-              <a:uFill>
-                <a:solidFill>
-                  <a:srgbClr val="ffffff"/>
-                </a:solidFill>
-              </a:uFill>
-              <a:latin typeface="Calibri"/>
+            <a:endParaRPr b="0" lang="en-US" sz="2000" spc="-1" strike="noStrike">
+              <a:solidFill>
+                <a:srgbClr val="000000"/>
+              </a:solidFill>
+              <a:uFill>
+                <a:solidFill>
+                  <a:srgbClr val="ffffff"/>
+                </a:solidFill>
+              </a:uFill>
+              <a:latin typeface="Arial"/>
             </a:endParaRPr>
           </a:p>
           <a:p>
@@ -3427,7 +3269,7 @@
               <a:buChar char=""/>
             </a:pPr>
             <a:r>
-              <a:rPr b="0" lang="de-DE" sz="2000" spc="-1" strike="noStrike">
+              <a:rPr b="0" lang="en-US" sz="2000" spc="-1" strike="noStrike">
                 <a:solidFill>
                   <a:srgbClr val="000000"/>
                 </a:solidFill>
@@ -3436,20 +3278,20 @@
                     <a:srgbClr val="ffffff"/>
                   </a:solidFill>
                 </a:uFill>
-                <a:latin typeface="Calibri"/>
+                <a:latin typeface="Arial"/>
               </a:rPr>
               <a:t>Seventh Outline Level</a:t>
             </a:r>
-            <a:endParaRPr b="0" lang="de-DE" sz="2000" spc="-1" strike="noStrike">
-              <a:solidFill>
-                <a:srgbClr val="000000"/>
-              </a:solidFill>
-              <a:uFill>
-                <a:solidFill>
-                  <a:srgbClr val="ffffff"/>
-                </a:solidFill>
-              </a:uFill>
-              <a:latin typeface="Calibri"/>
+            <a:endParaRPr b="0" lang="en-US" sz="2000" spc="-1" strike="noStrike">
+              <a:solidFill>
+                <a:srgbClr val="000000"/>
+              </a:solidFill>
+              <a:uFill>
+                <a:solidFill>
+                  <a:srgbClr val="ffffff"/>
+                </a:solidFill>
+              </a:uFill>
+              <a:latin typeface="Arial"/>
             </a:endParaRPr>
           </a:p>
         </p:txBody>
@@ -3500,7 +3342,7 @@
       </p:grpSpPr>
       <p:sp>
         <p:nvSpPr>
-          <p:cNvPr id="39" name="PlaceHolder 1"/>
+          <p:cNvPr id="36" name="PlaceHolder 1"/>
           <p:cNvSpPr>
             <a:spLocks noGrp="1"/>
           </p:cNvSpPr>
@@ -3510,23 +3352,19 @@
         </p:nvSpPr>
         <p:spPr>
           <a:xfrm>
-            <a:off x="457200" y="274680"/>
-            <a:ext cx="8229240" cy="1142640"/>
-          </a:xfrm>
-          <a:prstGeom prst="rect">
-            <a:avLst/>
-          </a:prstGeom>
-        </p:spPr>
-        <p:txBody>
-          <a:bodyPr anchor="ctr"/>
-          <a:p>
-            <a:pPr algn="ctr">
-              <a:lnSpc>
-                <a:spcPct val="100000"/>
-              </a:lnSpc>
-            </a:pPr>
+            <a:off x="457200" y="273600"/>
+            <a:ext cx="8229240" cy="1144800"/>
+          </a:xfrm>
+          <a:prstGeom prst="rect">
+            <a:avLst/>
+          </a:prstGeom>
+        </p:spPr>
+        <p:txBody>
+          <a:bodyPr lIns="0" rIns="0" tIns="0" bIns="0" anchor="ctr"/>
+          <a:p>
+            <a:pPr algn="ctr"/>
             <a:r>
-              <a:rPr b="0" lang="de-DE" sz="4400" spc="-1" strike="noStrike">
+              <a:rPr b="0" lang="en-US" sz="4400" spc="-1" strike="noStrike">
                 <a:solidFill>
                   <a:srgbClr val="000000"/>
                 </a:solidFill>
@@ -3535,27 +3373,27 @@
                     <a:srgbClr val="ffffff"/>
                   </a:solidFill>
                 </a:uFill>
-                <a:latin typeface="Calibri"/>
+                <a:latin typeface="Arial"/>
               </a:rPr>
-              <a:t>Click to edit Master title style</a:t>
+              <a:t>Click to edit the title text format</a:t>
             </a:r>
-            <a:endParaRPr b="0" lang="de-DE" sz="1800" spc="-1" strike="noStrike">
-              <a:solidFill>
-                <a:srgbClr val="000000"/>
-              </a:solidFill>
-              <a:uFill>
-                <a:solidFill>
-                  <a:srgbClr val="ffffff"/>
-                </a:solidFill>
-              </a:uFill>
-              <a:latin typeface="Calibri"/>
-            </a:endParaRPr>
-          </a:p>
-        </p:txBody>
-      </p:sp>
-      <p:sp>
-        <p:nvSpPr>
-          <p:cNvPr id="40" name="PlaceHolder 2"/>
+            <a:endParaRPr b="0" lang="en-US" sz="4400" spc="-1" strike="noStrike">
+              <a:solidFill>
+                <a:srgbClr val="000000"/>
+              </a:solidFill>
+              <a:uFill>
+                <a:solidFill>
+                  <a:srgbClr val="ffffff"/>
+                </a:solidFill>
+              </a:uFill>
+              <a:latin typeface="Arial"/>
+            </a:endParaRPr>
+          </a:p>
+        </p:txBody>
+      </p:sp>
+      <p:sp>
+        <p:nvSpPr>
+          <p:cNvPr id="37" name="PlaceHolder 2"/>
           <p:cNvSpPr>
             <a:spLocks noGrp="1"/>
           </p:cNvSpPr>
@@ -3565,15 +3403,15 @@
         </p:nvSpPr>
         <p:spPr>
           <a:xfrm>
-            <a:off x="457200" y="1600200"/>
-            <a:ext cx="8229240" cy="4525560"/>
-          </a:xfrm>
-          <a:prstGeom prst="rect">
-            <a:avLst/>
-          </a:prstGeom>
-        </p:spPr>
-        <p:txBody>
-          <a:bodyPr/>
+            <a:off x="457200" y="1604520"/>
+            <a:ext cx="8229240" cy="3977280"/>
+          </a:xfrm>
+          <a:prstGeom prst="rect">
+            <a:avLst/>
+          </a:prstGeom>
+        </p:spPr>
+        <p:txBody>
+          <a:bodyPr lIns="0" rIns="0" tIns="0" bIns="0"/>
           <a:p>
             <a:pPr marL="432000" indent="-324000">
               <a:buClr>
@@ -3584,7 +3422,7 @@
               <a:buChar char=""/>
             </a:pPr>
             <a:r>
-              <a:rPr b="0" lang="de-DE" sz="3200" spc="-1" strike="noStrike">
+              <a:rPr b="0" lang="en-US" sz="3200" spc="-1" strike="noStrike">
                 <a:solidFill>
                   <a:srgbClr val="000000"/>
                 </a:solidFill>
@@ -3593,20 +3431,20 @@
                     <a:srgbClr val="ffffff"/>
                   </a:solidFill>
                 </a:uFill>
-                <a:latin typeface="Calibri"/>
+                <a:latin typeface="Arial"/>
               </a:rPr>
               <a:t>Click to edit the outline text format</a:t>
             </a:r>
-            <a:endParaRPr b="0" lang="de-DE" sz="3200" spc="-1" strike="noStrike">
-              <a:solidFill>
-                <a:srgbClr val="000000"/>
-              </a:solidFill>
-              <a:uFill>
-                <a:solidFill>
-                  <a:srgbClr val="ffffff"/>
-                </a:solidFill>
-              </a:uFill>
-              <a:latin typeface="Calibri"/>
+            <a:endParaRPr b="0" lang="en-US" sz="3200" spc="-1" strike="noStrike">
+              <a:solidFill>
+                <a:srgbClr val="000000"/>
+              </a:solidFill>
+              <a:uFill>
+                <a:solidFill>
+                  <a:srgbClr val="ffffff"/>
+                </a:solidFill>
+              </a:uFill>
+              <a:latin typeface="Arial"/>
             </a:endParaRPr>
           </a:p>
           <a:p>
@@ -3619,7 +3457,7 @@
               <a:buChar char=""/>
             </a:pPr>
             <a:r>
-              <a:rPr b="0" lang="de-DE" sz="3200" spc="-1" strike="noStrike">
+              <a:rPr b="0" lang="en-US" sz="2800" spc="-1" strike="noStrike">
                 <a:solidFill>
                   <a:srgbClr val="000000"/>
                 </a:solidFill>
@@ -3628,20 +3466,20 @@
                     <a:srgbClr val="ffffff"/>
                   </a:solidFill>
                 </a:uFill>
-                <a:latin typeface="Calibri"/>
+                <a:latin typeface="Arial"/>
               </a:rPr>
               <a:t>Second Outline Level</a:t>
             </a:r>
-            <a:endParaRPr b="0" lang="de-DE" sz="3200" spc="-1" strike="noStrike">
-              <a:solidFill>
-                <a:srgbClr val="000000"/>
-              </a:solidFill>
-              <a:uFill>
-                <a:solidFill>
-                  <a:srgbClr val="ffffff"/>
-                </a:solidFill>
-              </a:uFill>
-              <a:latin typeface="Calibri"/>
+            <a:endParaRPr b="0" lang="en-US" sz="2800" spc="-1" strike="noStrike">
+              <a:solidFill>
+                <a:srgbClr val="000000"/>
+              </a:solidFill>
+              <a:uFill>
+                <a:solidFill>
+                  <a:srgbClr val="ffffff"/>
+                </a:solidFill>
+              </a:uFill>
+              <a:latin typeface="Arial"/>
             </a:endParaRPr>
           </a:p>
           <a:p>
@@ -3654,7 +3492,7 @@
               <a:buChar char=""/>
             </a:pPr>
             <a:r>
-              <a:rPr b="0" lang="de-DE" sz="3200" spc="-1" strike="noStrike">
+              <a:rPr b="0" lang="en-US" sz="2400" spc="-1" strike="noStrike">
                 <a:solidFill>
                   <a:srgbClr val="000000"/>
                 </a:solidFill>
@@ -3663,20 +3501,20 @@
                     <a:srgbClr val="ffffff"/>
                   </a:solidFill>
                 </a:uFill>
-                <a:latin typeface="Calibri"/>
+                <a:latin typeface="Arial"/>
               </a:rPr>
               <a:t>Third Outline Level</a:t>
             </a:r>
-            <a:endParaRPr b="0" lang="de-DE" sz="3200" spc="-1" strike="noStrike">
-              <a:solidFill>
-                <a:srgbClr val="000000"/>
-              </a:solidFill>
-              <a:uFill>
-                <a:solidFill>
-                  <a:srgbClr val="ffffff"/>
-                </a:solidFill>
-              </a:uFill>
-              <a:latin typeface="Calibri"/>
+            <a:endParaRPr b="0" lang="en-US" sz="2400" spc="-1" strike="noStrike">
+              <a:solidFill>
+                <a:srgbClr val="000000"/>
+              </a:solidFill>
+              <a:uFill>
+                <a:solidFill>
+                  <a:srgbClr val="ffffff"/>
+                </a:solidFill>
+              </a:uFill>
+              <a:latin typeface="Arial"/>
             </a:endParaRPr>
           </a:p>
           <a:p>
@@ -3689,7 +3527,7 @@
               <a:buChar char=""/>
             </a:pPr>
             <a:r>
-              <a:rPr b="0" lang="de-DE" sz="3200" spc="-1" strike="noStrike">
+              <a:rPr b="0" lang="en-US" sz="2000" spc="-1" strike="noStrike">
                 <a:solidFill>
                   <a:srgbClr val="000000"/>
                 </a:solidFill>
@@ -3698,20 +3536,20 @@
                     <a:srgbClr val="ffffff"/>
                   </a:solidFill>
                 </a:uFill>
-                <a:latin typeface="Calibri"/>
+                <a:latin typeface="Arial"/>
               </a:rPr>
               <a:t>Fourth Outline Level</a:t>
             </a:r>
-            <a:endParaRPr b="0" lang="de-DE" sz="3200" spc="-1" strike="noStrike">
-              <a:solidFill>
-                <a:srgbClr val="000000"/>
-              </a:solidFill>
-              <a:uFill>
-                <a:solidFill>
-                  <a:srgbClr val="ffffff"/>
-                </a:solidFill>
-              </a:uFill>
-              <a:latin typeface="Calibri"/>
+            <a:endParaRPr b="0" lang="en-US" sz="2000" spc="-1" strike="noStrike">
+              <a:solidFill>
+                <a:srgbClr val="000000"/>
+              </a:solidFill>
+              <a:uFill>
+                <a:solidFill>
+                  <a:srgbClr val="ffffff"/>
+                </a:solidFill>
+              </a:uFill>
+              <a:latin typeface="Arial"/>
             </a:endParaRPr>
           </a:p>
           <a:p>
@@ -3724,7 +3562,7 @@
               <a:buChar char=""/>
             </a:pPr>
             <a:r>
-              <a:rPr b="0" lang="de-DE" sz="3200" spc="-1" strike="noStrike">
+              <a:rPr b="0" lang="en-US" sz="2000" spc="-1" strike="noStrike">
                 <a:solidFill>
                   <a:srgbClr val="000000"/>
                 </a:solidFill>
@@ -3733,20 +3571,20 @@
                     <a:srgbClr val="ffffff"/>
                   </a:solidFill>
                 </a:uFill>
-                <a:latin typeface="Calibri"/>
+                <a:latin typeface="Arial"/>
               </a:rPr>
               <a:t>Fifth Outline Level</a:t>
             </a:r>
-            <a:endParaRPr b="0" lang="de-DE" sz="3200" spc="-1" strike="noStrike">
-              <a:solidFill>
-                <a:srgbClr val="000000"/>
-              </a:solidFill>
-              <a:uFill>
-                <a:solidFill>
-                  <a:srgbClr val="ffffff"/>
-                </a:solidFill>
-              </a:uFill>
-              <a:latin typeface="Calibri"/>
+            <a:endParaRPr b="0" lang="en-US" sz="2000" spc="-1" strike="noStrike">
+              <a:solidFill>
+                <a:srgbClr val="000000"/>
+              </a:solidFill>
+              <a:uFill>
+                <a:solidFill>
+                  <a:srgbClr val="ffffff"/>
+                </a:solidFill>
+              </a:uFill>
+              <a:latin typeface="Arial"/>
             </a:endParaRPr>
           </a:p>
           <a:p>
@@ -3759,7 +3597,7 @@
               <a:buChar char=""/>
             </a:pPr>
             <a:r>
-              <a:rPr b="0" lang="de-DE" sz="3200" spc="-1" strike="noStrike">
+              <a:rPr b="0" lang="en-US" sz="2000" spc="-1" strike="noStrike">
                 <a:solidFill>
                   <a:srgbClr val="000000"/>
                 </a:solidFill>
@@ -3768,35 +3606,33 @@
                     <a:srgbClr val="ffffff"/>
                   </a:solidFill>
                 </a:uFill>
-                <a:latin typeface="Calibri"/>
+                <a:latin typeface="Arial"/>
               </a:rPr>
               <a:t>Sixth Outline Level</a:t>
             </a:r>
-            <a:endParaRPr b="0" lang="de-DE" sz="3200" spc="-1" strike="noStrike">
-              <a:solidFill>
-                <a:srgbClr val="000000"/>
-              </a:solidFill>
-              <a:uFill>
-                <a:solidFill>
-                  <a:srgbClr val="ffffff"/>
-                </a:solidFill>
-              </a:uFill>
-              <a:latin typeface="Calibri"/>
-            </a:endParaRPr>
-          </a:p>
-          <a:p>
-            <a:pPr marL="343080" indent="-342720">
-              <a:lnSpc>
-                <a:spcPct val="100000"/>
-              </a:lnSpc>
+            <a:endParaRPr b="0" lang="en-US" sz="2000" spc="-1" strike="noStrike">
+              <a:solidFill>
+                <a:srgbClr val="000000"/>
+              </a:solidFill>
+              <a:uFill>
+                <a:solidFill>
+                  <a:srgbClr val="ffffff"/>
+                </a:solidFill>
+              </a:uFill>
+              <a:latin typeface="Arial"/>
+            </a:endParaRPr>
+          </a:p>
+          <a:p>
+            <a:pPr lvl="6" marL="3024000" indent="-216000">
               <a:buClr>
                 <a:srgbClr val="000000"/>
               </a:buClr>
-              <a:buFont typeface="Arial"/>
-              <a:buChar char="•"/>
+              <a:buSzPct val="45000"/>
+              <a:buFont typeface="Wingdings" charset="2"/>
+              <a:buChar char=""/>
             </a:pPr>
             <a:r>
-              <a:rPr b="0" lang="de-DE" sz="3200" spc="-1" strike="noStrike">
+              <a:rPr b="0" lang="en-US" sz="2000" spc="-1" strike="noStrike">
                 <a:solidFill>
                   <a:srgbClr val="000000"/>
                 </a:solidFill>
@@ -3805,314 +3641,20 @@
                     <a:srgbClr val="ffffff"/>
                   </a:solidFill>
                 </a:uFill>
-                <a:latin typeface="Calibri"/>
+                <a:latin typeface="Arial"/>
               </a:rPr>
-              <a:t>Seventh Outline LevelClick to edit Master text styles</a:t>
+              <a:t>Seventh Outline Level</a:t>
             </a:r>
-            <a:endParaRPr b="0" lang="de-DE" sz="3200" spc="-1" strike="noStrike">
-              <a:solidFill>
-                <a:srgbClr val="000000"/>
-              </a:solidFill>
-              <a:uFill>
-                <a:solidFill>
-                  <a:srgbClr val="ffffff"/>
-                </a:solidFill>
-              </a:uFill>
-              <a:latin typeface="Calibri"/>
-            </a:endParaRPr>
-          </a:p>
-          <a:p>
-            <a:pPr lvl="1" marL="743040" indent="-285480">
-              <a:lnSpc>
-                <a:spcPct val="100000"/>
-              </a:lnSpc>
-              <a:buClr>
-                <a:srgbClr val="000000"/>
-              </a:buClr>
-              <a:buFont typeface="Arial"/>
-              <a:buChar char="–"/>
-            </a:pPr>
-            <a:r>
-              <a:rPr b="0" lang="de-DE" sz="2800" spc="-1" strike="noStrike">
-                <a:solidFill>
-                  <a:srgbClr val="000000"/>
-                </a:solidFill>
-                <a:uFill>
-                  <a:solidFill>
-                    <a:srgbClr val="ffffff"/>
-                  </a:solidFill>
-                </a:uFill>
-                <a:latin typeface="Calibri"/>
-              </a:rPr>
-              <a:t>Second level</a:t>
-            </a:r>
-            <a:endParaRPr b="0" lang="de-DE" sz="3200" spc="-1" strike="noStrike">
-              <a:solidFill>
-                <a:srgbClr val="000000"/>
-              </a:solidFill>
-              <a:uFill>
-                <a:solidFill>
-                  <a:srgbClr val="ffffff"/>
-                </a:solidFill>
-              </a:uFill>
-              <a:latin typeface="Calibri"/>
-            </a:endParaRPr>
-          </a:p>
-          <a:p>
-            <a:pPr lvl="2" marL="1143000" indent="-228240">
-              <a:lnSpc>
-                <a:spcPct val="100000"/>
-              </a:lnSpc>
-              <a:buClr>
-                <a:srgbClr val="000000"/>
-              </a:buClr>
-              <a:buFont typeface="Arial"/>
-              <a:buChar char="•"/>
-            </a:pPr>
-            <a:r>
-              <a:rPr b="0" lang="de-DE" sz="2400" spc="-1" strike="noStrike">
-                <a:solidFill>
-                  <a:srgbClr val="000000"/>
-                </a:solidFill>
-                <a:uFill>
-                  <a:solidFill>
-                    <a:srgbClr val="ffffff"/>
-                  </a:solidFill>
-                </a:uFill>
-                <a:latin typeface="Calibri"/>
-              </a:rPr>
-              <a:t>Third level</a:t>
-            </a:r>
-            <a:endParaRPr b="0" lang="de-DE" sz="3200" spc="-1" strike="noStrike">
-              <a:solidFill>
-                <a:srgbClr val="000000"/>
-              </a:solidFill>
-              <a:uFill>
-                <a:solidFill>
-                  <a:srgbClr val="ffffff"/>
-                </a:solidFill>
-              </a:uFill>
-              <a:latin typeface="Calibri"/>
-            </a:endParaRPr>
-          </a:p>
-          <a:p>
-            <a:pPr lvl="3" marL="1600200" indent="-228240">
-              <a:lnSpc>
-                <a:spcPct val="100000"/>
-              </a:lnSpc>
-              <a:buClr>
-                <a:srgbClr val="000000"/>
-              </a:buClr>
-              <a:buFont typeface="Arial"/>
-              <a:buChar char="–"/>
-            </a:pPr>
-            <a:r>
-              <a:rPr b="0" lang="de-DE" sz="2000" spc="-1" strike="noStrike">
-                <a:solidFill>
-                  <a:srgbClr val="000000"/>
-                </a:solidFill>
-                <a:uFill>
-                  <a:solidFill>
-                    <a:srgbClr val="ffffff"/>
-                  </a:solidFill>
-                </a:uFill>
-                <a:latin typeface="Calibri"/>
-              </a:rPr>
-              <a:t>Fourth level</a:t>
-            </a:r>
-            <a:endParaRPr b="0" lang="de-DE" sz="3200" spc="-1" strike="noStrike">
-              <a:solidFill>
-                <a:srgbClr val="000000"/>
-              </a:solidFill>
-              <a:uFill>
-                <a:solidFill>
-                  <a:srgbClr val="ffffff"/>
-                </a:solidFill>
-              </a:uFill>
-              <a:latin typeface="Calibri"/>
-            </a:endParaRPr>
-          </a:p>
-          <a:p>
-            <a:pPr lvl="4" marL="2057400" indent="-228240">
-              <a:lnSpc>
-                <a:spcPct val="100000"/>
-              </a:lnSpc>
-              <a:buClr>
-                <a:srgbClr val="000000"/>
-              </a:buClr>
-              <a:buFont typeface="Arial"/>
-              <a:buChar char="»"/>
-            </a:pPr>
-            <a:r>
-              <a:rPr b="0" lang="de-DE" sz="2000" spc="-1" strike="noStrike">
-                <a:solidFill>
-                  <a:srgbClr val="000000"/>
-                </a:solidFill>
-                <a:uFill>
-                  <a:solidFill>
-                    <a:srgbClr val="ffffff"/>
-                  </a:solidFill>
-                </a:uFill>
-                <a:latin typeface="Calibri"/>
-              </a:rPr>
-              <a:t>Fifth level</a:t>
-            </a:r>
-            <a:endParaRPr b="0" lang="de-DE" sz="3200" spc="-1" strike="noStrike">
-              <a:solidFill>
-                <a:srgbClr val="000000"/>
-              </a:solidFill>
-              <a:uFill>
-                <a:solidFill>
-                  <a:srgbClr val="ffffff"/>
-                </a:solidFill>
-              </a:uFill>
-              <a:latin typeface="Calibri"/>
-            </a:endParaRPr>
-          </a:p>
-        </p:txBody>
-      </p:sp>
-      <p:sp>
-        <p:nvSpPr>
-          <p:cNvPr id="41" name="PlaceHolder 3"/>
-          <p:cNvSpPr>
-            <a:spLocks noGrp="1"/>
-          </p:cNvSpPr>
-          <p:nvPr>
-            <p:ph type="dt"/>
-          </p:nvPr>
-        </p:nvSpPr>
-        <p:spPr>
-          <a:xfrm>
-            <a:off x="457200" y="6356520"/>
-            <a:ext cx="2133360" cy="364680"/>
-          </a:xfrm>
-          <a:prstGeom prst="rect">
-            <a:avLst/>
-          </a:prstGeom>
-        </p:spPr>
-        <p:txBody>
-          <a:bodyPr anchor="ctr"/>
-          <a:p>
-            <a:pPr>
-              <a:lnSpc>
-                <a:spcPct val="100000"/>
-              </a:lnSpc>
-            </a:pPr>
-            <a:r>
-              <a:rPr b="0" lang="en-US" sz="1200" spc="-1" strike="noStrike">
-                <a:solidFill>
-                  <a:srgbClr val="8b8b8b"/>
-                </a:solidFill>
-                <a:uFill>
-                  <a:solidFill>
-                    <a:srgbClr val="ffffff"/>
-                  </a:solidFill>
-                </a:uFill>
-                <a:latin typeface="Calibri"/>
-              </a:rPr>
-              <a:t>10/27/17</a:t>
-            </a:r>
-            <a:endParaRPr b="0" lang="en-US" sz="1400" spc="-1" strike="noStrike">
-              <a:solidFill>
-                <a:srgbClr val="000000"/>
-              </a:solidFill>
-              <a:uFill>
-                <a:solidFill>
-                  <a:srgbClr val="ffffff"/>
-                </a:solidFill>
-              </a:uFill>
-              <a:latin typeface="Times New Roman"/>
-            </a:endParaRPr>
-          </a:p>
-        </p:txBody>
-      </p:sp>
-      <p:sp>
-        <p:nvSpPr>
-          <p:cNvPr id="42" name="PlaceHolder 4"/>
-          <p:cNvSpPr>
-            <a:spLocks noGrp="1"/>
-          </p:cNvSpPr>
-          <p:nvPr>
-            <p:ph type="ftr"/>
-          </p:nvPr>
-        </p:nvSpPr>
-        <p:spPr>
-          <a:xfrm>
-            <a:off x="3124080" y="6356520"/>
-            <a:ext cx="2895120" cy="364680"/>
-          </a:xfrm>
-          <a:prstGeom prst="rect">
-            <a:avLst/>
-          </a:prstGeom>
-        </p:spPr>
-        <p:txBody>
-          <a:bodyPr anchor="ctr"/>
-          <a:p>
-            <a:endParaRPr b="0" lang="en-US" sz="2400" spc="-1" strike="noStrike">
-              <a:solidFill>
-                <a:srgbClr val="000000"/>
-              </a:solidFill>
-              <a:uFill>
-                <a:solidFill>
-                  <a:srgbClr val="ffffff"/>
-                </a:solidFill>
-              </a:uFill>
-              <a:latin typeface="Times New Roman"/>
-            </a:endParaRPr>
-          </a:p>
-        </p:txBody>
-      </p:sp>
-      <p:sp>
-        <p:nvSpPr>
-          <p:cNvPr id="43" name="PlaceHolder 5"/>
-          <p:cNvSpPr>
-            <a:spLocks noGrp="1"/>
-          </p:cNvSpPr>
-          <p:nvPr>
-            <p:ph type="sldNum"/>
-          </p:nvPr>
-        </p:nvSpPr>
-        <p:spPr>
-          <a:xfrm>
-            <a:off x="6553080" y="6356520"/>
-            <a:ext cx="2133360" cy="364680"/>
-          </a:xfrm>
-          <a:prstGeom prst="rect">
-            <a:avLst/>
-          </a:prstGeom>
-        </p:spPr>
-        <p:txBody>
-          <a:bodyPr anchor="ctr"/>
-          <a:p>
-            <a:pPr algn="r">
-              <a:lnSpc>
-                <a:spcPct val="100000"/>
-              </a:lnSpc>
-            </a:pPr>
-            <a:fld id="{C6734749-4D53-4605-82A0-B8C7240E58AF}" type="slidenum">
-              <a:rPr b="0" lang="en-US" sz="1200" spc="-1" strike="noStrike">
-                <a:solidFill>
-                  <a:srgbClr val="8b8b8b"/>
-                </a:solidFill>
-                <a:uFill>
-                  <a:solidFill>
-                    <a:srgbClr val="ffffff"/>
-                  </a:solidFill>
-                </a:uFill>
-                <a:latin typeface="Calibri"/>
-              </a:rPr>
-              <a:t>1</a:t>
-            </a:fld>
-            <a:endParaRPr b="0" lang="en-US" sz="1400" spc="-1" strike="noStrike">
-              <a:solidFill>
-                <a:srgbClr val="000000"/>
-              </a:solidFill>
-              <a:uFill>
-                <a:solidFill>
-                  <a:srgbClr val="ffffff"/>
-                </a:solidFill>
-              </a:uFill>
-              <a:latin typeface="Times New Roman"/>
+            <a:endParaRPr b="0" lang="en-US" sz="2000" spc="-1" strike="noStrike">
+              <a:solidFill>
+                <a:srgbClr val="000000"/>
+              </a:solidFill>
+              <a:uFill>
+                <a:solidFill>
+                  <a:srgbClr val="ffffff"/>
+                </a:solidFill>
+              </a:uFill>
+              <a:latin typeface="Arial"/>
             </a:endParaRPr>
           </a:p>
         </p:txBody>
@@ -4156,14 +3698,14 @@
       </p:grpSpPr>
       <p:sp>
         <p:nvSpPr>
-          <p:cNvPr id="78" name="TextShape 1"/>
-          <p:cNvSpPr txBox="1"/>
+          <p:cNvPr id="72" name="CustomShape 1"/>
+          <p:cNvSpPr/>
           <p:nvPr/>
         </p:nvSpPr>
         <p:spPr>
           <a:xfrm>
-            <a:off x="685800" y="2130480"/>
-            <a:ext cx="7772040" cy="1469520"/>
+            <a:off x="1791000" y="2104920"/>
+            <a:ext cx="5806440" cy="1469160"/>
           </a:xfrm>
           <a:prstGeom prst="rect">
             <a:avLst/>
@@ -4173,16 +3715,17 @@
             <a:noFill/>
           </a:ln>
         </p:spPr>
-        <p:txBody>
-          <a:bodyPr anchor="ctr"/>
-          <a:p>
-            <a:pPr algn="ctr">
-              <a:lnSpc>
-                <a:spcPct val="100000"/>
-              </a:lnSpc>
-            </a:pPr>
+        <p:style>
+          <a:lnRef idx="0"/>
+          <a:fillRef idx="0"/>
+          <a:effectRef idx="0"/>
+          <a:fontRef idx="minor"/>
+        </p:style>
+        <p:txBody>
+          <a:bodyPr lIns="90000" rIns="90000" tIns="45000" bIns="45000" anchor="ctr"/>
+          <a:p>
             <a:r>
-              <a:rPr b="0" lang="de-DE" sz="4400" spc="-1" strike="noStrike">
+              <a:rPr b="0" lang="en-US" sz="4400" spc="-1" strike="noStrike">
                 <a:solidFill>
                   <a:srgbClr val="000000"/>
                 </a:solidFill>
@@ -4193,61 +3736,32 @@
                 </a:uFill>
                 <a:latin typeface="Calibri"/>
               </a:rPr>
-              <a:t>Become Public with </a:t>
+              <a:t>Become Public with Registration Agent !</a:t>
             </a:r>
-            <a:r>
-              <a:rPr b="0" lang="de-DE" sz="4400" spc="-1" strike="noStrike">
-                <a:solidFill>
-                  <a:srgbClr val="000000"/>
-                </a:solidFill>
-                <a:uFill>
-                  <a:solidFill>
-                    <a:srgbClr val="ffffff"/>
-                  </a:solidFill>
-                </a:uFill>
-                <a:latin typeface="Calibri"/>
-              </a:rPr>
-              <a:t>
-</a:t>
-            </a:r>
-            <a:r>
-              <a:rPr b="0" lang="de-DE" sz="4400" spc="-1" strike="noStrike">
-                <a:solidFill>
-                  <a:srgbClr val="000000"/>
-                </a:solidFill>
-                <a:uFill>
-                  <a:solidFill>
-                    <a:srgbClr val="ffffff"/>
-                  </a:solidFill>
-                </a:uFill>
-                <a:latin typeface="Calibri"/>
-              </a:rPr>
-              <a:t>Registration Agent !</a:t>
-            </a:r>
-            <a:endParaRPr b="0" lang="de-DE" sz="1800" spc="-1" strike="noStrike">
-              <a:solidFill>
-                <a:srgbClr val="000000"/>
-              </a:solidFill>
-              <a:uFill>
-                <a:solidFill>
-                  <a:srgbClr val="ffffff"/>
-                </a:solidFill>
-              </a:uFill>
-              <a:latin typeface="Calibri"/>
-            </a:endParaRPr>
-          </a:p>
-        </p:txBody>
-      </p:sp>
-      <p:sp>
-        <p:nvSpPr>
-          <p:cNvPr id="79" name="TextShape 2"/>
-          <p:cNvSpPr txBox="1"/>
+            <a:endParaRPr b="0" lang="en-US" sz="1800" spc="-1" strike="noStrike">
+              <a:solidFill>
+                <a:srgbClr val="000000"/>
+              </a:solidFill>
+              <a:uFill>
+                <a:solidFill>
+                  <a:srgbClr val="ffffff"/>
+                </a:solidFill>
+              </a:uFill>
+              <a:latin typeface="Arial"/>
+            </a:endParaRPr>
+          </a:p>
+        </p:txBody>
+      </p:sp>
+      <p:sp>
+        <p:nvSpPr>
+          <p:cNvPr id="73" name="CustomShape 2"/>
+          <p:cNvSpPr/>
           <p:nvPr/>
         </p:nvSpPr>
         <p:spPr>
           <a:xfrm>
             <a:off x="1371600" y="3886200"/>
-            <a:ext cx="6400440" cy="1752120"/>
+            <a:ext cx="6400080" cy="1751760"/>
           </a:xfrm>
           <a:prstGeom prst="rect">
             <a:avLst/>
@@ -4257,8 +3771,14 @@
             <a:noFill/>
           </a:ln>
         </p:spPr>
-        <p:txBody>
-          <a:bodyPr/>
+        <p:style>
+          <a:lnRef idx="0"/>
+          <a:fillRef idx="0"/>
+          <a:effectRef idx="0"/>
+          <a:fontRef idx="minor"/>
+        </p:style>
+        <p:txBody>
+          <a:bodyPr lIns="90000" rIns="90000" tIns="45000" bIns="45000"/>
           <a:p>
             <a:pPr algn="ctr">
               <a:lnSpc>
@@ -4293,7 +3813,7 @@
               </a:rPr>
               <a:t>https://github.com/egekorkan/RegistrationAgent</a:t>
             </a:r>
-            <a:endParaRPr b="0" lang="en-US" sz="3200" spc="-1" strike="noStrike">
+            <a:endParaRPr b="0" lang="en-US" sz="1800" spc="-1" strike="noStrike">
               <a:solidFill>
                 <a:srgbClr val="000000"/>
               </a:solidFill>
@@ -4358,14 +3878,14 @@
       </p:grpSpPr>
       <p:sp>
         <p:nvSpPr>
-          <p:cNvPr id="80" name="TextShape 1"/>
-          <p:cNvSpPr txBox="1"/>
+          <p:cNvPr id="74" name="CustomShape 1"/>
+          <p:cNvSpPr/>
           <p:nvPr/>
         </p:nvSpPr>
         <p:spPr>
           <a:xfrm>
             <a:off x="457200" y="274680"/>
-            <a:ext cx="8229240" cy="1142640"/>
+            <a:ext cx="8228880" cy="1142280"/>
           </a:xfrm>
           <a:prstGeom prst="rect">
             <a:avLst/>
@@ -4375,8 +3895,14 @@
             <a:noFill/>
           </a:ln>
         </p:spPr>
-        <p:txBody>
-          <a:bodyPr anchor="ctr"/>
+        <p:style>
+          <a:lnRef idx="0"/>
+          <a:fillRef idx="0"/>
+          <a:effectRef idx="0"/>
+          <a:fontRef idx="minor"/>
+        </p:style>
+        <p:txBody>
+          <a:bodyPr lIns="90000" rIns="90000" tIns="45000" bIns="45000" anchor="ctr"/>
           <a:p>
             <a:pPr algn="ctr">
               <a:lnSpc>
@@ -4384,7 +3910,7 @@
               </a:lnSpc>
             </a:pPr>
             <a:r>
-              <a:rPr b="0" lang="de-DE" sz="4400" spc="-1" strike="noStrike">
+              <a:rPr b="0" lang="en-US" sz="4400" spc="-1" strike="noStrike">
                 <a:solidFill>
                   <a:srgbClr val="000000"/>
                 </a:solidFill>
@@ -4397,30 +3923,30 @@
               </a:rPr>
               <a:t>What is it?</a:t>
             </a:r>
-            <a:endParaRPr b="0" lang="de-DE" sz="1800" spc="-1" strike="noStrike">
-              <a:solidFill>
-                <a:srgbClr val="000000"/>
-              </a:solidFill>
-              <a:uFill>
-                <a:solidFill>
-                  <a:srgbClr val="ffffff"/>
-                </a:solidFill>
-              </a:uFill>
-              <a:latin typeface="Calibri"/>
-            </a:endParaRPr>
-          </a:p>
-        </p:txBody>
-      </p:sp>
-      <p:sp>
-        <p:nvSpPr>
-          <p:cNvPr id="81" name="TextShape 2"/>
-          <p:cNvSpPr txBox="1"/>
+            <a:endParaRPr b="0" lang="en-US" sz="1800" spc="-1" strike="noStrike">
+              <a:solidFill>
+                <a:srgbClr val="000000"/>
+              </a:solidFill>
+              <a:uFill>
+                <a:solidFill>
+                  <a:srgbClr val="ffffff"/>
+                </a:solidFill>
+              </a:uFill>
+              <a:latin typeface="Arial"/>
+            </a:endParaRPr>
+          </a:p>
+        </p:txBody>
+      </p:sp>
+      <p:sp>
+        <p:nvSpPr>
+          <p:cNvPr id="75" name="CustomShape 2"/>
+          <p:cNvSpPr/>
           <p:nvPr/>
         </p:nvSpPr>
         <p:spPr>
           <a:xfrm>
             <a:off x="457200" y="1600200"/>
-            <a:ext cx="8229240" cy="4525560"/>
+            <a:ext cx="8228880" cy="4525200"/>
           </a:xfrm>
           <a:prstGeom prst="rect">
             <a:avLst/>
@@ -4430,10 +3956,16 @@
             <a:noFill/>
           </a:ln>
         </p:spPr>
-        <p:txBody>
-          <a:bodyPr/>
-          <a:p>
-            <a:pPr marL="343080" indent="-342720">
+        <p:style>
+          <a:lnRef idx="0"/>
+          <a:fillRef idx="0"/>
+          <a:effectRef idx="0"/>
+          <a:fontRef idx="minor"/>
+        </p:style>
+        <p:txBody>
+          <a:bodyPr lIns="90000" rIns="90000" tIns="45000" bIns="45000"/>
+          <a:p>
+            <a:pPr marL="343080" indent="-342360">
               <a:lnSpc>
                 <a:spcPct val="100000"/>
               </a:lnSpc>
@@ -4444,7 +3976,7 @@
               <a:buChar char="•"/>
             </a:pPr>
             <a:r>
-              <a:rPr b="0" lang="de-DE" sz="3200" spc="-1" strike="noStrike">
+              <a:rPr b="0" lang="en-US" sz="3200" spc="-1" strike="noStrike">
                 <a:solidFill>
                   <a:srgbClr val="000000"/>
                 </a:solidFill>
@@ -4457,20 +3989,20 @@
               </a:rPr>
               <a:t>A virtual Thing that can make your local TD available to public in a directory.</a:t>
             </a:r>
-            <a:endParaRPr b="0" lang="de-DE" sz="3200" spc="-1" strike="noStrike">
-              <a:solidFill>
-                <a:srgbClr val="000000"/>
-              </a:solidFill>
-              <a:uFill>
-                <a:solidFill>
-                  <a:srgbClr val="ffffff"/>
-                </a:solidFill>
-              </a:uFill>
-              <a:latin typeface="Calibri"/>
-            </a:endParaRPr>
-          </a:p>
-          <a:p>
-            <a:pPr marL="343080" indent="-342720">
+            <a:endParaRPr b="0" lang="en-US" sz="1800" spc="-1" strike="noStrike">
+              <a:solidFill>
+                <a:srgbClr val="000000"/>
+              </a:solidFill>
+              <a:uFill>
+                <a:solidFill>
+                  <a:srgbClr val="ffffff"/>
+                </a:solidFill>
+              </a:uFill>
+              <a:latin typeface="Arial"/>
+            </a:endParaRPr>
+          </a:p>
+          <a:p>
+            <a:pPr marL="343080" indent="-342360">
               <a:lnSpc>
                 <a:spcPct val="100000"/>
               </a:lnSpc>
@@ -4481,7 +4013,7 @@
               <a:buChar char="•"/>
             </a:pPr>
             <a:r>
-              <a:rPr b="0" lang="de-DE" sz="3200" spc="-1" strike="noStrike">
+              <a:rPr b="0" lang="en-US" sz="3200" spc="-1" strike="noStrike">
                 <a:solidFill>
                   <a:srgbClr val="000000"/>
                 </a:solidFill>
@@ -4494,20 +4026,20 @@
               </a:rPr>
               <a:t>This new TD will have modified URIs that incorporate a gateway address.</a:t>
             </a:r>
-            <a:endParaRPr b="0" lang="de-DE" sz="3200" spc="-1" strike="noStrike">
-              <a:solidFill>
-                <a:srgbClr val="000000"/>
-              </a:solidFill>
-              <a:uFill>
-                <a:solidFill>
-                  <a:srgbClr val="ffffff"/>
-                </a:solidFill>
-              </a:uFill>
-              <a:latin typeface="Calibri"/>
-            </a:endParaRPr>
-          </a:p>
-          <a:p>
-            <a:pPr marL="343080" indent="-342720">
+            <a:endParaRPr b="0" lang="en-US" sz="1800" spc="-1" strike="noStrike">
+              <a:solidFill>
+                <a:srgbClr val="000000"/>
+              </a:solidFill>
+              <a:uFill>
+                <a:solidFill>
+                  <a:srgbClr val="ffffff"/>
+                </a:solidFill>
+              </a:uFill>
+              <a:latin typeface="Arial"/>
+            </a:endParaRPr>
+          </a:p>
+          <a:p>
+            <a:pPr marL="343080" indent="-342360">
               <a:lnSpc>
                 <a:spcPct val="100000"/>
               </a:lnSpc>
@@ -4518,7 +4050,7 @@
               <a:buChar char="•"/>
             </a:pPr>
             <a:r>
-              <a:rPr b="0" lang="de-DE" sz="3200" spc="-1" strike="noStrike">
+              <a:rPr b="0" lang="en-US" sz="3200" spc="-1" strike="noStrike">
                 <a:solidFill>
                   <a:srgbClr val="000000"/>
                 </a:solidFill>
@@ -4531,16 +4063,16 @@
               </a:rPr>
               <a:t>After finding the TD in the directory, you can communicate with a local Thing through a gateway.</a:t>
             </a:r>
-            <a:endParaRPr b="0" lang="de-DE" sz="3200" spc="-1" strike="noStrike">
-              <a:solidFill>
-                <a:srgbClr val="000000"/>
-              </a:solidFill>
-              <a:uFill>
-                <a:solidFill>
-                  <a:srgbClr val="ffffff"/>
-                </a:solidFill>
-              </a:uFill>
-              <a:latin typeface="Calibri"/>
+            <a:endParaRPr b="0" lang="en-US" sz="1800" spc="-1" strike="noStrike">
+              <a:solidFill>
+                <a:srgbClr val="000000"/>
+              </a:solidFill>
+              <a:uFill>
+                <a:solidFill>
+                  <a:srgbClr val="ffffff"/>
+                </a:solidFill>
+              </a:uFill>
+              <a:latin typeface="Arial"/>
             </a:endParaRPr>
           </a:p>
         </p:txBody>
@@ -4596,14 +4128,14 @@
       </p:grpSpPr>
       <p:sp>
         <p:nvSpPr>
-          <p:cNvPr id="82" name="TextShape 1"/>
-          <p:cNvSpPr txBox="1"/>
+          <p:cNvPr id="76" name="CustomShape 1"/>
+          <p:cNvSpPr/>
           <p:nvPr/>
         </p:nvSpPr>
         <p:spPr>
           <a:xfrm>
             <a:off x="457200" y="274680"/>
-            <a:ext cx="8229240" cy="1142640"/>
+            <a:ext cx="8228880" cy="1142280"/>
           </a:xfrm>
           <a:prstGeom prst="rect">
             <a:avLst/>
@@ -4613,8 +4145,14 @@
             <a:noFill/>
           </a:ln>
         </p:spPr>
-        <p:txBody>
-          <a:bodyPr anchor="ctr"/>
+        <p:style>
+          <a:lnRef idx="0"/>
+          <a:fillRef idx="0"/>
+          <a:effectRef idx="0"/>
+          <a:fontRef idx="minor"/>
+        </p:style>
+        <p:txBody>
+          <a:bodyPr lIns="90000" rIns="90000" tIns="45000" bIns="45000" anchor="ctr"/>
           <a:p>
             <a:pPr algn="ctr">
               <a:lnSpc>
@@ -4622,7 +4160,7 @@
               </a:lnSpc>
             </a:pPr>
             <a:r>
-              <a:rPr b="0" lang="de-DE" sz="4400" spc="-1" strike="noStrike">
+              <a:rPr b="0" lang="en-US" sz="4400" spc="-1" strike="noStrike">
                 <a:solidFill>
                   <a:srgbClr val="000000"/>
                 </a:solidFill>
@@ -4635,30 +4173,30 @@
               </a:rPr>
               <a:t>Use Scenario</a:t>
             </a:r>
-            <a:endParaRPr b="0" lang="de-DE" sz="1800" spc="-1" strike="noStrike">
-              <a:solidFill>
-                <a:srgbClr val="000000"/>
-              </a:solidFill>
-              <a:uFill>
-                <a:solidFill>
-                  <a:srgbClr val="ffffff"/>
-                </a:solidFill>
-              </a:uFill>
-              <a:latin typeface="Calibri"/>
-            </a:endParaRPr>
-          </a:p>
-        </p:txBody>
-      </p:sp>
-      <p:sp>
-        <p:nvSpPr>
-          <p:cNvPr id="83" name="TextShape 2"/>
-          <p:cNvSpPr txBox="1"/>
+            <a:endParaRPr b="0" lang="en-US" sz="1800" spc="-1" strike="noStrike">
+              <a:solidFill>
+                <a:srgbClr val="000000"/>
+              </a:solidFill>
+              <a:uFill>
+                <a:solidFill>
+                  <a:srgbClr val="ffffff"/>
+                </a:solidFill>
+              </a:uFill>
+              <a:latin typeface="Arial"/>
+            </a:endParaRPr>
+          </a:p>
+        </p:txBody>
+      </p:sp>
+      <p:sp>
+        <p:nvSpPr>
+          <p:cNvPr id="77" name="CustomShape 2"/>
+          <p:cNvSpPr/>
           <p:nvPr/>
         </p:nvSpPr>
         <p:spPr>
           <a:xfrm>
             <a:off x="457200" y="1600200"/>
-            <a:ext cx="8229240" cy="4525560"/>
+            <a:ext cx="8228880" cy="4525200"/>
           </a:xfrm>
           <a:prstGeom prst="rect">
             <a:avLst/>
@@ -4668,26 +4206,16 @@
             <a:noFill/>
           </a:ln>
         </p:spPr>
-        <p:txBody>
-          <a:bodyPr/>
-          <a:p>
-            <a:endParaRPr b="0" lang="de-DE" sz="3200" spc="-1" strike="noStrike">
-              <a:solidFill>
-                <a:srgbClr val="000000"/>
-              </a:solidFill>
-              <a:uFill>
-                <a:solidFill>
-                  <a:srgbClr val="ffffff"/>
-                </a:solidFill>
-              </a:uFill>
-              <a:latin typeface="Calibri"/>
-            </a:endParaRPr>
-          </a:p>
-        </p:txBody>
+        <p:style>
+          <a:lnRef idx="0"/>
+          <a:fillRef idx="0"/>
+          <a:effectRef idx="0"/>
+          <a:fontRef idx="minor"/>
+        </p:style>
       </p:sp>
       <p:pic>
         <p:nvPicPr>
-          <p:cNvPr id="84" name="Picture 2" descr=""/>
+          <p:cNvPr id="78" name="Picture 2" descr=""/>
           <p:cNvPicPr/>
           <p:nvPr/>
         </p:nvPicPr>
@@ -4698,7 +4226,7 @@
         <p:spPr>
           <a:xfrm>
             <a:off x="1059840" y="0"/>
-            <a:ext cx="7024320" cy="6857640"/>
+            <a:ext cx="7023960" cy="6857280"/>
           </a:xfrm>
           <a:prstGeom prst="rect">
             <a:avLst/>
@@ -4710,14 +4238,14 @@
       </p:pic>
       <p:sp>
         <p:nvSpPr>
-          <p:cNvPr id="85" name="TextShape 3"/>
-          <p:cNvSpPr txBox="1"/>
+          <p:cNvPr id="79" name="CustomShape 3"/>
+          <p:cNvSpPr/>
           <p:nvPr/>
         </p:nvSpPr>
         <p:spPr>
           <a:xfrm>
             <a:off x="6528240" y="2527560"/>
-            <a:ext cx="1005840" cy="434520"/>
+            <a:ext cx="1005480" cy="434160"/>
           </a:xfrm>
           <a:prstGeom prst="rect">
             <a:avLst/>
@@ -4729,10 +4257,20 @@
             <a:noFill/>
           </a:ln>
         </p:spPr>
+        <p:style>
+          <a:lnRef idx="0"/>
+          <a:fillRef idx="0"/>
+          <a:effectRef idx="0"/>
+          <a:fontRef idx="minor"/>
+        </p:style>
         <p:txBody>
           <a:bodyPr lIns="90000" rIns="90000" tIns="45000" bIns="45000"/>
           <a:p>
-            <a:pPr algn="ctr"/>
+            <a:pPr algn="ctr">
+              <a:lnSpc>
+                <a:spcPct val="100000"/>
+              </a:lnSpc>
+            </a:pPr>
             <a:r>
               <a:rPr b="0" lang="en-US" sz="1200" spc="-1" strike="noStrike">
                 <a:solidFill>
@@ -4747,7 +4285,7 @@
               </a:rPr>
               <a:t>Registration Agent</a:t>
             </a:r>
-            <a:endParaRPr b="0" lang="en-US" sz="1200" spc="-1" strike="noStrike">
+            <a:endParaRPr b="0" lang="en-US" sz="1800" spc="-1" strike="noStrike">
               <a:solidFill>
                 <a:srgbClr val="000000"/>
               </a:solidFill>
@@ -4797,7 +4335,7 @@
                                           </p:stCondLst>
                                         </p:cTn>
                                         <p:tgtEl>
-                                          <p:spTgt spid="84"/>
+                                          <p:spTgt spid="78"/>
                                         </p:tgtEl>
                                         <p:attrNameLst>
                                           <p:attrName>style.visibility</p:attrName>
@@ -4811,7 +4349,7 @@
                                       <p:cBhvr additive="repl">
                                         <p:cTn id="11" dur="500"/>
                                         <p:tgtEl>
-                                          <p:spTgt spid="84"/>
+                                          <p:spTgt spid="78"/>
                                         </p:tgtEl>
                                       </p:cBhvr>
                                     </p:animEffect>
@@ -4868,14 +4406,14 @@
       </p:grpSpPr>
       <p:sp>
         <p:nvSpPr>
-          <p:cNvPr id="86" name="TextShape 1"/>
-          <p:cNvSpPr txBox="1"/>
+          <p:cNvPr id="80" name="CustomShape 1"/>
+          <p:cNvSpPr/>
           <p:nvPr/>
         </p:nvSpPr>
         <p:spPr>
           <a:xfrm>
             <a:off x="457200" y="274680"/>
-            <a:ext cx="8229240" cy="1142640"/>
+            <a:ext cx="8228880" cy="1142280"/>
           </a:xfrm>
           <a:prstGeom prst="rect">
             <a:avLst/>
@@ -4885,8 +4423,14 @@
             <a:noFill/>
           </a:ln>
         </p:spPr>
-        <p:txBody>
-          <a:bodyPr anchor="ctr"/>
+        <p:style>
+          <a:lnRef idx="0"/>
+          <a:fillRef idx="0"/>
+          <a:effectRef idx="0"/>
+          <a:fontRef idx="minor"/>
+        </p:style>
+        <p:txBody>
+          <a:bodyPr lIns="90000" rIns="90000" tIns="45000" bIns="45000" anchor="ctr"/>
           <a:p>
             <a:pPr algn="ctr">
               <a:lnSpc>
@@ -4894,7 +4438,7 @@
               </a:lnSpc>
             </a:pPr>
             <a:r>
-              <a:rPr b="0" lang="de-DE" sz="4400" spc="-1" strike="noStrike">
+              <a:rPr b="0" lang="en-US" sz="4400" spc="-1" strike="noStrike">
                 <a:solidFill>
                   <a:srgbClr val="000000"/>
                 </a:solidFill>
@@ -4907,30 +4451,30 @@
               </a:rPr>
               <a:t>Use Scenario</a:t>
             </a:r>
-            <a:endParaRPr b="0" lang="de-DE" sz="1800" spc="-1" strike="noStrike">
-              <a:solidFill>
-                <a:srgbClr val="000000"/>
-              </a:solidFill>
-              <a:uFill>
-                <a:solidFill>
-                  <a:srgbClr val="ffffff"/>
-                </a:solidFill>
-              </a:uFill>
-              <a:latin typeface="Calibri"/>
-            </a:endParaRPr>
-          </a:p>
-        </p:txBody>
-      </p:sp>
-      <p:sp>
-        <p:nvSpPr>
-          <p:cNvPr id="87" name="TextShape 2"/>
-          <p:cNvSpPr txBox="1"/>
+            <a:endParaRPr b="0" lang="en-US" sz="1800" spc="-1" strike="noStrike">
+              <a:solidFill>
+                <a:srgbClr val="000000"/>
+              </a:solidFill>
+              <a:uFill>
+                <a:solidFill>
+                  <a:srgbClr val="ffffff"/>
+                </a:solidFill>
+              </a:uFill>
+              <a:latin typeface="Arial"/>
+            </a:endParaRPr>
+          </a:p>
+        </p:txBody>
+      </p:sp>
+      <p:sp>
+        <p:nvSpPr>
+          <p:cNvPr id="81" name="CustomShape 2"/>
+          <p:cNvSpPr/>
           <p:nvPr/>
         </p:nvSpPr>
         <p:spPr>
           <a:xfrm>
             <a:off x="457200" y="1600200"/>
-            <a:ext cx="8229240" cy="4525560"/>
+            <a:ext cx="8228880" cy="4525200"/>
           </a:xfrm>
           <a:prstGeom prst="rect">
             <a:avLst/>
@@ -4940,10 +4484,16 @@
             <a:noFill/>
           </a:ln>
         </p:spPr>
-        <p:txBody>
-          <a:bodyPr/>
-          <a:p>
-            <a:pPr marL="343080" indent="-342720">
+        <p:style>
+          <a:lnRef idx="0"/>
+          <a:fillRef idx="0"/>
+          <a:effectRef idx="0"/>
+          <a:fontRef idx="minor"/>
+        </p:style>
+        <p:txBody>
+          <a:bodyPr lIns="90000" rIns="90000" tIns="45000" bIns="45000"/>
+          <a:p>
+            <a:pPr marL="343080" indent="-342360">
               <a:lnSpc>
                 <a:spcPct val="100000"/>
               </a:lnSpc>
@@ -4954,7 +4504,7 @@
               <a:buChar char="•"/>
             </a:pPr>
             <a:r>
-              <a:rPr b="0" lang="de-DE" sz="2000" spc="-1" strike="noStrike">
+              <a:rPr b="0" lang="en-US" sz="2000" spc="-1" strike="noStrike">
                 <a:solidFill>
                   <a:srgbClr val="000000"/>
                 </a:solidFill>
@@ -4967,21 +4517,20 @@
               </a:rPr>
               <a:t>Gateway Address: e.g. 8.8.8.8</a:t>
             </a:r>
-            <a:endParaRPr b="0" lang="de-DE" sz="2000" spc="-1" strike="noStrike">
-              <a:solidFill>
-                <a:srgbClr val="000000"/>
-              </a:solidFill>
-              <a:uFill>
-                <a:solidFill>
-                  <a:srgbClr val="ffffff"/>
-                </a:solidFill>
-              </a:uFill>
-              <a:latin typeface="Calibri"/>
-              <a:ea typeface="WenQuanYi Micro Hei"/>
-            </a:endParaRPr>
-          </a:p>
-          <a:p>
-            <a:pPr marL="343080" indent="-342720">
+            <a:endParaRPr b="0" lang="en-US" sz="1800" spc="-1" strike="noStrike">
+              <a:solidFill>
+                <a:srgbClr val="000000"/>
+              </a:solidFill>
+              <a:uFill>
+                <a:solidFill>
+                  <a:srgbClr val="ffffff"/>
+                </a:solidFill>
+              </a:uFill>
+              <a:latin typeface="Arial"/>
+            </a:endParaRPr>
+          </a:p>
+          <a:p>
+            <a:pPr marL="343080" indent="-342360">
               <a:lnSpc>
                 <a:spcPct val="100000"/>
               </a:lnSpc>
@@ -4992,7 +4541,7 @@
               <a:buChar char="•"/>
             </a:pPr>
             <a:r>
-              <a:rPr b="0" lang="de-DE" sz="2000" spc="-1" strike="noStrike">
+              <a:rPr b="0" lang="en-US" sz="2000" spc="-1" strike="noStrike">
                 <a:solidFill>
                   <a:srgbClr val="000000"/>
                 </a:solidFill>
@@ -5005,21 +4554,20 @@
               </a:rPr>
               <a:t>Public Directory Address: e.g. http://myrepo.com</a:t>
             </a:r>
-            <a:endParaRPr b="0" lang="de-DE" sz="2000" spc="-1" strike="noStrike">
-              <a:solidFill>
-                <a:srgbClr val="000000"/>
-              </a:solidFill>
-              <a:uFill>
-                <a:solidFill>
-                  <a:srgbClr val="ffffff"/>
-                </a:solidFill>
-              </a:uFill>
-              <a:latin typeface="Calibri"/>
-              <a:ea typeface="WenQuanYi Micro Hei"/>
-            </a:endParaRPr>
-          </a:p>
-          <a:p>
-            <a:pPr marL="343080" indent="-342720">
+            <a:endParaRPr b="0" lang="en-US" sz="1800" spc="-1" strike="noStrike">
+              <a:solidFill>
+                <a:srgbClr val="000000"/>
+              </a:solidFill>
+              <a:uFill>
+                <a:solidFill>
+                  <a:srgbClr val="ffffff"/>
+                </a:solidFill>
+              </a:uFill>
+              <a:latin typeface="Arial"/>
+            </a:endParaRPr>
+          </a:p>
+          <a:p>
+            <a:pPr marL="343080" indent="-342360">
               <a:lnSpc>
                 <a:spcPct val="100000"/>
               </a:lnSpc>
@@ -5030,7 +4578,7 @@
               <a:buChar char="•"/>
             </a:pPr>
             <a:r>
-              <a:rPr b="0" lang="de-DE" sz="2000" spc="-1" strike="noStrike">
+              <a:rPr b="0" lang="en-US" sz="2000" spc="-1" strike="noStrike">
                 <a:solidFill>
                   <a:srgbClr val="000000"/>
                 </a:solidFill>
@@ -5043,21 +4591,20 @@
               </a:rPr>
               <a:t>Things have URIs like:</a:t>
             </a:r>
-            <a:endParaRPr b="0" lang="de-DE" sz="2000" spc="-1" strike="noStrike">
-              <a:solidFill>
-                <a:srgbClr val="000000"/>
-              </a:solidFill>
-              <a:uFill>
-                <a:solidFill>
-                  <a:srgbClr val="ffffff"/>
-                </a:solidFill>
-              </a:uFill>
-              <a:latin typeface="Calibri"/>
-              <a:ea typeface="WenQuanYi Micro Hei"/>
-            </a:endParaRPr>
-          </a:p>
-          <a:p>
-            <a:pPr lvl="1" marL="743040" indent="-285480">
+            <a:endParaRPr b="0" lang="en-US" sz="1800" spc="-1" strike="noStrike">
+              <a:solidFill>
+                <a:srgbClr val="000000"/>
+              </a:solidFill>
+              <a:uFill>
+                <a:solidFill>
+                  <a:srgbClr val="ffffff"/>
+                </a:solidFill>
+              </a:uFill>
+              <a:latin typeface="Arial"/>
+            </a:endParaRPr>
+          </a:p>
+          <a:p>
+            <a:pPr lvl="1" marL="743040" indent="-285120">
               <a:lnSpc>
                 <a:spcPct val="100000"/>
               </a:lnSpc>
@@ -5068,7 +4615,7 @@
               <a:buChar char="–"/>
             </a:pPr>
             <a:r>
-              <a:rPr b="0" lang="de-DE" sz="2000" spc="-1" strike="noStrike">
+              <a:rPr b="0" lang="en-US" sz="2000" spc="-1" strike="noStrike">
                 <a:solidFill>
                   <a:srgbClr val="000000"/>
                 </a:solidFill>
@@ -5081,21 +4628,20 @@
               </a:rPr>
               <a:t>http://localhost:9000/MyTemperatureThing</a:t>
             </a:r>
-            <a:endParaRPr b="0" lang="de-DE" sz="2000" spc="-1" strike="noStrike">
-              <a:solidFill>
-                <a:srgbClr val="000000"/>
-              </a:solidFill>
-              <a:uFill>
-                <a:solidFill>
-                  <a:srgbClr val="ffffff"/>
-                </a:solidFill>
-              </a:uFill>
-              <a:latin typeface="Calibri"/>
-              <a:ea typeface="WenQuanYi Micro Hei"/>
-            </a:endParaRPr>
-          </a:p>
-          <a:p>
-            <a:pPr lvl="1" marL="743040" indent="-285480">
+            <a:endParaRPr b="0" lang="en-US" sz="1800" spc="-1" strike="noStrike">
+              <a:solidFill>
+                <a:srgbClr val="000000"/>
+              </a:solidFill>
+              <a:uFill>
+                <a:solidFill>
+                  <a:srgbClr val="ffffff"/>
+                </a:solidFill>
+              </a:uFill>
+              <a:latin typeface="Arial"/>
+            </a:endParaRPr>
+          </a:p>
+          <a:p>
+            <a:pPr lvl="1" marL="743040" indent="-285120">
               <a:lnSpc>
                 <a:spcPct val="100000"/>
               </a:lnSpc>
@@ -5106,7 +4652,7 @@
               <a:buChar char="–"/>
             </a:pPr>
             <a:r>
-              <a:rPr b="0" lang="de-DE" sz="2000" spc="-1" strike="noStrike">
+              <a:rPr b="0" lang="en-US" sz="2000" spc="-1" strike="noStrike">
                 <a:solidFill>
                   <a:srgbClr val="000000"/>
                 </a:solidFill>
@@ -5119,21 +4665,20 @@
               </a:rPr>
               <a:t>http://localhost:9000/MyTemperatureThing/actions/increaseTemp</a:t>
             </a:r>
-            <a:endParaRPr b="0" lang="de-DE" sz="2000" spc="-1" strike="noStrike">
-              <a:solidFill>
-                <a:srgbClr val="000000"/>
-              </a:solidFill>
-              <a:uFill>
-                <a:solidFill>
-                  <a:srgbClr val="ffffff"/>
-                </a:solidFill>
-              </a:uFill>
-              <a:latin typeface="Calibri"/>
-              <a:ea typeface="WenQuanYi Micro Hei"/>
-            </a:endParaRPr>
-          </a:p>
-          <a:p>
-            <a:pPr lvl="1" marL="743040" indent="-285480">
+            <a:endParaRPr b="0" lang="en-US" sz="1800" spc="-1" strike="noStrike">
+              <a:solidFill>
+                <a:srgbClr val="000000"/>
+              </a:solidFill>
+              <a:uFill>
+                <a:solidFill>
+                  <a:srgbClr val="ffffff"/>
+                </a:solidFill>
+              </a:uFill>
+              <a:latin typeface="Arial"/>
+            </a:endParaRPr>
+          </a:p>
+          <a:p>
+            <a:pPr lvl="1" marL="743040" indent="-285120">
               <a:lnSpc>
                 <a:spcPct val="100000"/>
               </a:lnSpc>
@@ -5144,7 +4689,7 @@
               <a:buChar char="–"/>
             </a:pPr>
             <a:r>
-              <a:rPr b="0" lang="de-DE" sz="2000" spc="-1" strike="noStrike">
+              <a:rPr b="0" lang="en-US" sz="2000" spc="-1" strike="noStrike">
                 <a:solidFill>
                   <a:srgbClr val="000000"/>
                 </a:solidFill>
@@ -5157,17 +4702,16 @@
               </a:rPr>
               <a:t>http://localhost:9000/MyTemperatureThing/properties/temperature</a:t>
             </a:r>
-            <a:endParaRPr b="0" lang="de-DE" sz="2000" spc="-1" strike="noStrike">
-              <a:solidFill>
-                <a:srgbClr val="000000"/>
-              </a:solidFill>
-              <a:uFill>
-                <a:solidFill>
-                  <a:srgbClr val="ffffff"/>
-                </a:solidFill>
-              </a:uFill>
-              <a:latin typeface="Calibri"/>
-              <a:ea typeface="WenQuanYi Micro Hei"/>
+            <a:endParaRPr b="0" lang="en-US" sz="1800" spc="-1" strike="noStrike">
+              <a:solidFill>
+                <a:srgbClr val="000000"/>
+              </a:solidFill>
+              <a:uFill>
+                <a:solidFill>
+                  <a:srgbClr val="ffffff"/>
+                </a:solidFill>
+              </a:uFill>
+              <a:latin typeface="Arial"/>
             </a:endParaRPr>
           </a:p>
           <a:p>
@@ -5176,21 +4720,20 @@
                 <a:spcPct val="100000"/>
               </a:lnSpc>
             </a:pPr>
-            <a:endParaRPr b="0" lang="de-DE" sz="2000" spc="-1" strike="noStrike">
-              <a:solidFill>
-                <a:srgbClr val="000000"/>
-              </a:solidFill>
-              <a:uFill>
-                <a:solidFill>
-                  <a:srgbClr val="ffffff"/>
-                </a:solidFill>
-              </a:uFill>
-              <a:latin typeface="Calibri"/>
-              <a:ea typeface="WenQuanYi Micro Hei"/>
-            </a:endParaRPr>
-          </a:p>
-          <a:p>
-            <a:pPr marL="343080" indent="-342720">
+            <a:endParaRPr b="0" lang="en-US" sz="1800" spc="-1" strike="noStrike">
+              <a:solidFill>
+                <a:srgbClr val="000000"/>
+              </a:solidFill>
+              <a:uFill>
+                <a:solidFill>
+                  <a:srgbClr val="ffffff"/>
+                </a:solidFill>
+              </a:uFill>
+              <a:latin typeface="Arial"/>
+            </a:endParaRPr>
+          </a:p>
+          <a:p>
+            <a:pPr marL="343080" indent="-342360">
               <a:lnSpc>
                 <a:spcPct val="100000"/>
               </a:lnSpc>
@@ -5201,7 +4744,7 @@
               <a:buChar char="•"/>
             </a:pPr>
             <a:r>
-              <a:rPr b="0" lang="de-DE" sz="2000" spc="-1" strike="noStrike">
+              <a:rPr b="0" lang="en-US" sz="2000" spc="-1" strike="noStrike">
                 <a:solidFill>
                   <a:srgbClr val="000000"/>
                 </a:solidFill>
@@ -5211,20 +4754,20 @@
                   </a:solidFill>
                 </a:uFill>
                 <a:latin typeface="Calibri"/>
+                <a:ea typeface="WenQuanYi Micro Hei"/>
               </a:rPr>
               <a:t>In the directory they will be:</a:t>
             </a:r>
-            <a:endParaRPr b="0" lang="de-DE" sz="2000" spc="-1" strike="noStrike">
-              <a:solidFill>
-                <a:srgbClr val="000000"/>
-              </a:solidFill>
-              <a:uFill>
-                <a:solidFill>
-                  <a:srgbClr val="ffffff"/>
-                </a:solidFill>
-              </a:uFill>
-              <a:latin typeface="Calibri"/>
-              <a:ea typeface="WenQuanYi Micro Hei"/>
+            <a:endParaRPr b="0" lang="en-US" sz="1800" spc="-1" strike="noStrike">
+              <a:solidFill>
+                <a:srgbClr val="000000"/>
+              </a:solidFill>
+              <a:uFill>
+                <a:solidFill>
+                  <a:srgbClr val="ffffff"/>
+                </a:solidFill>
+              </a:uFill>
+              <a:latin typeface="Arial"/>
             </a:endParaRPr>
           </a:p>
           <a:p>
@@ -5234,7 +4777,7 @@
               </a:lnSpc>
             </a:pPr>
             <a:r>
-              <a:rPr b="0" lang="de-DE" sz="2000" spc="-1" strike="noStrike">
+              <a:rPr b="0" lang="en-US" sz="2000" spc="-1" strike="noStrike">
                 <a:solidFill>
                   <a:srgbClr val="000000"/>
                 </a:solidFill>
@@ -5244,13 +4787,14 @@
                   </a:solidFill>
                 </a:uFill>
                 <a:latin typeface="Calibri"/>
+                <a:ea typeface="WenQuanYi Micro Hei"/>
               </a:rPr>
               <a:t>- </a:t>
             </a:r>
             <a:r>
-              <a:rPr b="0" lang="de-DE" sz="2000" spc="-1" strike="noStrike">
-                <a:solidFill>
-                  <a:srgbClr val="000000"/>
+              <a:rPr b="0" lang="en-US" sz="2000" spc="-1" strike="noStrike" u="sng">
+                <a:solidFill>
+                  <a:srgbClr val="0000ff"/>
                 </a:solidFill>
                 <a:uFill>
                   <a:solidFill>
@@ -5258,21 +4802,21 @@
                   </a:solidFill>
                 </a:uFill>
                 <a:latin typeface="Calibri"/>
+                <a:ea typeface="WenQuanYi Micro Hei"/>
                 <a:hlinkClick r:id="rId1"/>
               </a:rPr>
               <a:t>http://8.8.8.8/MyTemperatureThing</a:t>
             </a:r>
-            <a:endParaRPr b="0" lang="de-DE" sz="2000" spc="-1" strike="noStrike">
-              <a:solidFill>
-                <a:srgbClr val="000000"/>
-              </a:solidFill>
-              <a:uFill>
-                <a:solidFill>
-                  <a:srgbClr val="ffffff"/>
-                </a:solidFill>
-              </a:uFill>
-              <a:latin typeface="Calibri"/>
-              <a:ea typeface="WenQuanYi Micro Hei"/>
+            <a:endParaRPr b="0" lang="en-US" sz="1800" spc="-1" strike="noStrike">
+              <a:solidFill>
+                <a:srgbClr val="000000"/>
+              </a:solidFill>
+              <a:uFill>
+                <a:solidFill>
+                  <a:srgbClr val="ffffff"/>
+                </a:solidFill>
+              </a:uFill>
+              <a:latin typeface="Arial"/>
             </a:endParaRPr>
           </a:p>
           <a:p>
@@ -5282,7 +4826,7 @@
               </a:lnSpc>
             </a:pPr>
             <a:r>
-              <a:rPr b="0" lang="de-DE" sz="2000" spc="-1" strike="noStrike">
+              <a:rPr b="0" lang="en-US" sz="2000" spc="-1" strike="noStrike">
                 <a:solidFill>
                   <a:srgbClr val="000000"/>
                 </a:solidFill>
@@ -5292,13 +4836,14 @@
                   </a:solidFill>
                 </a:uFill>
                 <a:latin typeface="Calibri"/>
+                <a:ea typeface="WenQuanYi Micro Hei"/>
               </a:rPr>
               <a:t>- </a:t>
             </a:r>
             <a:r>
-              <a:rPr b="0" lang="de-DE" sz="2000" spc="-1" strike="noStrike">
-                <a:solidFill>
-                  <a:srgbClr val="000000"/>
+              <a:rPr b="0" lang="en-US" sz="2000" spc="-1" strike="noStrike" u="sng">
+                <a:solidFill>
+                  <a:srgbClr val="0000ff"/>
                 </a:solidFill>
                 <a:uFill>
                   <a:solidFill>
@@ -5306,21 +4851,21 @@
                   </a:solidFill>
                 </a:uFill>
                 <a:latin typeface="Calibri"/>
+                <a:ea typeface="WenQuanYi Micro Hei"/>
                 <a:hlinkClick r:id="rId2"/>
               </a:rPr>
               <a:t>http://8.8.8.8/MyTemperatureThing/actions/increaseTemp</a:t>
             </a:r>
-            <a:endParaRPr b="0" lang="de-DE" sz="2000" spc="-1" strike="noStrike">
-              <a:solidFill>
-                <a:srgbClr val="000000"/>
-              </a:solidFill>
-              <a:uFill>
-                <a:solidFill>
-                  <a:srgbClr val="ffffff"/>
-                </a:solidFill>
-              </a:uFill>
-              <a:latin typeface="Calibri"/>
-              <a:ea typeface="WenQuanYi Micro Hei"/>
+            <a:endParaRPr b="0" lang="en-US" sz="1800" spc="-1" strike="noStrike">
+              <a:solidFill>
+                <a:srgbClr val="000000"/>
+              </a:solidFill>
+              <a:uFill>
+                <a:solidFill>
+                  <a:srgbClr val="ffffff"/>
+                </a:solidFill>
+              </a:uFill>
+              <a:latin typeface="Arial"/>
             </a:endParaRPr>
           </a:p>
           <a:p>
@@ -5330,7 +4875,7 @@
               </a:lnSpc>
             </a:pPr>
             <a:r>
-              <a:rPr b="0" lang="de-DE" sz="2000" spc="-1" strike="noStrike">
+              <a:rPr b="0" lang="en-US" sz="2000" spc="-1" strike="noStrike">
                 <a:solidFill>
                   <a:srgbClr val="000000"/>
                 </a:solidFill>
@@ -5340,13 +4885,14 @@
                   </a:solidFill>
                 </a:uFill>
                 <a:latin typeface="Calibri"/>
+                <a:ea typeface="WenQuanYi Micro Hei"/>
               </a:rPr>
               <a:t>- </a:t>
             </a:r>
             <a:r>
-              <a:rPr b="0" lang="de-DE" sz="2000" spc="-1" strike="noStrike">
-                <a:solidFill>
-                  <a:srgbClr val="000000"/>
+              <a:rPr b="0" lang="en-US" sz="2000" spc="-1" strike="noStrike" u="sng">
+                <a:solidFill>
+                  <a:srgbClr val="0000ff"/>
                 </a:solidFill>
                 <a:uFill>
                   <a:solidFill>
@@ -5354,21 +4900,21 @@
                   </a:solidFill>
                 </a:uFill>
                 <a:latin typeface="Calibri"/>
+                <a:ea typeface="WenQuanYi Micro Hei"/>
                 <a:hlinkClick r:id="rId3"/>
               </a:rPr>
               <a:t>http://8.8.8.8/MyTemperatureThing/properties/temperature</a:t>
             </a:r>
-            <a:endParaRPr b="0" lang="de-DE" sz="2000" spc="-1" strike="noStrike">
-              <a:solidFill>
-                <a:srgbClr val="000000"/>
-              </a:solidFill>
-              <a:uFill>
-                <a:solidFill>
-                  <a:srgbClr val="ffffff"/>
-                </a:solidFill>
-              </a:uFill>
-              <a:latin typeface="Calibri"/>
-              <a:ea typeface="WenQuanYi Micro Hei"/>
+            <a:endParaRPr b="0" lang="en-US" sz="1800" spc="-1" strike="noStrike">
+              <a:solidFill>
+                <a:srgbClr val="000000"/>
+              </a:solidFill>
+              <a:uFill>
+                <a:solidFill>
+                  <a:srgbClr val="ffffff"/>
+                </a:solidFill>
+              </a:uFill>
+              <a:latin typeface="Arial"/>
             </a:endParaRPr>
           </a:p>
           <a:p>
@@ -5377,17 +4923,16 @@
                 <a:spcPct val="100000"/>
               </a:lnSpc>
             </a:pPr>
-            <a:endParaRPr b="0" lang="de-DE" sz="2000" spc="-1" strike="noStrike">
-              <a:solidFill>
-                <a:srgbClr val="000000"/>
-              </a:solidFill>
-              <a:uFill>
-                <a:solidFill>
-                  <a:srgbClr val="ffffff"/>
-                </a:solidFill>
-              </a:uFill>
-              <a:latin typeface="Calibri"/>
-              <a:ea typeface="WenQuanYi Micro Hei"/>
+            <a:endParaRPr b="0" lang="en-US" sz="1800" spc="-1" strike="noStrike">
+              <a:solidFill>
+                <a:srgbClr val="000000"/>
+              </a:solidFill>
+              <a:uFill>
+                <a:solidFill>
+                  <a:srgbClr val="ffffff"/>
+                </a:solidFill>
+              </a:uFill>
+              <a:latin typeface="Arial"/>
             </a:endParaRPr>
           </a:p>
           <a:p>
@@ -5396,59 +4941,70 @@
                 <a:spcPct val="100000"/>
               </a:lnSpc>
             </a:pPr>
-            <a:endParaRPr b="0" lang="de-DE" sz="2000" spc="-1" strike="noStrike">
-              <a:solidFill>
-                <a:srgbClr val="000000"/>
-              </a:solidFill>
-              <a:uFill>
-                <a:solidFill>
-                  <a:srgbClr val="ffffff"/>
-                </a:solidFill>
-              </a:uFill>
-              <a:latin typeface="Calibri"/>
-              <a:ea typeface="WenQuanYi Micro Hei"/>
-            </a:endParaRPr>
-          </a:p>
-          <a:p>
-            <a:endParaRPr b="0" lang="de-DE" sz="2000" spc="-1" strike="noStrike">
-              <a:solidFill>
-                <a:srgbClr val="000000"/>
-              </a:solidFill>
-              <a:uFill>
-                <a:solidFill>
-                  <a:srgbClr val="ffffff"/>
-                </a:solidFill>
-              </a:uFill>
-              <a:latin typeface="Calibri"/>
-              <a:ea typeface="WenQuanYi Micro Hei"/>
-            </a:endParaRPr>
-          </a:p>
-          <a:p>
-            <a:endParaRPr b="0" lang="de-DE" sz="2000" spc="-1" strike="noStrike">
-              <a:solidFill>
-                <a:srgbClr val="000000"/>
-              </a:solidFill>
-              <a:uFill>
-                <a:solidFill>
-                  <a:srgbClr val="ffffff"/>
-                </a:solidFill>
-              </a:uFill>
-              <a:latin typeface="Calibri"/>
-              <a:ea typeface="WenQuanYi Micro Hei"/>
-            </a:endParaRPr>
-          </a:p>
-          <a:p>
-            <a:endParaRPr b="0" lang="de-DE" sz="2000" spc="-1" strike="noStrike">
-              <a:solidFill>
-                <a:srgbClr val="000000"/>
-              </a:solidFill>
-              <a:uFill>
-                <a:solidFill>
-                  <a:srgbClr val="ffffff"/>
-                </a:solidFill>
-              </a:uFill>
-              <a:latin typeface="Calibri"/>
-              <a:ea typeface="WenQuanYi Micro Hei"/>
+            <a:endParaRPr b="0" lang="en-US" sz="1800" spc="-1" strike="noStrike">
+              <a:solidFill>
+                <a:srgbClr val="000000"/>
+              </a:solidFill>
+              <a:uFill>
+                <a:solidFill>
+                  <a:srgbClr val="ffffff"/>
+                </a:solidFill>
+              </a:uFill>
+              <a:latin typeface="Arial"/>
+            </a:endParaRPr>
+          </a:p>
+          <a:p>
+            <a:pPr>
+              <a:lnSpc>
+                <a:spcPct val="100000"/>
+              </a:lnSpc>
+            </a:pPr>
+            <a:endParaRPr b="0" lang="en-US" sz="1800" spc="-1" strike="noStrike">
+              <a:solidFill>
+                <a:srgbClr val="000000"/>
+              </a:solidFill>
+              <a:uFill>
+                <a:solidFill>
+                  <a:srgbClr val="ffffff"/>
+                </a:solidFill>
+              </a:uFill>
+              <a:latin typeface="Arial"/>
+            </a:endParaRPr>
+          </a:p>
+          <a:p>
+            <a:pPr>
+              <a:lnSpc>
+                <a:spcPct val="100000"/>
+              </a:lnSpc>
+            </a:pPr>
+            <a:endParaRPr b="0" lang="en-US" sz="1800" spc="-1" strike="noStrike">
+              <a:solidFill>
+                <a:srgbClr val="000000"/>
+              </a:solidFill>
+              <a:uFill>
+                <a:solidFill>
+                  <a:srgbClr val="ffffff"/>
+                </a:solidFill>
+              </a:uFill>
+              <a:latin typeface="Arial"/>
+            </a:endParaRPr>
+          </a:p>
+          <a:p>
+            <a:pPr>
+              <a:lnSpc>
+                <a:spcPct val="100000"/>
+              </a:lnSpc>
+            </a:pPr>
+            <a:endParaRPr b="0" lang="en-US" sz="1800" spc="-1" strike="noStrike">
+              <a:solidFill>
+                <a:srgbClr val="000000"/>
+              </a:solidFill>
+              <a:uFill>
+                <a:solidFill>
+                  <a:srgbClr val="ffffff"/>
+                </a:solidFill>
+              </a:uFill>
+              <a:latin typeface="Arial"/>
             </a:endParaRPr>
           </a:p>
           <a:p>
@@ -5458,7 +5014,7 @@
               </a:lnSpc>
             </a:pPr>
             <a:r>
-              <a:rPr b="0" lang="de-DE" sz="2000" spc="-1" strike="noStrike">
+              <a:rPr b="0" lang="en-US" sz="2000" spc="-1" strike="noStrike">
                 <a:solidFill>
                   <a:srgbClr val="000000"/>
                 </a:solidFill>
@@ -5468,20 +5024,20 @@
                   </a:solidFill>
                 </a:uFill>
                 <a:latin typeface="Calibri"/>
+                <a:ea typeface="WenQuanYi Micro Hei"/>
               </a:rPr>
               <a:t>	</a:t>
             </a:r>
-            <a:endParaRPr b="0" lang="de-DE" sz="2000" spc="-1" strike="noStrike">
-              <a:solidFill>
-                <a:srgbClr val="000000"/>
-              </a:solidFill>
-              <a:uFill>
-                <a:solidFill>
-                  <a:srgbClr val="ffffff"/>
-                </a:solidFill>
-              </a:uFill>
-              <a:latin typeface="Calibri"/>
-              <a:ea typeface="WenQuanYi Micro Hei"/>
+            <a:endParaRPr b="0" lang="en-US" sz="1800" spc="-1" strike="noStrike">
+              <a:solidFill>
+                <a:srgbClr val="000000"/>
+              </a:solidFill>
+              <a:uFill>
+                <a:solidFill>
+                  <a:srgbClr val="ffffff"/>
+                </a:solidFill>
+              </a:uFill>
+              <a:latin typeface="Arial"/>
             </a:endParaRPr>
           </a:p>
         </p:txBody>
@@ -5537,14 +5093,14 @@
       </p:grpSpPr>
       <p:sp>
         <p:nvSpPr>
-          <p:cNvPr id="88" name="TextShape 1"/>
-          <p:cNvSpPr txBox="1"/>
+          <p:cNvPr id="82" name="CustomShape 1"/>
+          <p:cNvSpPr/>
           <p:nvPr/>
         </p:nvSpPr>
         <p:spPr>
           <a:xfrm>
             <a:off x="457200" y="274680"/>
-            <a:ext cx="8229240" cy="1142640"/>
+            <a:ext cx="8228880" cy="1142280"/>
           </a:xfrm>
           <a:prstGeom prst="rect">
             <a:avLst/>
@@ -5554,8 +5110,14 @@
             <a:noFill/>
           </a:ln>
         </p:spPr>
-        <p:txBody>
-          <a:bodyPr anchor="ctr"/>
+        <p:style>
+          <a:lnRef idx="0"/>
+          <a:fillRef idx="0"/>
+          <a:effectRef idx="0"/>
+          <a:fontRef idx="minor"/>
+        </p:style>
+        <p:txBody>
+          <a:bodyPr lIns="90000" rIns="90000" tIns="45000" bIns="45000" anchor="ctr"/>
           <a:p>
             <a:pPr algn="ctr">
               <a:lnSpc>
@@ -5563,7 +5125,7 @@
               </a:lnSpc>
             </a:pPr>
             <a:r>
-              <a:rPr b="0" lang="de-DE" sz="4400" spc="-1" strike="noStrike">
+              <a:rPr b="0" lang="en-US" sz="4400" spc="-1" strike="noStrike">
                 <a:solidFill>
                   <a:srgbClr val="000000"/>
                 </a:solidFill>
@@ -5576,30 +5138,30 @@
               </a:rPr>
               <a:t>How to Talk with the Registration Agent</a:t>
             </a:r>
-            <a:endParaRPr b="0" lang="de-DE" sz="1800" spc="-1" strike="noStrike">
-              <a:solidFill>
-                <a:srgbClr val="000000"/>
-              </a:solidFill>
-              <a:uFill>
-                <a:solidFill>
-                  <a:srgbClr val="ffffff"/>
-                </a:solidFill>
-              </a:uFill>
-              <a:latin typeface="Calibri"/>
-            </a:endParaRPr>
-          </a:p>
-        </p:txBody>
-      </p:sp>
-      <p:sp>
-        <p:nvSpPr>
-          <p:cNvPr id="89" name="TextShape 2"/>
-          <p:cNvSpPr txBox="1"/>
+            <a:endParaRPr b="0" lang="en-US" sz="1800" spc="-1" strike="noStrike">
+              <a:solidFill>
+                <a:srgbClr val="000000"/>
+              </a:solidFill>
+              <a:uFill>
+                <a:solidFill>
+                  <a:srgbClr val="ffffff"/>
+                </a:solidFill>
+              </a:uFill>
+              <a:latin typeface="Arial"/>
+            </a:endParaRPr>
+          </a:p>
+        </p:txBody>
+      </p:sp>
+      <p:sp>
+        <p:nvSpPr>
+          <p:cNvPr id="83" name="CustomShape 2"/>
+          <p:cNvSpPr/>
           <p:nvPr/>
         </p:nvSpPr>
         <p:spPr>
           <a:xfrm>
-            <a:off x="457200" y="1600200"/>
-            <a:ext cx="8229240" cy="4525560"/>
+            <a:off x="449280" y="2027880"/>
+            <a:ext cx="8228880" cy="4525200"/>
           </a:xfrm>
           <a:prstGeom prst="rect">
             <a:avLst/>
@@ -5609,10 +5171,16 @@
             <a:noFill/>
           </a:ln>
         </p:spPr>
-        <p:txBody>
-          <a:bodyPr/>
-          <a:p>
-            <a:pPr marL="343080" indent="-342720">
+        <p:style>
+          <a:lnRef idx="0"/>
+          <a:fillRef idx="0"/>
+          <a:effectRef idx="0"/>
+          <a:fontRef idx="minor"/>
+        </p:style>
+        <p:txBody>
+          <a:bodyPr lIns="90000" rIns="90000" tIns="45000" bIns="45000"/>
+          <a:p>
+            <a:pPr marL="343080" indent="-342360">
               <a:lnSpc>
                 <a:spcPct val="100000"/>
               </a:lnSpc>
@@ -5623,7 +5191,7 @@
               <a:buChar char="•"/>
             </a:pPr>
             <a:r>
-              <a:rPr b="0" lang="de-DE" sz="3200" spc="-1" strike="noStrike">
+              <a:rPr b="0" lang="en-US" sz="3200" spc="-1" strike="noStrike">
                 <a:solidFill>
                   <a:srgbClr val="000000"/>
                 </a:solidFill>
@@ -5636,20 +5204,57 @@
               </a:rPr>
               <a:t>Details given in:</a:t>
             </a:r>
-            <a:endParaRPr b="0" lang="de-DE" sz="3200" spc="-1" strike="noStrike">
-              <a:solidFill>
-                <a:srgbClr val="000000"/>
-              </a:solidFill>
-              <a:uFill>
-                <a:solidFill>
-                  <a:srgbClr val="ffffff"/>
-                </a:solidFill>
-              </a:uFill>
-              <a:latin typeface="Calibri"/>
-            </a:endParaRPr>
-          </a:p>
-          <a:p>
-            <a:pPr lvl="1" marL="743040" indent="-285480">
+            <a:endParaRPr b="0" lang="en-US" sz="1800" spc="-1" strike="noStrike">
+              <a:solidFill>
+                <a:srgbClr val="000000"/>
+              </a:solidFill>
+              <a:uFill>
+                <a:solidFill>
+                  <a:srgbClr val="ffffff"/>
+                </a:solidFill>
+              </a:uFill>
+              <a:latin typeface="Arial"/>
+            </a:endParaRPr>
+          </a:p>
+          <a:p>
+            <a:pPr marL="343080" indent="-342360">
+              <a:lnSpc>
+                <a:spcPct val="100000"/>
+              </a:lnSpc>
+              <a:buClr>
+                <a:srgbClr val="000000"/>
+              </a:buClr>
+              <a:buFont typeface="Arial"/>
+              <a:buChar char="•"/>
+            </a:pPr>
+            <a:r>
+              <a:rPr b="0" lang="en-US" sz="3200" spc="-1" strike="noStrike">
+                <a:solidFill>
+                  <a:srgbClr val="000000"/>
+                </a:solidFill>
+                <a:uFill>
+                  <a:solidFill>
+                    <a:srgbClr val="ffffff"/>
+                  </a:solidFill>
+                </a:uFill>
+                <a:latin typeface="Calibri"/>
+              </a:rPr>
+              <a:t> </a:t>
+            </a:r>
+            <a:endParaRPr b="0" lang="en-US" sz="1800" spc="-1" strike="noStrike">
+              <a:solidFill>
+                <a:srgbClr val="000000"/>
+              </a:solidFill>
+              <a:uFill>
+                <a:solidFill>
+                  <a:srgbClr val="ffffff"/>
+                </a:solidFill>
+              </a:uFill>
+              <a:latin typeface="Arial"/>
+            </a:endParaRPr>
+          </a:p>
+          <a:p>
+            <a:pPr lvl="1" marL="743040" indent="-285120">
               <a:lnSpc>
                 <a:spcPct val="100000"/>
               </a:lnSpc>
@@ -5660,9 +5265,9 @@
               <a:buChar char="–"/>
             </a:pPr>
             <a:r>
-              <a:rPr b="0" lang="de-DE" sz="2800" spc="-1" strike="noStrike" u="sng">
-                <a:solidFill>
-                  <a:srgbClr val="0000ff"/>
+              <a:rPr b="0" lang="en-US" sz="2400" spc="-1" strike="noStrike" u="sng">
+                <a:solidFill>
+                  <a:srgbClr val="000000"/>
                 </a:solidFill>
                 <a:uFill>
                   <a:solidFill>
@@ -5672,12 +5277,35 @@
                 <a:latin typeface="Calibri"/>
                 <a:hlinkClick r:id="rId1"/>
               </a:rPr>
-              <a:t>Readme of the </a:t>
+              <a:t>Readme of the GitHub repository</a:t>
             </a:r>
+            <a:endParaRPr b="0" lang="en-US" sz="1800" spc="-1" strike="noStrike">
+              <a:solidFill>
+                <a:srgbClr val="000000"/>
+              </a:solidFill>
+              <a:uFill>
+                <a:solidFill>
+                  <a:srgbClr val="ffffff"/>
+                </a:solidFill>
+              </a:uFill>
+              <a:latin typeface="Arial"/>
+            </a:endParaRPr>
+          </a:p>
+          <a:p>
+            <a:pPr lvl="1" marL="743040" indent="-285120">
+              <a:lnSpc>
+                <a:spcPct val="100000"/>
+              </a:lnSpc>
+              <a:buClr>
+                <a:srgbClr val="000000"/>
+              </a:buClr>
+              <a:buFont typeface="Arial"/>
+              <a:buChar char="–"/>
+            </a:pPr>
             <a:r>
-              <a:rPr b="0" lang="de-DE" sz="2800" spc="-1" strike="noStrike" u="sng">
-                <a:solidFill>
-                  <a:srgbClr val="0000ff"/>
+              <a:rPr b="0" lang="en-US" sz="2400" spc="-1" strike="noStrike" u="sng">
+                <a:solidFill>
+                  <a:srgbClr val="000000"/>
                 </a:solidFill>
                 <a:uFill>
                   <a:solidFill>
@@ -5687,71 +5315,18 @@
                 <a:latin typeface="Calibri"/>
                 <a:hlinkClick r:id="rId2"/>
               </a:rPr>
-              <a:t>GitHub</a:t>
+              <a:t>Thing Description of the Registration Agent</a:t>
             </a:r>
-            <a:r>
-              <a:rPr b="0" lang="de-DE" sz="2800" spc="-1" strike="noStrike" u="sng">
-                <a:solidFill>
-                  <a:srgbClr val="0000ff"/>
-                </a:solidFill>
-                <a:uFill>
-                  <a:solidFill>
-                    <a:srgbClr val="ffffff"/>
-                  </a:solidFill>
-                </a:uFill>
-                <a:latin typeface="Calibri"/>
-                <a:hlinkClick r:id="rId3"/>
-              </a:rPr>
-              <a:t> repository</a:t>
-            </a:r>
-            <a:endParaRPr b="0" lang="de-DE" sz="2400" spc="-1" strike="noStrike">
-              <a:solidFill>
-                <a:srgbClr val="000000"/>
-              </a:solidFill>
-              <a:uFill>
-                <a:solidFill>
-                  <a:srgbClr val="ffffff"/>
-                </a:solidFill>
-              </a:uFill>
-              <a:latin typeface="Calibri"/>
-            </a:endParaRPr>
-          </a:p>
-          <a:p>
-            <a:pPr lvl="1" marL="743040" indent="-285480">
-              <a:lnSpc>
-                <a:spcPct val="100000"/>
-              </a:lnSpc>
-              <a:buClr>
-                <a:srgbClr val="000000"/>
-              </a:buClr>
-              <a:buFont typeface="Arial"/>
-              <a:buChar char="–"/>
-            </a:pPr>
-            <a:r>
-              <a:rPr b="0" lang="de-DE" sz="2800" spc="-1" strike="noStrike" u="sng">
-                <a:solidFill>
-                  <a:srgbClr val="0000ff"/>
-                </a:solidFill>
-                <a:uFill>
-                  <a:solidFill>
-                    <a:srgbClr val="ffffff"/>
-                  </a:solidFill>
-                </a:uFill>
-                <a:latin typeface="Calibri"/>
-                <a:hlinkClick r:id="rId4"/>
-              </a:rPr>
-              <a:t>Thing Description of the Proxy Servient</a:t>
-            </a:r>
-            <a:endParaRPr b="0" lang="de-DE" sz="2400" spc="-1" strike="noStrike">
-              <a:solidFill>
-                <a:srgbClr val="000000"/>
-              </a:solidFill>
-              <a:uFill>
-                <a:solidFill>
-                  <a:srgbClr val="ffffff"/>
-                </a:solidFill>
-              </a:uFill>
-              <a:latin typeface="Calibri"/>
+            <a:endParaRPr b="0" lang="en-US" sz="1800" spc="-1" strike="noStrike">
+              <a:solidFill>
+                <a:srgbClr val="000000"/>
+              </a:solidFill>
+              <a:uFill>
+                <a:solidFill>
+                  <a:srgbClr val="ffffff"/>
+                </a:solidFill>
+              </a:uFill>
+              <a:latin typeface="Arial"/>
             </a:endParaRPr>
           </a:p>
         </p:txBody>
@@ -5807,14 +5382,14 @@
       </p:grpSpPr>
       <p:sp>
         <p:nvSpPr>
-          <p:cNvPr id="90" name="TextShape 1"/>
-          <p:cNvSpPr txBox="1"/>
+          <p:cNvPr id="84" name="CustomShape 1"/>
+          <p:cNvSpPr/>
           <p:nvPr/>
         </p:nvSpPr>
         <p:spPr>
           <a:xfrm>
             <a:off x="457200" y="274680"/>
-            <a:ext cx="8229240" cy="1142640"/>
+            <a:ext cx="8228880" cy="1142280"/>
           </a:xfrm>
           <a:prstGeom prst="rect">
             <a:avLst/>
@@ -5824,8 +5399,14 @@
             <a:noFill/>
           </a:ln>
         </p:spPr>
-        <p:txBody>
-          <a:bodyPr anchor="ctr"/>
+        <p:style>
+          <a:lnRef idx="0"/>
+          <a:fillRef idx="0"/>
+          <a:effectRef idx="0"/>
+          <a:fontRef idx="minor"/>
+        </p:style>
+        <p:txBody>
+          <a:bodyPr lIns="90000" rIns="90000" tIns="45000" bIns="45000" anchor="ctr"/>
           <a:p>
             <a:pPr algn="ctr">
               <a:lnSpc>
@@ -5833,7 +5414,7 @@
               </a:lnSpc>
             </a:pPr>
             <a:r>
-              <a:rPr b="0" lang="de-DE" sz="4400" spc="-1" strike="noStrike">
+              <a:rPr b="0" lang="en-US" sz="4200" spc="-1" strike="noStrike">
                 <a:solidFill>
                   <a:srgbClr val="000000"/>
                 </a:solidFill>
@@ -5844,32 +5425,32 @@
                 </a:uFill>
                 <a:latin typeface="Calibri"/>
               </a:rPr>
-              <a:t>How to Use the Registration Agent</a:t>
+              <a:t>How to Use the Registration Agent (Without Management)</a:t>
             </a:r>
-            <a:endParaRPr b="0" lang="de-DE" sz="1800" spc="-1" strike="noStrike">
-              <a:solidFill>
-                <a:srgbClr val="000000"/>
-              </a:solidFill>
-              <a:uFill>
-                <a:solidFill>
-                  <a:srgbClr val="ffffff"/>
-                </a:solidFill>
-              </a:uFill>
-              <a:latin typeface="Calibri"/>
-            </a:endParaRPr>
-          </a:p>
-        </p:txBody>
-      </p:sp>
-      <p:sp>
-        <p:nvSpPr>
-          <p:cNvPr id="91" name="TextShape 2"/>
-          <p:cNvSpPr txBox="1"/>
+            <a:endParaRPr b="0" lang="en-US" sz="4200" spc="-1" strike="noStrike">
+              <a:solidFill>
+                <a:srgbClr val="000000"/>
+              </a:solidFill>
+              <a:uFill>
+                <a:solidFill>
+                  <a:srgbClr val="ffffff"/>
+                </a:solidFill>
+              </a:uFill>
+              <a:latin typeface="Arial"/>
+            </a:endParaRPr>
+          </a:p>
+        </p:txBody>
+      </p:sp>
+      <p:sp>
+        <p:nvSpPr>
+          <p:cNvPr id="85" name="CustomShape 2"/>
+          <p:cNvSpPr/>
           <p:nvPr/>
         </p:nvSpPr>
         <p:spPr>
           <a:xfrm>
             <a:off x="457200" y="1600200"/>
-            <a:ext cx="7223760" cy="4525560"/>
+            <a:ext cx="7223400" cy="4525200"/>
           </a:xfrm>
           <a:prstGeom prst="rect">
             <a:avLst/>
@@ -5879,10 +5460,16 @@
             <a:noFill/>
           </a:ln>
         </p:spPr>
-        <p:txBody>
-          <a:bodyPr/>
-          <a:p>
-            <a:pPr marL="343080" indent="-342720">
+        <p:style>
+          <a:lnRef idx="0"/>
+          <a:fillRef idx="0"/>
+          <a:effectRef idx="0"/>
+          <a:fontRef idx="minor"/>
+        </p:style>
+        <p:txBody>
+          <a:bodyPr lIns="90000" rIns="90000" tIns="45000" bIns="45000"/>
+          <a:p>
+            <a:pPr marL="343080" indent="-342360">
               <a:lnSpc>
                 <a:spcPct val="100000"/>
               </a:lnSpc>
@@ -5893,7 +5480,7 @@
               <a:buChar char="•"/>
             </a:pPr>
             <a:r>
-              <a:rPr b="0" lang="de-DE" sz="2800" spc="-1" strike="noStrike">
+              <a:rPr b="0" lang="en-US" sz="2800" spc="-1" strike="noStrike">
                 <a:solidFill>
                   <a:srgbClr val="000000"/>
                 </a:solidFill>
@@ -5906,20 +5493,20 @@
               </a:rPr>
               <a:t>Set the directoryAddress property</a:t>
             </a:r>
-            <a:endParaRPr b="0" lang="de-DE" sz="3200" spc="-1" strike="noStrike">
-              <a:solidFill>
-                <a:srgbClr val="000000"/>
-              </a:solidFill>
-              <a:uFill>
-                <a:solidFill>
-                  <a:srgbClr val="ffffff"/>
-                </a:solidFill>
-              </a:uFill>
-              <a:latin typeface="Calibri"/>
-            </a:endParaRPr>
-          </a:p>
-          <a:p>
-            <a:pPr marL="343080" indent="-342720">
+            <a:endParaRPr b="0" lang="en-US" sz="1800" spc="-1" strike="noStrike">
+              <a:solidFill>
+                <a:srgbClr val="000000"/>
+              </a:solidFill>
+              <a:uFill>
+                <a:solidFill>
+                  <a:srgbClr val="ffffff"/>
+                </a:solidFill>
+              </a:uFill>
+              <a:latin typeface="Arial"/>
+            </a:endParaRPr>
+          </a:p>
+          <a:p>
+            <a:pPr marL="343080" indent="-342360">
               <a:lnSpc>
                 <a:spcPct val="100000"/>
               </a:lnSpc>
@@ -5930,7 +5517,7 @@
               <a:buChar char="•"/>
             </a:pPr>
             <a:r>
-              <a:rPr b="0" lang="de-DE" sz="2800" spc="-1" strike="noStrike">
+              <a:rPr b="0" lang="en-US" sz="2800" spc="-1" strike="noStrike">
                 <a:solidFill>
                   <a:srgbClr val="000000"/>
                 </a:solidFill>
@@ -5943,20 +5530,20 @@
               </a:rPr>
               <a:t>Set the gatewayAddress property</a:t>
             </a:r>
-            <a:endParaRPr b="0" lang="de-DE" sz="3200" spc="-1" strike="noStrike">
-              <a:solidFill>
-                <a:srgbClr val="000000"/>
-              </a:solidFill>
-              <a:uFill>
-                <a:solidFill>
-                  <a:srgbClr val="ffffff"/>
-                </a:solidFill>
-              </a:uFill>
-              <a:latin typeface="Calibri"/>
-            </a:endParaRPr>
-          </a:p>
-          <a:p>
-            <a:pPr marL="343080" indent="-342720">
+            <a:endParaRPr b="0" lang="en-US" sz="1800" spc="-1" strike="noStrike">
+              <a:solidFill>
+                <a:srgbClr val="000000"/>
+              </a:solidFill>
+              <a:uFill>
+                <a:solidFill>
+                  <a:srgbClr val="ffffff"/>
+                </a:solidFill>
+              </a:uFill>
+              <a:latin typeface="Arial"/>
+            </a:endParaRPr>
+          </a:p>
+          <a:p>
+            <a:pPr marL="343080" indent="-342360">
               <a:lnSpc>
                 <a:spcPct val="100000"/>
               </a:lnSpc>
@@ -5967,7 +5554,7 @@
               <a:buChar char="•"/>
             </a:pPr>
             <a:r>
-              <a:rPr b="0" lang="de-DE" sz="2800" spc="-1" strike="noStrike">
+              <a:rPr b="0" lang="en-US" sz="2800" spc="-1" strike="noStrike">
                 <a:solidFill>
                   <a:srgbClr val="000000"/>
                 </a:solidFill>
@@ -5980,20 +5567,57 @@
               </a:rPr>
               <a:t>From a Thing:</a:t>
             </a:r>
-            <a:endParaRPr b="0" lang="de-DE" sz="3200" spc="-1" strike="noStrike">
-              <a:solidFill>
-                <a:srgbClr val="000000"/>
-              </a:solidFill>
-              <a:uFill>
-                <a:solidFill>
-                  <a:srgbClr val="ffffff"/>
-                </a:solidFill>
-              </a:uFill>
-              <a:latin typeface="Calibri"/>
-            </a:endParaRPr>
-          </a:p>
-          <a:p>
-            <a:pPr lvl="1" marL="743040" indent="-285480">
+            <a:endParaRPr b="0" lang="en-US" sz="1800" spc="-1" strike="noStrike">
+              <a:solidFill>
+                <a:srgbClr val="000000"/>
+              </a:solidFill>
+              <a:uFill>
+                <a:solidFill>
+                  <a:srgbClr val="ffffff"/>
+                </a:solidFill>
+              </a:uFill>
+              <a:latin typeface="Arial"/>
+            </a:endParaRPr>
+          </a:p>
+          <a:p>
+            <a:pPr marL="343080" indent="-342360">
+              <a:lnSpc>
+                <a:spcPct val="100000"/>
+              </a:lnSpc>
+              <a:buClr>
+                <a:srgbClr val="000000"/>
+              </a:buClr>
+              <a:buFont typeface="Arial"/>
+              <a:buChar char="•"/>
+            </a:pPr>
+            <a:r>
+              <a:rPr b="0" lang="en-US" sz="2800" spc="-1" strike="noStrike">
+                <a:solidFill>
+                  <a:srgbClr val="000000"/>
+                </a:solidFill>
+                <a:uFill>
+                  <a:solidFill>
+                    <a:srgbClr val="ffffff"/>
+                  </a:solidFill>
+                </a:uFill>
+                <a:latin typeface="Calibri"/>
+              </a:rPr>
+              <a:t> </a:t>
+            </a:r>
+            <a:endParaRPr b="0" lang="en-US" sz="1800" spc="-1" strike="noStrike">
+              <a:solidFill>
+                <a:srgbClr val="000000"/>
+              </a:solidFill>
+              <a:uFill>
+                <a:solidFill>
+                  <a:srgbClr val="ffffff"/>
+                </a:solidFill>
+              </a:uFill>
+              <a:latin typeface="Arial"/>
+            </a:endParaRPr>
+          </a:p>
+          <a:p>
+            <a:pPr lvl="1" marL="743040" indent="-285120">
               <a:lnSpc>
                 <a:spcPct val="100000"/>
               </a:lnSpc>
@@ -6004,7 +5628,7 @@
               <a:buChar char="–"/>
             </a:pPr>
             <a:r>
-              <a:rPr b="0" lang="de-DE" sz="2400" spc="-1" strike="noStrike">
+              <a:rPr b="0" lang="en-US" sz="2400" spc="-1" strike="noStrike">
                 <a:solidFill>
                   <a:srgbClr val="000000"/>
                 </a:solidFill>
@@ -6017,20 +5641,20 @@
               </a:rPr>
               <a:t>Invoke makeMePublic action with the TD </a:t>
             </a:r>
-            <a:endParaRPr b="0" lang="de-DE" sz="2400" spc="-1" strike="noStrike">
-              <a:solidFill>
-                <a:srgbClr val="000000"/>
-              </a:solidFill>
-              <a:uFill>
-                <a:solidFill>
-                  <a:srgbClr val="ffffff"/>
-                </a:solidFill>
-              </a:uFill>
-              <a:latin typeface="Calibri"/>
-            </a:endParaRPr>
-          </a:p>
-          <a:p>
-            <a:pPr lvl="2" marL="1143000" indent="-228240">
+            <a:endParaRPr b="0" lang="en-US" sz="1800" spc="-1" strike="noStrike">
+              <a:solidFill>
+                <a:srgbClr val="000000"/>
+              </a:solidFill>
+              <a:uFill>
+                <a:solidFill>
+                  <a:srgbClr val="ffffff"/>
+                </a:solidFill>
+              </a:uFill>
+              <a:latin typeface="Arial"/>
+            </a:endParaRPr>
+          </a:p>
+          <a:p>
+            <a:pPr lvl="2" marL="1143000" indent="-227880">
               <a:lnSpc>
                 <a:spcPct val="100000"/>
               </a:lnSpc>
@@ -6041,7 +5665,7 @@
               <a:buChar char="•"/>
             </a:pPr>
             <a:r>
-              <a:rPr b="0" lang="de-DE" sz="2000" spc="-1" strike="noStrike">
+              <a:rPr b="0" lang="en-US" sz="2000" spc="-1" strike="noStrike">
                 <a:solidFill>
                   <a:srgbClr val="000000"/>
                 </a:solidFill>
@@ -6054,20 +5678,20 @@
               </a:rPr>
               <a:t>The TD will be modified to a public version and put in public directory</a:t>
             </a:r>
-            <a:endParaRPr b="0" lang="de-DE" sz="2000" spc="-1" strike="noStrike">
-              <a:solidFill>
-                <a:srgbClr val="000000"/>
-              </a:solidFill>
-              <a:uFill>
-                <a:solidFill>
-                  <a:srgbClr val="ffffff"/>
-                </a:solidFill>
-              </a:uFill>
-              <a:latin typeface="Calibri"/>
-            </a:endParaRPr>
-          </a:p>
-          <a:p>
-            <a:pPr lvl="1" marL="743040" indent="-285480">
+            <a:endParaRPr b="0" lang="en-US" sz="1800" spc="-1" strike="noStrike">
+              <a:solidFill>
+                <a:srgbClr val="000000"/>
+              </a:solidFill>
+              <a:uFill>
+                <a:solidFill>
+                  <a:srgbClr val="ffffff"/>
+                </a:solidFill>
+              </a:uFill>
+              <a:latin typeface="Arial"/>
+            </a:endParaRPr>
+          </a:p>
+          <a:p>
+            <a:pPr lvl="1" marL="743040" indent="-285120">
               <a:lnSpc>
                 <a:spcPct val="100000"/>
               </a:lnSpc>
@@ -6078,7 +5702,7 @@
               <a:buChar char="–"/>
             </a:pPr>
             <a:r>
-              <a:rPr b="0" lang="de-DE" sz="2400" spc="-1" strike="noStrike">
+              <a:rPr b="0" lang="en-US" sz="2400" spc="-1" strike="noStrike">
                 <a:solidFill>
                   <a:srgbClr val="000000"/>
                 </a:solidFill>
@@ -6091,20 +5715,20 @@
               </a:rPr>
               <a:t>Invoke updateMe action with the TD and the id returned from the makeMePublic action</a:t>
             </a:r>
-            <a:endParaRPr b="0" lang="de-DE" sz="2400" spc="-1" strike="noStrike">
-              <a:solidFill>
-                <a:srgbClr val="000000"/>
-              </a:solidFill>
-              <a:uFill>
-                <a:solidFill>
-                  <a:srgbClr val="ffffff"/>
-                </a:solidFill>
-              </a:uFill>
-              <a:latin typeface="Calibri"/>
-            </a:endParaRPr>
-          </a:p>
-          <a:p>
-            <a:pPr lvl="1" marL="743040" indent="-285480">
+            <a:endParaRPr b="0" lang="en-US" sz="1800" spc="-1" strike="noStrike">
+              <a:solidFill>
+                <a:srgbClr val="000000"/>
+              </a:solidFill>
+              <a:uFill>
+                <a:solidFill>
+                  <a:srgbClr val="ffffff"/>
+                </a:solidFill>
+              </a:uFill>
+              <a:latin typeface="Arial"/>
+            </a:endParaRPr>
+          </a:p>
+          <a:p>
+            <a:pPr lvl="1" marL="743040" indent="-285120">
               <a:lnSpc>
                 <a:spcPct val="100000"/>
               </a:lnSpc>
@@ -6115,7 +5739,7 @@
               <a:buChar char="–"/>
             </a:pPr>
             <a:r>
-              <a:rPr b="0" lang="de-DE" sz="2400" spc="-1" strike="noStrike">
+              <a:rPr b="0" lang="en-US" sz="2400" spc="-1" strike="noStrike">
                 <a:solidFill>
                   <a:srgbClr val="000000"/>
                 </a:solidFill>
@@ -6128,30 +5752,30 @@
               </a:rPr>
               <a:t>Invoke deleteMe action with the id returned from the makeMePublic</a:t>
             </a:r>
-            <a:endParaRPr b="0" lang="de-DE" sz="2400" spc="-1" strike="noStrike">
-              <a:solidFill>
-                <a:srgbClr val="000000"/>
-              </a:solidFill>
-              <a:uFill>
-                <a:solidFill>
-                  <a:srgbClr val="ffffff"/>
-                </a:solidFill>
-              </a:uFill>
-              <a:latin typeface="Calibri"/>
-            </a:endParaRPr>
-          </a:p>
-        </p:txBody>
-      </p:sp>
-      <p:sp>
-        <p:nvSpPr>
-          <p:cNvPr id="92" name="Line 3"/>
+            <a:endParaRPr b="0" lang="en-US" sz="1800" spc="-1" strike="noStrike">
+              <a:solidFill>
+                <a:srgbClr val="000000"/>
+              </a:solidFill>
+              <a:uFill>
+                <a:solidFill>
+                  <a:srgbClr val="ffffff"/>
+                </a:solidFill>
+              </a:uFill>
+              <a:latin typeface="Arial"/>
+            </a:endParaRPr>
+          </a:p>
+        </p:txBody>
+      </p:sp>
+      <p:sp>
+        <p:nvSpPr>
+          <p:cNvPr id="86" name="Line 3"/>
           <p:cNvSpPr/>
           <p:nvPr/>
         </p:nvSpPr>
         <p:spPr>
           <a:xfrm>
-            <a:off x="7040880" y="3017520"/>
-            <a:ext cx="548640" cy="0"/>
+            <a:off x="7040880" y="3383280"/>
+            <a:ext cx="548640" cy="360"/>
           </a:xfrm>
           <a:prstGeom prst="line">
             <a:avLst/>
@@ -6171,14 +5795,14 @@
       </p:sp>
       <p:sp>
         <p:nvSpPr>
-          <p:cNvPr id="93" name="Line 4"/>
+          <p:cNvPr id="87" name="Line 4"/>
           <p:cNvSpPr/>
           <p:nvPr/>
         </p:nvSpPr>
         <p:spPr>
           <a:xfrm>
-            <a:off x="7589520" y="3017520"/>
-            <a:ext cx="0" cy="2377440"/>
+            <a:off x="7589520" y="3383280"/>
+            <a:ext cx="0" cy="2083680"/>
           </a:xfrm>
           <a:prstGeom prst="line">
             <a:avLst/>
@@ -6198,14 +5822,14 @@
       </p:sp>
       <p:sp>
         <p:nvSpPr>
-          <p:cNvPr id="94" name="Line 5"/>
+          <p:cNvPr id="88" name="Line 5"/>
           <p:cNvSpPr/>
           <p:nvPr/>
         </p:nvSpPr>
         <p:spPr>
           <a:xfrm>
-            <a:off x="7040880" y="5394960"/>
-            <a:ext cx="548640" cy="0"/>
+            <a:off x="7040880" y="5466960"/>
+            <a:ext cx="548640" cy="360"/>
           </a:xfrm>
           <a:prstGeom prst="line">
             <a:avLst/>
@@ -6225,14 +5849,14 @@
       </p:sp>
       <p:sp>
         <p:nvSpPr>
-          <p:cNvPr id="95" name="Line 6"/>
+          <p:cNvPr id="89" name="Line 6"/>
           <p:cNvSpPr/>
           <p:nvPr/>
         </p:nvSpPr>
         <p:spPr>
           <a:xfrm>
-            <a:off x="7589520" y="4206240"/>
-            <a:ext cx="274320" cy="0"/>
+            <a:off x="7589520" y="4369680"/>
+            <a:ext cx="274320" cy="360"/>
           </a:xfrm>
           <a:prstGeom prst="line">
             <a:avLst/>
@@ -6253,14 +5877,14 @@
       </p:sp>
       <p:sp>
         <p:nvSpPr>
-          <p:cNvPr id="96" name="TextShape 7"/>
-          <p:cNvSpPr txBox="1"/>
+          <p:cNvPr id="90" name="CustomShape 7"/>
+          <p:cNvSpPr/>
           <p:nvPr/>
         </p:nvSpPr>
         <p:spPr>
           <a:xfrm>
-            <a:off x="7863840" y="3629520"/>
-            <a:ext cx="1280160" cy="1089360"/>
+            <a:off x="7864200" y="3829320"/>
+            <a:ext cx="1279800" cy="1089000"/>
           </a:xfrm>
           <a:prstGeom prst="rect">
             <a:avLst/>
@@ -6270,6 +5894,12 @@
             <a:noFill/>
           </a:ln>
         </p:spPr>
+        <p:style>
+          <a:lnRef idx="0"/>
+          <a:fillRef idx="0"/>
+          <a:effectRef idx="0"/>
+          <a:fontRef idx="minor"/>
+        </p:style>
         <p:txBody>
           <a:bodyPr lIns="90000" rIns="90000" tIns="45000" bIns="45000"/>
           <a:p>
@@ -6287,7 +5917,7 @@
               </a:rPr>
               <a:t>You can specify the the time you want to be public</a:t>
             </a:r>
-            <a:endParaRPr b="0" lang="en-US" sz="1400" spc="-1" strike="noStrike">
+            <a:endParaRPr b="0" lang="en-US" sz="1800" spc="-1" strike="noStrike">
               <a:solidFill>
                 <a:srgbClr val="000000"/>
               </a:solidFill>
@@ -6352,14 +5982,14 @@
       </p:grpSpPr>
       <p:sp>
         <p:nvSpPr>
-          <p:cNvPr id="97" name="TextShape 1"/>
-          <p:cNvSpPr txBox="1"/>
+          <p:cNvPr id="91" name="CustomShape 1"/>
+          <p:cNvSpPr/>
           <p:nvPr/>
         </p:nvSpPr>
         <p:spPr>
           <a:xfrm>
             <a:off x="457200" y="274680"/>
-            <a:ext cx="8229240" cy="1142640"/>
+            <a:ext cx="8228880" cy="1142280"/>
           </a:xfrm>
           <a:prstGeom prst="rect">
             <a:avLst/>
@@ -6369,8 +5999,14 @@
             <a:noFill/>
           </a:ln>
         </p:spPr>
-        <p:txBody>
-          <a:bodyPr anchor="ctr"/>
+        <p:style>
+          <a:lnRef idx="0"/>
+          <a:fillRef idx="0"/>
+          <a:effectRef idx="0"/>
+          <a:fontRef idx="minor"/>
+        </p:style>
+        <p:txBody>
+          <a:bodyPr lIns="90000" rIns="90000" tIns="45000" bIns="45000" anchor="ctr"/>
           <a:p>
             <a:pPr algn="ctr">
               <a:lnSpc>
@@ -6378,7 +6014,7 @@
               </a:lnSpc>
             </a:pPr>
             <a:r>
-              <a:rPr b="0" lang="de-DE" sz="4400" spc="-1" strike="noStrike">
+              <a:rPr b="0" lang="en-US" sz="4400" spc="-1" strike="noStrike">
                 <a:solidFill>
                   <a:srgbClr val="000000"/>
                 </a:solidFill>
@@ -6391,30 +6027,30 @@
               </a:rPr>
               <a:t>Further Questions</a:t>
             </a:r>
-            <a:endParaRPr b="0" lang="de-DE" sz="1800" spc="-1" strike="noStrike">
-              <a:solidFill>
-                <a:srgbClr val="000000"/>
-              </a:solidFill>
-              <a:uFill>
-                <a:solidFill>
-                  <a:srgbClr val="ffffff"/>
-                </a:solidFill>
-              </a:uFill>
-              <a:latin typeface="Calibri"/>
-            </a:endParaRPr>
-          </a:p>
-        </p:txBody>
-      </p:sp>
-      <p:sp>
-        <p:nvSpPr>
-          <p:cNvPr id="98" name="TextShape 2"/>
-          <p:cNvSpPr txBox="1"/>
+            <a:endParaRPr b="0" lang="en-US" sz="1800" spc="-1" strike="noStrike">
+              <a:solidFill>
+                <a:srgbClr val="000000"/>
+              </a:solidFill>
+              <a:uFill>
+                <a:solidFill>
+                  <a:srgbClr val="ffffff"/>
+                </a:solidFill>
+              </a:uFill>
+              <a:latin typeface="Arial"/>
+            </a:endParaRPr>
+          </a:p>
+        </p:txBody>
+      </p:sp>
+      <p:sp>
+        <p:nvSpPr>
+          <p:cNvPr id="92" name="CustomShape 2"/>
+          <p:cNvSpPr/>
           <p:nvPr/>
         </p:nvSpPr>
         <p:spPr>
           <a:xfrm>
             <a:off x="457200" y="1600200"/>
-            <a:ext cx="8229240" cy="4525560"/>
+            <a:ext cx="8228880" cy="4525200"/>
           </a:xfrm>
           <a:prstGeom prst="rect">
             <a:avLst/>
@@ -6424,16 +6060,22 @@
             <a:noFill/>
           </a:ln>
         </p:spPr>
-        <p:txBody>
-          <a:bodyPr/>
-          <a:p>
-            <a:pPr marL="343080" indent="-342720">
+        <p:style>
+          <a:lnRef idx="0"/>
+          <a:fillRef idx="0"/>
+          <a:effectRef idx="0"/>
+          <a:fontRef idx="minor"/>
+        </p:style>
+        <p:txBody>
+          <a:bodyPr lIns="90000" rIns="90000" tIns="45000" bIns="45000"/>
+          <a:p>
+            <a:pPr marL="343080" indent="-342360">
               <a:lnSpc>
                 <a:spcPct val="100000"/>
               </a:lnSpc>
             </a:pPr>
             <a:r>
-              <a:rPr b="0" lang="de-DE" sz="3200" spc="-1" strike="noStrike">
+              <a:rPr b="0" lang="en-US" sz="3200" spc="-1" strike="noStrike">
                 <a:solidFill>
                   <a:srgbClr val="000000"/>
                 </a:solidFill>
@@ -6446,34 +6088,34 @@
               </a:rPr>
               <a:t>Please contact Sebastian Käbisch from Siemens or send me an email at egekorkan@gmail.com</a:t>
             </a:r>
-            <a:endParaRPr b="0" lang="de-DE" sz="3200" spc="-1" strike="noStrike">
-              <a:solidFill>
-                <a:srgbClr val="000000"/>
-              </a:solidFill>
-              <a:uFill>
-                <a:solidFill>
-                  <a:srgbClr val="ffffff"/>
-                </a:solidFill>
-              </a:uFill>
-              <a:latin typeface="Calibri"/>
-            </a:endParaRPr>
-          </a:p>
-          <a:p>
-            <a:pPr>
+            <a:endParaRPr b="0" lang="en-US" sz="1800" spc="-1" strike="noStrike">
+              <a:solidFill>
+                <a:srgbClr val="000000"/>
+              </a:solidFill>
+              <a:uFill>
+                <a:solidFill>
+                  <a:srgbClr val="ffffff"/>
+                </a:solidFill>
+              </a:uFill>
+              <a:latin typeface="Arial"/>
+            </a:endParaRPr>
+          </a:p>
+          <a:p>
+            <a:pPr marL="343080" indent="-342360">
               <a:lnSpc>
                 <a:spcPct val="100000"/>
               </a:lnSpc>
             </a:pPr>
-            <a:endParaRPr b="0" lang="de-DE" sz="3200" spc="-1" strike="noStrike">
-              <a:solidFill>
-                <a:srgbClr val="000000"/>
-              </a:solidFill>
-              <a:uFill>
-                <a:solidFill>
-                  <a:srgbClr val="ffffff"/>
-                </a:solidFill>
-              </a:uFill>
-              <a:latin typeface="Calibri"/>
+            <a:endParaRPr b="0" lang="en-US" sz="1800" spc="-1" strike="noStrike">
+              <a:solidFill>
+                <a:srgbClr val="000000"/>
+              </a:solidFill>
+              <a:uFill>
+                <a:solidFill>
+                  <a:srgbClr val="ffffff"/>
+                </a:solidFill>
+              </a:uFill>
+              <a:latin typeface="Arial"/>
             </a:endParaRPr>
           </a:p>
         </p:txBody>
